--- a/Presentation_August17_CMdeBlecourt_s2188813.pptx
+++ b/Presentation_August17_CMdeBlecourt_s2188813.pptx
@@ -5,40 +5,41 @@
     <p:sldMasterId id="2147483648" r:id="rId1"/>
   </p:sldMasterIdLst>
   <p:notesMasterIdLst>
-    <p:notesMasterId r:id="rId33"/>
+    <p:notesMasterId r:id="rId34"/>
   </p:notesMasterIdLst>
   <p:sldIdLst>
     <p:sldId id="256" r:id="rId2"/>
     <p:sldId id="257" r:id="rId3"/>
-    <p:sldId id="259" r:id="rId4"/>
+    <p:sldId id="316" r:id="rId4"/>
     <p:sldId id="310" r:id="rId5"/>
-    <p:sldId id="258" r:id="rId6"/>
-    <p:sldId id="283" r:id="rId7"/>
-    <p:sldId id="285" r:id="rId8"/>
+    <p:sldId id="317" r:id="rId6"/>
+    <p:sldId id="258" r:id="rId7"/>
+    <p:sldId id="283" r:id="rId8"/>
     <p:sldId id="266" r:id="rId9"/>
     <p:sldId id="267" r:id="rId10"/>
-    <p:sldId id="282" r:id="rId11"/>
-    <p:sldId id="269" r:id="rId12"/>
-    <p:sldId id="271" r:id="rId13"/>
-    <p:sldId id="273" r:id="rId14"/>
-    <p:sldId id="286" r:id="rId15"/>
-    <p:sldId id="294" r:id="rId16"/>
-    <p:sldId id="274" r:id="rId17"/>
-    <p:sldId id="295" r:id="rId18"/>
+    <p:sldId id="269" r:id="rId11"/>
+    <p:sldId id="271" r:id="rId12"/>
+    <p:sldId id="273" r:id="rId13"/>
+    <p:sldId id="286" r:id="rId14"/>
+    <p:sldId id="294" r:id="rId15"/>
+    <p:sldId id="274" r:id="rId16"/>
+    <p:sldId id="295" r:id="rId17"/>
+    <p:sldId id="318" r:id="rId18"/>
     <p:sldId id="311" r:id="rId19"/>
     <p:sldId id="299" r:id="rId20"/>
-    <p:sldId id="312" r:id="rId21"/>
-    <p:sldId id="277" r:id="rId22"/>
+    <p:sldId id="315" r:id="rId21"/>
+    <p:sldId id="312" r:id="rId22"/>
     <p:sldId id="279" r:id="rId23"/>
-    <p:sldId id="302" r:id="rId24"/>
-    <p:sldId id="303" r:id="rId25"/>
-    <p:sldId id="308" r:id="rId26"/>
-    <p:sldId id="305" r:id="rId27"/>
-    <p:sldId id="261" r:id="rId28"/>
-    <p:sldId id="262" r:id="rId29"/>
-    <p:sldId id="263" r:id="rId30"/>
-    <p:sldId id="264" r:id="rId31"/>
-    <p:sldId id="265" r:id="rId32"/>
+    <p:sldId id="277" r:id="rId24"/>
+    <p:sldId id="282" r:id="rId25"/>
+    <p:sldId id="313" r:id="rId26"/>
+    <p:sldId id="314" r:id="rId27"/>
+    <p:sldId id="305" r:id="rId28"/>
+    <p:sldId id="261" r:id="rId29"/>
+    <p:sldId id="262" r:id="rId30"/>
+    <p:sldId id="263" r:id="rId31"/>
+    <p:sldId id="264" r:id="rId32"/>
+    <p:sldId id="265" r:id="rId33"/>
   </p:sldIdLst>
   <p:sldSz cx="12192000" cy="6858000"/>
   <p:notesSz cx="6858000" cy="9144000"/>
@@ -144,14 +145,13 @@
           <p14:sldIdLst>
             <p14:sldId id="256"/>
             <p14:sldId id="257"/>
-            <p14:sldId id="259"/>
+            <p14:sldId id="316"/>
             <p14:sldId id="310"/>
+            <p14:sldId id="317"/>
             <p14:sldId id="258"/>
             <p14:sldId id="283"/>
-            <p14:sldId id="285"/>
             <p14:sldId id="266"/>
             <p14:sldId id="267"/>
-            <p14:sldId id="282"/>
             <p14:sldId id="269"/>
             <p14:sldId id="271"/>
             <p14:sldId id="273"/>
@@ -159,14 +159,16 @@
             <p14:sldId id="294"/>
             <p14:sldId id="274"/>
             <p14:sldId id="295"/>
+            <p14:sldId id="318"/>
             <p14:sldId id="311"/>
             <p14:sldId id="299"/>
+            <p14:sldId id="315"/>
             <p14:sldId id="312"/>
+            <p14:sldId id="279"/>
             <p14:sldId id="277"/>
-            <p14:sldId id="279"/>
-            <p14:sldId id="302"/>
-            <p14:sldId id="303"/>
-            <p14:sldId id="308"/>
+            <p14:sldId id="282"/>
+            <p14:sldId id="313"/>
+            <p14:sldId id="314"/>
             <p14:sldId id="305"/>
           </p14:sldIdLst>
         </p14:section>
@@ -9319,7 +9321,7 @@
           <a:p>
             <a:fld id="{18C23BBE-FBCF-4061-8F03-8D879E49CD50}" type="datetimeFigureOut">
               <a:rPr lang="en-US" smtClean="0"/>
-              <a:t>8/14/2018</a:t>
+              <a:t>8/16/2018</a:t>
             </a:fld>
             <a:endParaRPr lang="en-US"/>
           </a:p>
@@ -9605,6 +9607,90 @@
       </p:grpSpPr>
       <p:sp>
         <p:nvSpPr>
+          <p:cNvPr id="2" name="Tijdelijke aanduiding voor dia-afbeelding 1"/>
+          <p:cNvSpPr>
+            <a:spLocks noGrp="1" noRot="1" noChangeAspect="1"/>
+          </p:cNvSpPr>
+          <p:nvPr>
+            <p:ph type="sldImg"/>
+          </p:nvPr>
+        </p:nvSpPr>
+        <p:spPr/>
+      </p:sp>
+      <p:sp>
+        <p:nvSpPr>
+          <p:cNvPr id="3" name="Tijdelijke aanduiding voor notities 2"/>
+          <p:cNvSpPr>
+            <a:spLocks noGrp="1"/>
+          </p:cNvSpPr>
+          <p:nvPr>
+            <p:ph type="body" idx="1"/>
+          </p:nvPr>
+        </p:nvSpPr>
+        <p:spPr/>
+        <p:txBody>
+          <a:bodyPr/>
+          <a:lstStyle/>
+          <a:p>
+            <a:endParaRPr lang="nl-NL" dirty="0"/>
+          </a:p>
+        </p:txBody>
+      </p:sp>
+      <p:sp>
+        <p:nvSpPr>
+          <p:cNvPr id="4" name="Tijdelijke aanduiding voor dianummer 3"/>
+          <p:cNvSpPr>
+            <a:spLocks noGrp="1"/>
+          </p:cNvSpPr>
+          <p:nvPr>
+            <p:ph type="sldNum" sz="quarter" idx="10"/>
+          </p:nvPr>
+        </p:nvSpPr>
+        <p:spPr/>
+        <p:txBody>
+          <a:bodyPr/>
+          <a:lstStyle/>
+          <a:p>
+            <a:fld id="{397F3D32-B77B-403D-9029-30A62ADBFFDE}" type="slidenum">
+              <a:rPr lang="en-US" smtClean="0"/>
+              <a:t>4</a:t>
+            </a:fld>
+            <a:endParaRPr lang="en-US"/>
+          </a:p>
+        </p:txBody>
+      </p:sp>
+    </p:spTree>
+    <p:extLst>
+      <p:ext uri="{BB962C8B-B14F-4D97-AF65-F5344CB8AC3E}">
+        <p14:creationId xmlns:p14="http://schemas.microsoft.com/office/powerpoint/2010/main" val="2140076561"/>
+      </p:ext>
+    </p:extLst>
+  </p:cSld>
+  <p:clrMapOvr>
+    <a:masterClrMapping/>
+  </p:clrMapOvr>
+</p:notes>
+</file>
+
+<file path=ppt/notesSlides/notesSlide2.xml><?xml version="1.0" encoding="utf-8"?>
+<p:notes xmlns:a="http://schemas.openxmlformats.org/drawingml/2006/main" xmlns:r="http://schemas.openxmlformats.org/officeDocument/2006/relationships" xmlns:p="http://schemas.openxmlformats.org/presentationml/2006/main">
+  <p:cSld>
+    <p:spTree>
+      <p:nvGrpSpPr>
+        <p:cNvPr id="1" name=""/>
+        <p:cNvGrpSpPr/>
+        <p:nvPr/>
+      </p:nvGrpSpPr>
+      <p:grpSpPr>
+        <a:xfrm>
+          <a:off x="0" y="0"/>
+          <a:ext cx="0" cy="0"/>
+          <a:chOff x="0" y="0"/>
+          <a:chExt cx="0" cy="0"/>
+        </a:xfrm>
+      </p:grpSpPr>
+      <p:sp>
+        <p:nvSpPr>
           <p:cNvPr id="2" name="Slide Image Placeholder 1"/>
           <p:cNvSpPr>
             <a:spLocks noGrp="1" noRot="1" noChangeAspect="1"/>
@@ -9631,12 +9717,8 @@
           <a:lstStyle/>
           <a:p>
             <a:r>
-              <a:rPr lang="en-GB" dirty="0"/>
-              <a:t>Switch</a:t>
-            </a:r>
-            <a:r>
-              <a:rPr lang="en-GB" baseline="0" dirty="0"/>
-              <a:t> costs are lower in bilinguals; more efficient switching process</a:t>
+              <a:rPr lang="nl-NL" dirty="0" err="1"/>
+              <a:t>Task-switching</a:t>
             </a:r>
             <a:endParaRPr lang="en-US" dirty="0"/>
           </a:p>
@@ -9659,7 +9741,7 @@
           <a:p>
             <a:fld id="{397F3D32-B77B-403D-9029-30A62ADBFFDE}" type="slidenum">
               <a:rPr lang="en-US" smtClean="0"/>
-              <a:t>3</a:t>
+              <a:t>10</a:t>
             </a:fld>
             <a:endParaRPr lang="en-US"/>
           </a:p>
@@ -9668,7 +9750,7 @@
     </p:spTree>
     <p:extLst>
       <p:ext uri="{BB962C8B-B14F-4D97-AF65-F5344CB8AC3E}">
-        <p14:creationId xmlns:p14="http://schemas.microsoft.com/office/powerpoint/2010/main" val="2715403353"/>
+        <p14:creationId xmlns:p14="http://schemas.microsoft.com/office/powerpoint/2010/main" val="108257756"/>
       </p:ext>
     </p:extLst>
   </p:cSld>
@@ -9678,7 +9760,115 @@
 </p:notes>
 </file>
 
-<file path=ppt/notesSlides/notesSlide2.xml><?xml version="1.0" encoding="utf-8"?>
+<file path=ppt/notesSlides/notesSlide3.xml><?xml version="1.0" encoding="utf-8"?>
+<p:notes xmlns:a="http://schemas.openxmlformats.org/drawingml/2006/main" xmlns:r="http://schemas.openxmlformats.org/officeDocument/2006/relationships" xmlns:p="http://schemas.openxmlformats.org/presentationml/2006/main">
+  <p:cSld>
+    <p:spTree>
+      <p:nvGrpSpPr>
+        <p:cNvPr id="1" name=""/>
+        <p:cNvGrpSpPr/>
+        <p:nvPr/>
+      </p:nvGrpSpPr>
+      <p:grpSpPr>
+        <a:xfrm>
+          <a:off x="0" y="0"/>
+          <a:ext cx="0" cy="0"/>
+          <a:chOff x="0" y="0"/>
+          <a:chExt cx="0" cy="0"/>
+        </a:xfrm>
+      </p:grpSpPr>
+      <p:sp>
+        <p:nvSpPr>
+          <p:cNvPr id="2" name="Slide Image Placeholder 1"/>
+          <p:cNvSpPr>
+            <a:spLocks noGrp="1" noRot="1" noChangeAspect="1"/>
+          </p:cNvSpPr>
+          <p:nvPr>
+            <p:ph type="sldImg"/>
+          </p:nvPr>
+        </p:nvSpPr>
+        <p:spPr/>
+      </p:sp>
+      <p:sp>
+        <p:nvSpPr>
+          <p:cNvPr id="3" name="Notes Placeholder 2"/>
+          <p:cNvSpPr>
+            <a:spLocks noGrp="1"/>
+          </p:cNvSpPr>
+          <p:nvPr>
+            <p:ph type="body" idx="1"/>
+          </p:nvPr>
+        </p:nvSpPr>
+        <p:spPr/>
+        <p:txBody>
+          <a:bodyPr/>
+          <a:lstStyle/>
+          <a:p>
+            <a:r>
+              <a:rPr lang="nl-NL" dirty="0"/>
+              <a:t>Modules get</a:t>
+            </a:r>
+            <a:r>
+              <a:rPr lang="nl-NL" baseline="0" dirty="0"/>
+              <a:t> </a:t>
+            </a:r>
+            <a:r>
+              <a:rPr lang="nl-NL" baseline="0" dirty="0" err="1"/>
+              <a:t>accessed</a:t>
+            </a:r>
+            <a:r>
+              <a:rPr lang="nl-NL" baseline="0" dirty="0"/>
+              <a:t> </a:t>
+            </a:r>
+            <a:r>
+              <a:rPr lang="nl-NL" baseline="0" dirty="0" err="1"/>
+              <a:t>through</a:t>
+            </a:r>
+            <a:r>
+              <a:rPr lang="nl-NL" baseline="0" dirty="0"/>
+              <a:t> buffers</a:t>
+            </a:r>
+            <a:endParaRPr lang="en-US" dirty="0"/>
+          </a:p>
+        </p:txBody>
+      </p:sp>
+      <p:sp>
+        <p:nvSpPr>
+          <p:cNvPr id="4" name="Slide Number Placeholder 3"/>
+          <p:cNvSpPr>
+            <a:spLocks noGrp="1"/>
+          </p:cNvSpPr>
+          <p:nvPr>
+            <p:ph type="sldNum" sz="quarter" idx="10"/>
+          </p:nvPr>
+        </p:nvSpPr>
+        <p:spPr/>
+        <p:txBody>
+          <a:bodyPr/>
+          <a:lstStyle/>
+          <a:p>
+            <a:fld id="{397F3D32-B77B-403D-9029-30A62ADBFFDE}" type="slidenum">
+              <a:rPr lang="en-US" smtClean="0"/>
+              <a:t>12</a:t>
+            </a:fld>
+            <a:endParaRPr lang="en-US"/>
+          </a:p>
+        </p:txBody>
+      </p:sp>
+    </p:spTree>
+    <p:extLst>
+      <p:ext uri="{BB962C8B-B14F-4D97-AF65-F5344CB8AC3E}">
+        <p14:creationId xmlns:p14="http://schemas.microsoft.com/office/powerpoint/2010/main" val="4228688052"/>
+      </p:ext>
+    </p:extLst>
+  </p:cSld>
+  <p:clrMapOvr>
+    <a:masterClrMapping/>
+  </p:clrMapOvr>
+</p:notes>
+</file>
+
+<file path=ppt/notesSlides/notesSlide4.xml><?xml version="1.0" encoding="utf-8"?>
 <p:notes xmlns:a="http://schemas.openxmlformats.org/drawingml/2006/main" xmlns:r="http://schemas.openxmlformats.org/officeDocument/2006/relationships" xmlns:p="http://schemas.openxmlformats.org/presentationml/2006/main">
   <p:cSld>
     <p:spTree>
@@ -9743,202 +9933,6 @@
           <a:p>
             <a:fld id="{397F3D32-B77B-403D-9029-30A62ADBFFDE}" type="slidenum">
               <a:rPr lang="en-US" smtClean="0"/>
-              <a:t>10</a:t>
-            </a:fld>
-            <a:endParaRPr lang="en-US"/>
-          </a:p>
-        </p:txBody>
-      </p:sp>
-    </p:spTree>
-    <p:extLst>
-      <p:ext uri="{BB962C8B-B14F-4D97-AF65-F5344CB8AC3E}">
-        <p14:creationId xmlns:p14="http://schemas.microsoft.com/office/powerpoint/2010/main" val="810389584"/>
-      </p:ext>
-    </p:extLst>
-  </p:cSld>
-  <p:clrMapOvr>
-    <a:masterClrMapping/>
-  </p:clrMapOvr>
-</p:notes>
-</file>
-
-<file path=ppt/notesSlides/notesSlide3.xml><?xml version="1.0" encoding="utf-8"?>
-<p:notes xmlns:a="http://schemas.openxmlformats.org/drawingml/2006/main" xmlns:r="http://schemas.openxmlformats.org/officeDocument/2006/relationships" xmlns:p="http://schemas.openxmlformats.org/presentationml/2006/main">
-  <p:cSld>
-    <p:spTree>
-      <p:nvGrpSpPr>
-        <p:cNvPr id="1" name=""/>
-        <p:cNvGrpSpPr/>
-        <p:nvPr/>
-      </p:nvGrpSpPr>
-      <p:grpSpPr>
-        <a:xfrm>
-          <a:off x="0" y="0"/>
-          <a:ext cx="0" cy="0"/>
-          <a:chOff x="0" y="0"/>
-          <a:chExt cx="0" cy="0"/>
-        </a:xfrm>
-      </p:grpSpPr>
-      <p:sp>
-        <p:nvSpPr>
-          <p:cNvPr id="2" name="Slide Image Placeholder 1"/>
-          <p:cNvSpPr>
-            <a:spLocks noGrp="1" noRot="1" noChangeAspect="1"/>
-          </p:cNvSpPr>
-          <p:nvPr>
-            <p:ph type="sldImg"/>
-          </p:nvPr>
-        </p:nvSpPr>
-        <p:spPr/>
-      </p:sp>
-      <p:sp>
-        <p:nvSpPr>
-          <p:cNvPr id="3" name="Notes Placeholder 2"/>
-          <p:cNvSpPr>
-            <a:spLocks noGrp="1"/>
-          </p:cNvSpPr>
-          <p:nvPr>
-            <p:ph type="body" idx="1"/>
-          </p:nvPr>
-        </p:nvSpPr>
-        <p:spPr/>
-        <p:txBody>
-          <a:bodyPr/>
-          <a:lstStyle/>
-          <a:p>
-            <a:r>
-              <a:rPr lang="nl-NL" dirty="0" err="1"/>
-              <a:t>Task-switching</a:t>
-            </a:r>
-            <a:endParaRPr lang="en-US" dirty="0"/>
-          </a:p>
-        </p:txBody>
-      </p:sp>
-      <p:sp>
-        <p:nvSpPr>
-          <p:cNvPr id="4" name="Slide Number Placeholder 3"/>
-          <p:cNvSpPr>
-            <a:spLocks noGrp="1"/>
-          </p:cNvSpPr>
-          <p:nvPr>
-            <p:ph type="sldNum" sz="quarter" idx="10"/>
-          </p:nvPr>
-        </p:nvSpPr>
-        <p:spPr/>
-        <p:txBody>
-          <a:bodyPr/>
-          <a:lstStyle/>
-          <a:p>
-            <a:fld id="{397F3D32-B77B-403D-9029-30A62ADBFFDE}" type="slidenum">
-              <a:rPr lang="en-US" smtClean="0"/>
-              <a:t>11</a:t>
-            </a:fld>
-            <a:endParaRPr lang="en-US"/>
-          </a:p>
-        </p:txBody>
-      </p:sp>
-    </p:spTree>
-    <p:extLst>
-      <p:ext uri="{BB962C8B-B14F-4D97-AF65-F5344CB8AC3E}">
-        <p14:creationId xmlns:p14="http://schemas.microsoft.com/office/powerpoint/2010/main" val="108257756"/>
-      </p:ext>
-    </p:extLst>
-  </p:cSld>
-  <p:clrMapOvr>
-    <a:masterClrMapping/>
-  </p:clrMapOvr>
-</p:notes>
-</file>
-
-<file path=ppt/notesSlides/notesSlide4.xml><?xml version="1.0" encoding="utf-8"?>
-<p:notes xmlns:a="http://schemas.openxmlformats.org/drawingml/2006/main" xmlns:r="http://schemas.openxmlformats.org/officeDocument/2006/relationships" xmlns:p="http://schemas.openxmlformats.org/presentationml/2006/main">
-  <p:cSld>
-    <p:spTree>
-      <p:nvGrpSpPr>
-        <p:cNvPr id="1" name=""/>
-        <p:cNvGrpSpPr/>
-        <p:nvPr/>
-      </p:nvGrpSpPr>
-      <p:grpSpPr>
-        <a:xfrm>
-          <a:off x="0" y="0"/>
-          <a:ext cx="0" cy="0"/>
-          <a:chOff x="0" y="0"/>
-          <a:chExt cx="0" cy="0"/>
-        </a:xfrm>
-      </p:grpSpPr>
-      <p:sp>
-        <p:nvSpPr>
-          <p:cNvPr id="2" name="Slide Image Placeholder 1"/>
-          <p:cNvSpPr>
-            <a:spLocks noGrp="1" noRot="1" noChangeAspect="1"/>
-          </p:cNvSpPr>
-          <p:nvPr>
-            <p:ph type="sldImg"/>
-          </p:nvPr>
-        </p:nvSpPr>
-        <p:spPr/>
-      </p:sp>
-      <p:sp>
-        <p:nvSpPr>
-          <p:cNvPr id="3" name="Notes Placeholder 2"/>
-          <p:cNvSpPr>
-            <a:spLocks noGrp="1"/>
-          </p:cNvSpPr>
-          <p:nvPr>
-            <p:ph type="body" idx="1"/>
-          </p:nvPr>
-        </p:nvSpPr>
-        <p:spPr/>
-        <p:txBody>
-          <a:bodyPr/>
-          <a:lstStyle/>
-          <a:p>
-            <a:r>
-              <a:rPr lang="nl-NL" dirty="0"/>
-              <a:t>Modules get</a:t>
-            </a:r>
-            <a:r>
-              <a:rPr lang="nl-NL" baseline="0" dirty="0"/>
-              <a:t> </a:t>
-            </a:r>
-            <a:r>
-              <a:rPr lang="nl-NL" baseline="0" dirty="0" err="1"/>
-              <a:t>accessed</a:t>
-            </a:r>
-            <a:r>
-              <a:rPr lang="nl-NL" baseline="0" dirty="0"/>
-              <a:t> </a:t>
-            </a:r>
-            <a:r>
-              <a:rPr lang="nl-NL" baseline="0" dirty="0" err="1"/>
-              <a:t>through</a:t>
-            </a:r>
-            <a:r>
-              <a:rPr lang="nl-NL" baseline="0" dirty="0"/>
-              <a:t> buffers</a:t>
-            </a:r>
-            <a:endParaRPr lang="en-US" dirty="0"/>
-          </a:p>
-        </p:txBody>
-      </p:sp>
-      <p:sp>
-        <p:nvSpPr>
-          <p:cNvPr id="4" name="Slide Number Placeholder 3"/>
-          <p:cNvSpPr>
-            <a:spLocks noGrp="1"/>
-          </p:cNvSpPr>
-          <p:nvPr>
-            <p:ph type="sldNum" sz="quarter" idx="10"/>
-          </p:nvPr>
-        </p:nvSpPr>
-        <p:spPr/>
-        <p:txBody>
-          <a:bodyPr/>
-          <a:lstStyle/>
-          <a:p>
-            <a:fld id="{397F3D32-B77B-403D-9029-30A62ADBFFDE}" type="slidenum">
-              <a:rPr lang="en-US" smtClean="0"/>
               <a:t>13</a:t>
             </a:fld>
             <a:endParaRPr lang="en-US"/>
@@ -9948,7 +9942,7 @@
     </p:spTree>
     <p:extLst>
       <p:ext uri="{BB962C8B-B14F-4D97-AF65-F5344CB8AC3E}">
-        <p14:creationId xmlns:p14="http://schemas.microsoft.com/office/powerpoint/2010/main" val="4228688052"/>
+        <p14:creationId xmlns:p14="http://schemas.microsoft.com/office/powerpoint/2010/main" val="1093261728"/>
       </p:ext>
     </p:extLst>
   </p:cSld>
@@ -10023,7 +10017,7 @@
           <a:p>
             <a:fld id="{397F3D32-B77B-403D-9029-30A62ADBFFDE}" type="slidenum">
               <a:rPr lang="en-US" smtClean="0"/>
-              <a:t>14</a:t>
+              <a:t>15</a:t>
             </a:fld>
             <a:endParaRPr lang="en-US"/>
           </a:p>
@@ -10032,7 +10026,7 @@
     </p:spTree>
     <p:extLst>
       <p:ext uri="{BB962C8B-B14F-4D97-AF65-F5344CB8AC3E}">
-        <p14:creationId xmlns:p14="http://schemas.microsoft.com/office/powerpoint/2010/main" val="1093261728"/>
+        <p14:creationId xmlns:p14="http://schemas.microsoft.com/office/powerpoint/2010/main" val="1668528028"/>
       </p:ext>
     </p:extLst>
   </p:cSld>
@@ -10043,6 +10037,174 @@
 </file>
 
 <file path=ppt/notesSlides/notesSlide6.xml><?xml version="1.0" encoding="utf-8"?>
+<p:notes xmlns:a="http://schemas.openxmlformats.org/drawingml/2006/main" xmlns:r="http://schemas.openxmlformats.org/officeDocument/2006/relationships" xmlns:p="http://schemas.openxmlformats.org/presentationml/2006/main">
+  <p:cSld>
+    <p:spTree>
+      <p:nvGrpSpPr>
+        <p:cNvPr id="1" name=""/>
+        <p:cNvGrpSpPr/>
+        <p:nvPr/>
+      </p:nvGrpSpPr>
+      <p:grpSpPr>
+        <a:xfrm>
+          <a:off x="0" y="0"/>
+          <a:ext cx="0" cy="0"/>
+          <a:chOff x="0" y="0"/>
+          <a:chExt cx="0" cy="0"/>
+        </a:xfrm>
+      </p:grpSpPr>
+      <p:sp>
+        <p:nvSpPr>
+          <p:cNvPr id="2" name="Tijdelijke aanduiding voor dia-afbeelding 1"/>
+          <p:cNvSpPr>
+            <a:spLocks noGrp="1" noRot="1" noChangeAspect="1"/>
+          </p:cNvSpPr>
+          <p:nvPr>
+            <p:ph type="sldImg"/>
+          </p:nvPr>
+        </p:nvSpPr>
+        <p:spPr/>
+      </p:sp>
+      <p:sp>
+        <p:nvSpPr>
+          <p:cNvPr id="3" name="Tijdelijke aanduiding voor notities 2"/>
+          <p:cNvSpPr>
+            <a:spLocks noGrp="1"/>
+          </p:cNvSpPr>
+          <p:nvPr>
+            <p:ph type="body" idx="1"/>
+          </p:nvPr>
+        </p:nvSpPr>
+        <p:spPr/>
+        <p:txBody>
+          <a:bodyPr/>
+          <a:lstStyle/>
+          <a:p>
+            <a:endParaRPr lang="nl-NL" dirty="0"/>
+          </a:p>
+        </p:txBody>
+      </p:sp>
+      <p:sp>
+        <p:nvSpPr>
+          <p:cNvPr id="4" name="Tijdelijke aanduiding voor dianummer 3"/>
+          <p:cNvSpPr>
+            <a:spLocks noGrp="1"/>
+          </p:cNvSpPr>
+          <p:nvPr>
+            <p:ph type="sldNum" sz="quarter" idx="10"/>
+          </p:nvPr>
+        </p:nvSpPr>
+        <p:spPr/>
+        <p:txBody>
+          <a:bodyPr/>
+          <a:lstStyle/>
+          <a:p>
+            <a:fld id="{397F3D32-B77B-403D-9029-30A62ADBFFDE}" type="slidenum">
+              <a:rPr lang="en-US" smtClean="0"/>
+              <a:t>16</a:t>
+            </a:fld>
+            <a:endParaRPr lang="en-US"/>
+          </a:p>
+        </p:txBody>
+      </p:sp>
+    </p:spTree>
+    <p:extLst>
+      <p:ext uri="{BB962C8B-B14F-4D97-AF65-F5344CB8AC3E}">
+        <p14:creationId xmlns:p14="http://schemas.microsoft.com/office/powerpoint/2010/main" val="1777660882"/>
+      </p:ext>
+    </p:extLst>
+  </p:cSld>
+  <p:clrMapOvr>
+    <a:masterClrMapping/>
+  </p:clrMapOvr>
+</p:notes>
+</file>
+
+<file path=ppt/notesSlides/notesSlide7.xml><?xml version="1.0" encoding="utf-8"?>
+<p:notes xmlns:a="http://schemas.openxmlformats.org/drawingml/2006/main" xmlns:r="http://schemas.openxmlformats.org/officeDocument/2006/relationships" xmlns:p="http://schemas.openxmlformats.org/presentationml/2006/main">
+  <p:cSld>
+    <p:spTree>
+      <p:nvGrpSpPr>
+        <p:cNvPr id="1" name=""/>
+        <p:cNvGrpSpPr/>
+        <p:nvPr/>
+      </p:nvGrpSpPr>
+      <p:grpSpPr>
+        <a:xfrm>
+          <a:off x="0" y="0"/>
+          <a:ext cx="0" cy="0"/>
+          <a:chOff x="0" y="0"/>
+          <a:chExt cx="0" cy="0"/>
+        </a:xfrm>
+      </p:grpSpPr>
+      <p:sp>
+        <p:nvSpPr>
+          <p:cNvPr id="2" name="Tijdelijke aanduiding voor dia-afbeelding 1"/>
+          <p:cNvSpPr>
+            <a:spLocks noGrp="1" noRot="1" noChangeAspect="1"/>
+          </p:cNvSpPr>
+          <p:nvPr>
+            <p:ph type="sldImg"/>
+          </p:nvPr>
+        </p:nvSpPr>
+        <p:spPr/>
+      </p:sp>
+      <p:sp>
+        <p:nvSpPr>
+          <p:cNvPr id="3" name="Tijdelijke aanduiding voor notities 2"/>
+          <p:cNvSpPr>
+            <a:spLocks noGrp="1"/>
+          </p:cNvSpPr>
+          <p:nvPr>
+            <p:ph type="body" idx="1"/>
+          </p:nvPr>
+        </p:nvSpPr>
+        <p:spPr/>
+        <p:txBody>
+          <a:bodyPr/>
+          <a:lstStyle/>
+          <a:p>
+            <a:endParaRPr lang="nl-NL" dirty="0"/>
+          </a:p>
+        </p:txBody>
+      </p:sp>
+      <p:sp>
+        <p:nvSpPr>
+          <p:cNvPr id="4" name="Tijdelijke aanduiding voor dianummer 3"/>
+          <p:cNvSpPr>
+            <a:spLocks noGrp="1"/>
+          </p:cNvSpPr>
+          <p:nvPr>
+            <p:ph type="sldNum" sz="quarter" idx="10"/>
+          </p:nvPr>
+        </p:nvSpPr>
+        <p:spPr/>
+        <p:txBody>
+          <a:bodyPr/>
+          <a:lstStyle/>
+          <a:p>
+            <a:fld id="{397F3D32-B77B-403D-9029-30A62ADBFFDE}" type="slidenum">
+              <a:rPr lang="en-US" smtClean="0"/>
+              <a:t>20</a:t>
+            </a:fld>
+            <a:endParaRPr lang="en-US"/>
+          </a:p>
+        </p:txBody>
+      </p:sp>
+    </p:spTree>
+    <p:extLst>
+      <p:ext uri="{BB962C8B-B14F-4D97-AF65-F5344CB8AC3E}">
+        <p14:creationId xmlns:p14="http://schemas.microsoft.com/office/powerpoint/2010/main" val="1090276799"/>
+      </p:ext>
+    </p:extLst>
+  </p:cSld>
+  <p:clrMapOvr>
+    <a:masterClrMapping/>
+  </p:clrMapOvr>
+</p:notes>
+</file>
+
+<file path=ppt/notesSlides/notesSlide8.xml><?xml version="1.0" encoding="utf-8"?>
 <p:notes xmlns:a="http://schemas.openxmlformats.org/drawingml/2006/main" xmlns:r="http://schemas.openxmlformats.org/officeDocument/2006/relationships" xmlns:p="http://schemas.openxmlformats.org/presentationml/2006/main">
   <p:cSld>
     <p:spTree>
@@ -10107,7 +10269,7 @@
           <a:p>
             <a:fld id="{397F3D32-B77B-403D-9029-30A62ADBFFDE}" type="slidenum">
               <a:rPr lang="en-US" smtClean="0"/>
-              <a:t>16</a:t>
+              <a:t>22</a:t>
             </a:fld>
             <a:endParaRPr lang="en-US"/>
           </a:p>
@@ -10116,7 +10278,7 @@
     </p:spTree>
     <p:extLst>
       <p:ext uri="{BB962C8B-B14F-4D97-AF65-F5344CB8AC3E}">
-        <p14:creationId xmlns:p14="http://schemas.microsoft.com/office/powerpoint/2010/main" val="1668528028"/>
+        <p14:creationId xmlns:p14="http://schemas.microsoft.com/office/powerpoint/2010/main" val="1639329620"/>
       </p:ext>
     </p:extLst>
   </p:cSld>
@@ -10126,7 +10288,7 @@
 </p:notes>
 </file>
 
-<file path=ppt/notesSlides/notesSlide7.xml><?xml version="1.0" encoding="utf-8"?>
+<file path=ppt/notesSlides/notesSlide9.xml><?xml version="1.0" encoding="utf-8"?>
 <p:notes xmlns:a="http://schemas.openxmlformats.org/drawingml/2006/main" xmlns:r="http://schemas.openxmlformats.org/officeDocument/2006/relationships" xmlns:p="http://schemas.openxmlformats.org/presentationml/2006/main">
   <p:cSld>
     <p:spTree>
@@ -10170,50 +10332,6 @@
           <a:bodyPr/>
           <a:lstStyle/>
           <a:p>
-            <a:r>
-              <a:rPr lang="nl-NL" dirty="0"/>
-              <a:t>Easy/</a:t>
-            </a:r>
-            <a:r>
-              <a:rPr lang="nl-NL" dirty="0" err="1"/>
-              <a:t>difficult</a:t>
-            </a:r>
-            <a:r>
-              <a:rPr lang="nl-NL" dirty="0"/>
-              <a:t> </a:t>
-            </a:r>
-            <a:r>
-              <a:rPr lang="nl-NL" dirty="0" err="1"/>
-              <a:t>differences</a:t>
-            </a:r>
-            <a:r>
-              <a:rPr lang="nl-NL" dirty="0"/>
-              <a:t> have </a:t>
-            </a:r>
-            <a:r>
-              <a:rPr lang="nl-NL" dirty="0" err="1"/>
-              <a:t>also</a:t>
-            </a:r>
-            <a:r>
-              <a:rPr lang="nl-NL" dirty="0"/>
-              <a:t> been found in</a:t>
-            </a:r>
-            <a:r>
-              <a:rPr lang="nl-NL" baseline="0" dirty="0"/>
-              <a:t> </a:t>
-            </a:r>
-            <a:r>
-              <a:rPr lang="nl-NL" baseline="0" dirty="0" err="1"/>
-              <a:t>behavioural</a:t>
-            </a:r>
-            <a:r>
-              <a:rPr lang="nl-NL" baseline="0" dirty="0"/>
-              <a:t> </a:t>
-            </a:r>
-            <a:r>
-              <a:rPr lang="nl-NL" baseline="0" dirty="0" err="1"/>
-              <a:t>literature</a:t>
-            </a:r>
             <a:endParaRPr lang="en-US" dirty="0"/>
           </a:p>
         </p:txBody>
@@ -10235,7 +10353,7 @@
           <a:p>
             <a:fld id="{397F3D32-B77B-403D-9029-30A62ADBFFDE}" type="slidenum">
               <a:rPr lang="en-US" smtClean="0"/>
-              <a:t>22</a:t>
+              <a:t>24</a:t>
             </a:fld>
             <a:endParaRPr lang="en-US"/>
           </a:p>
@@ -10244,7 +10362,7 @@
     </p:spTree>
     <p:extLst>
       <p:ext uri="{BB962C8B-B14F-4D97-AF65-F5344CB8AC3E}">
-        <p14:creationId xmlns:p14="http://schemas.microsoft.com/office/powerpoint/2010/main" val="1639329620"/>
+        <p14:creationId xmlns:p14="http://schemas.microsoft.com/office/powerpoint/2010/main" val="3926671240"/>
       </p:ext>
     </p:extLst>
   </p:cSld>
@@ -19047,7 +19165,7 @@
           <a:p>
             <a:fld id="{AC558E53-F428-4963-A7EF-B7075059E994}" type="datetime1">
               <a:rPr lang="en-US" smtClean="0"/>
-              <a:t>8/14/2018</a:t>
+              <a:t>8/16/2018</a:t>
             </a:fld>
             <a:endParaRPr lang="en-US" dirty="0"/>
           </a:p>
@@ -19249,7 +19367,7 @@
           <a:p>
             <a:fld id="{DD8BA30B-0B6A-4237-8F12-988E8977281C}" type="datetime1">
               <a:rPr lang="en-US" smtClean="0"/>
-              <a:t>8/14/2018</a:t>
+              <a:t>8/16/2018</a:t>
             </a:fld>
             <a:endParaRPr lang="en-US" dirty="0"/>
           </a:p>
@@ -19424,7 +19542,7 @@
           <a:p>
             <a:fld id="{3F8B5AD8-316B-4D1E-B127-E0063A7DEC01}" type="datetime1">
               <a:rPr lang="en-US" smtClean="0"/>
-              <a:t>8/14/2018</a:t>
+              <a:t>8/16/2018</a:t>
             </a:fld>
             <a:endParaRPr lang="en-US" dirty="0"/>
           </a:p>
@@ -19624,7 +19742,7 @@
           <a:p>
             <a:fld id="{5B81CF98-4D78-444E-90DD-35C5062B1D07}" type="datetime1">
               <a:rPr lang="en-US" smtClean="0"/>
-              <a:t>8/14/2018</a:t>
+              <a:t>8/16/2018</a:t>
             </a:fld>
             <a:endParaRPr lang="en-US" dirty="0"/>
           </a:p>
@@ -28517,7 +28635,7 @@
           <a:p>
             <a:fld id="{6EC6E34C-903A-4F88-8C06-216024EB6E91}" type="datetime1">
               <a:rPr lang="en-US" smtClean="0"/>
-              <a:t>8/14/2018</a:t>
+              <a:t>8/16/2018</a:t>
             </a:fld>
             <a:endParaRPr lang="en-US" dirty="0"/>
           </a:p>
@@ -28786,7 +28904,7 @@
           <a:p>
             <a:fld id="{76EAA617-FF66-4E92-9542-1149B9999D3D}" type="datetime1">
               <a:rPr lang="en-US" smtClean="0"/>
-              <a:t>8/14/2018</a:t>
+              <a:t>8/16/2018</a:t>
             </a:fld>
             <a:endParaRPr lang="en-US" dirty="0"/>
           </a:p>
@@ -29179,7 +29297,7 @@
           <a:p>
             <a:fld id="{94FC2AFF-274D-4D4B-82F4-7256B62C8B06}" type="datetime1">
               <a:rPr lang="en-US" smtClean="0"/>
-              <a:t>8/14/2018</a:t>
+              <a:t>8/16/2018</a:t>
             </a:fld>
             <a:endParaRPr lang="en-US" dirty="0"/>
           </a:p>
@@ -29292,7 +29410,7 @@
           <a:p>
             <a:fld id="{839FA2C7-13F5-4629-8137-E83CA20BF634}" type="datetime1">
               <a:rPr lang="en-US" smtClean="0"/>
-              <a:t>8/14/2018</a:t>
+              <a:t>8/16/2018</a:t>
             </a:fld>
             <a:endParaRPr lang="en-US" dirty="0"/>
           </a:p>
@@ -29382,7 +29500,7 @@
           <a:p>
             <a:fld id="{AF33A60F-0B68-4541-A8BB-EDB5BC308EE3}" type="datetime1">
               <a:rPr lang="en-US" smtClean="0"/>
-              <a:t>8/14/2018</a:t>
+              <a:t>8/16/2018</a:t>
             </a:fld>
             <a:endParaRPr lang="en-US" dirty="0"/>
           </a:p>
@@ -29667,7 +29785,7 @@
           <a:p>
             <a:fld id="{4D410DB1-23CF-48A3-9226-30B51C3AF75C}" type="datetime1">
               <a:rPr lang="en-US" smtClean="0"/>
-              <a:t>8/14/2018</a:t>
+              <a:t>8/16/2018</a:t>
             </a:fld>
             <a:endParaRPr lang="en-US" dirty="0"/>
           </a:p>
@@ -29942,7 +30060,7 @@
           <a:p>
             <a:fld id="{BAA23AD8-B736-4D02-8CBB-0D09820EBA6F}" type="datetime1">
               <a:rPr lang="en-US" smtClean="0"/>
-              <a:t>8/14/2018</a:t>
+              <a:t>8/16/2018</a:t>
             </a:fld>
             <a:endParaRPr lang="en-US" dirty="0"/>
           </a:p>
@@ -30187,7 +30305,7 @@
           <a:p>
             <a:fld id="{58ACE0EA-B88A-49C0-BA13-7B2D0C34F0A5}" type="datetime1">
               <a:rPr lang="en-US" smtClean="0"/>
-              <a:t>8/14/2018</a:t>
+              <a:t>8/16/2018</a:t>
             </a:fld>
             <a:endParaRPr lang="en-US" dirty="0"/>
           </a:p>
@@ -30791,6 +30909,13 @@
               <a:rPr lang="en-GB" dirty="0"/>
               <a:t>Charlotte de Blecourt</a:t>
             </a:r>
+            <a:br>
+              <a:rPr lang="en-GB" dirty="0"/>
+            </a:br>
+            <a:r>
+              <a:rPr lang="en-GB" dirty="0"/>
+              <a:t>s2188813</a:t>
+            </a:r>
             <a:endParaRPr lang="en-US" dirty="0"/>
           </a:p>
         </p:txBody>
@@ -30850,13 +30975,7 @@
       </p:grpSpPr>
       <p:sp>
         <p:nvSpPr>
-          <p:cNvPr id="2" name="Titel 1">
-            <a:extLst>
-              <a:ext uri="{FF2B5EF4-FFF2-40B4-BE49-F238E27FC236}">
-                <a16:creationId xmlns:a16="http://schemas.microsoft.com/office/drawing/2014/main" id="{E0D681C1-0BE3-42FC-8F7F-C17C16A194DD}"/>
-              </a:ext>
-            </a:extLst>
-          </p:cNvPr>
+          <p:cNvPr id="2" name="Title 1"/>
           <p:cNvSpPr>
             <a:spLocks noGrp="1"/>
           </p:cNvSpPr>
@@ -30870,70 +30989,61 @@
           <a:lstStyle/>
           <a:p>
             <a:r>
-              <a:rPr lang="nl-NL" dirty="0" err="1"/>
-              <a:t>fMRI</a:t>
-            </a:r>
-            <a:r>
-              <a:rPr lang="nl-NL" dirty="0"/>
-              <a:t> </a:t>
-            </a:r>
-            <a:r>
-              <a:rPr lang="nl-NL" dirty="0" err="1"/>
-              <a:t>Results</a:t>
-            </a:r>
-            <a:endParaRPr lang="nl-NL" dirty="0"/>
+              <a:rPr lang="en-GB" dirty="0"/>
+              <a:t>So what do we know?</a:t>
+            </a:r>
+            <a:endParaRPr lang="en-US" dirty="0"/>
           </a:p>
         </p:txBody>
       </p:sp>
       <p:sp>
         <p:nvSpPr>
-          <p:cNvPr id="6" name="Tijdelijke aanduiding voor tekst 5">
-            <a:extLst>
-              <a:ext uri="{FF2B5EF4-FFF2-40B4-BE49-F238E27FC236}">
-                <a16:creationId xmlns:a16="http://schemas.microsoft.com/office/drawing/2014/main" id="{6BDB30CF-DF1E-406E-8AB4-96CD18A377E2}"/>
-              </a:ext>
-            </a:extLst>
-          </p:cNvPr>
+          <p:cNvPr id="3" name="Content Placeholder 2"/>
           <p:cNvSpPr>
             <a:spLocks noGrp="1"/>
           </p:cNvSpPr>
           <p:nvPr>
-            <p:ph type="body" sz="half" idx="2"/>
+            <p:ph idx="1"/>
           </p:nvPr>
         </p:nvSpPr>
         <p:spPr/>
         <p:txBody>
-          <a:bodyPr/>
+          <a:bodyPr>
+            <a:normAutofit/>
+          </a:bodyPr>
           <a:lstStyle/>
           <a:p>
             <a:r>
-              <a:rPr lang="en-US" dirty="0"/>
-              <a:t>Differences in adaptability: </a:t>
+              <a:rPr lang="en-GB" dirty="0"/>
+              <a:t>Bilingualism offers more practice in set shifting, which might “spill over” into other task-switching paradigms</a:t>
             </a:r>
           </a:p>
           <a:p>
             <a:r>
-              <a:rPr lang="en-US" dirty="0"/>
-              <a:t>Adaptability is assessed in fMRI through subtraction of (beta values??)</a:t>
+              <a:rPr lang="en-GB" dirty="0"/>
+              <a:t>This may be why they are executing new RITL trials faster than monolinguals.</a:t>
             </a:r>
           </a:p>
           <a:p>
+            <a:pPr marL="0" indent="0">
+              <a:buNone/>
+            </a:pPr>
+            <a:endParaRPr lang="en-US" dirty="0"/>
+          </a:p>
+          <a:p>
+            <a:pPr marL="0" indent="0" algn="ctr">
+              <a:buNone/>
+            </a:pPr>
             <a:r>
               <a:rPr lang="en-US" dirty="0"/>
-              <a:t>Found in the basal ganglia</a:t>
+              <a:t>Investigate the computational mechanism using a model</a:t>
             </a:r>
           </a:p>
         </p:txBody>
       </p:sp>
       <p:sp>
         <p:nvSpPr>
-          <p:cNvPr id="4" name="Tijdelijke aanduiding voor dianummer 3">
-            <a:extLst>
-              <a:ext uri="{FF2B5EF4-FFF2-40B4-BE49-F238E27FC236}">
-                <a16:creationId xmlns:a16="http://schemas.microsoft.com/office/drawing/2014/main" id="{89431785-BE3A-4446-AAD0-18E6D3DB9A8B}"/>
-              </a:ext>
-            </a:extLst>
-          </p:cNvPr>
+          <p:cNvPr id="4" name="Slide Number Placeholder 3"/>
           <p:cNvSpPr>
             <a:spLocks noGrp="1"/>
           </p:cNvSpPr>
@@ -30954,72 +31064,10 @@
           </a:p>
         </p:txBody>
       </p:sp>
-      <p:pic>
-        <p:nvPicPr>
-          <p:cNvPr id="5" name="Afbeelding 4">
-            <a:extLst>
-              <a:ext uri="{FF2B5EF4-FFF2-40B4-BE49-F238E27FC236}">
-                <a16:creationId xmlns:a16="http://schemas.microsoft.com/office/drawing/2014/main" id="{C5896DF9-6A43-4122-9920-01D916C3120E}"/>
-              </a:ext>
-            </a:extLst>
-          </p:cNvPr>
-          <p:cNvPicPr>
-            <a:picLocks noChangeAspect="1"/>
-          </p:cNvPicPr>
-          <p:nvPr/>
-        </p:nvPicPr>
-        <p:blipFill>
-          <a:blip r:embed="rId3"/>
-          <a:stretch>
-            <a:fillRect/>
-          </a:stretch>
-        </p:blipFill>
-        <p:spPr>
-          <a:xfrm>
-            <a:off x="6096001" y="1078738"/>
-            <a:ext cx="4934836" cy="1359171"/>
-          </a:xfrm>
-          <a:prstGeom prst="rect">
-            <a:avLst/>
-          </a:prstGeom>
-        </p:spPr>
-      </p:pic>
-      <p:pic>
-        <p:nvPicPr>
-          <p:cNvPr id="9" name="Tijdelijke aanduiding voor inhoud 8">
-            <a:extLst>
-              <a:ext uri="{FF2B5EF4-FFF2-40B4-BE49-F238E27FC236}">
-                <a16:creationId xmlns:a16="http://schemas.microsoft.com/office/drawing/2014/main" id="{864EE9AA-A764-42C8-AEEC-952E16CCE68B}"/>
-              </a:ext>
-            </a:extLst>
-          </p:cNvPr>
-          <p:cNvPicPr>
-            <a:picLocks noGrp="1" noChangeAspect="1"/>
-          </p:cNvPicPr>
-          <p:nvPr>
-            <p:ph idx="1"/>
-          </p:nvPr>
-        </p:nvPicPr>
-        <p:blipFill>
-          <a:blip r:embed="rId4"/>
-          <a:stretch>
-            <a:fillRect/>
-          </a:stretch>
-        </p:blipFill>
-        <p:spPr>
-          <a:xfrm>
-            <a:off x="6077651" y="822325"/>
-            <a:ext cx="4953185" cy="5184775"/>
-          </a:xfrm>
-          <a:prstGeom prst="rect">
-            <a:avLst/>
-          </a:prstGeom>
-        </p:spPr>
-      </p:pic>
     </p:spTree>
     <p:extLst>
       <p:ext uri="{BB962C8B-B14F-4D97-AF65-F5344CB8AC3E}">
-        <p14:creationId xmlns:p14="http://schemas.microsoft.com/office/powerpoint/2010/main" val="2174079077"/>
+        <p14:creationId xmlns:p14="http://schemas.microsoft.com/office/powerpoint/2010/main" val="1438269338"/>
       </p:ext>
     </p:extLst>
   </p:cSld>
@@ -31063,162 +31111,6 @@
           <a:p>
             <a:r>
               <a:rPr lang="en-GB" dirty="0"/>
-              <a:t>So what do we know?</a:t>
-            </a:r>
-            <a:endParaRPr lang="en-US" dirty="0"/>
-          </a:p>
-        </p:txBody>
-      </p:sp>
-      <p:sp>
-        <p:nvSpPr>
-          <p:cNvPr id="3" name="Content Placeholder 2"/>
-          <p:cNvSpPr>
-            <a:spLocks noGrp="1"/>
-          </p:cNvSpPr>
-          <p:nvPr>
-            <p:ph idx="1"/>
-          </p:nvPr>
-        </p:nvSpPr>
-        <p:spPr/>
-        <p:txBody>
-          <a:bodyPr>
-            <a:normAutofit/>
-          </a:bodyPr>
-          <a:lstStyle/>
-          <a:p>
-            <a:r>
-              <a:rPr lang="en-GB" dirty="0"/>
-              <a:t>Rapid Instructional Task Learning procedures and bilingualism have </a:t>
-            </a:r>
-            <a:r>
-              <a:rPr lang="en-GB" dirty="0" err="1"/>
-              <a:t>behavioral</a:t>
-            </a:r>
-            <a:r>
-              <a:rPr lang="en-GB" dirty="0"/>
-              <a:t> similarities: they both involve re-assembling and applying information.</a:t>
-            </a:r>
-          </a:p>
-          <a:p>
-            <a:r>
-              <a:rPr lang="en-GB" dirty="0"/>
-              <a:t>Therefore, bilinguals may have already learned how to switch and re-combine sets of information; this may be why they are executing new trials faster than monolinguals.</a:t>
-            </a:r>
-          </a:p>
-          <a:p>
-            <a:r>
-              <a:rPr lang="en-GB" dirty="0"/>
-              <a:t>The basal ganglia show better adaption to task difficulty in bilinguals.</a:t>
-            </a:r>
-          </a:p>
-          <a:p>
-            <a:r>
-              <a:rPr lang="en-GB" dirty="0"/>
-              <a:t>As ACT-R’s procedural buffer is associated to basal ganglia areas. So, there’s probably a difference between productions during execution phase</a:t>
-            </a:r>
-          </a:p>
-          <a:p>
-            <a:pPr marL="0" indent="0">
-              <a:buNone/>
-            </a:pPr>
-            <a:endParaRPr lang="en-US" dirty="0"/>
-          </a:p>
-        </p:txBody>
-      </p:sp>
-      <p:sp>
-        <p:nvSpPr>
-          <p:cNvPr id="4" name="Slide Number Placeholder 3"/>
-          <p:cNvSpPr>
-            <a:spLocks noGrp="1"/>
-          </p:cNvSpPr>
-          <p:nvPr>
-            <p:ph type="sldNum" sz="quarter" idx="12"/>
-          </p:nvPr>
-        </p:nvSpPr>
-        <p:spPr/>
-        <p:txBody>
-          <a:bodyPr/>
-          <a:lstStyle/>
-          <a:p>
-            <a:fld id="{4FAB73BC-B049-4115-A692-8D63A059BFB8}" type="slidenum">
-              <a:rPr lang="en-US" smtClean="0"/>
-              <a:t>11</a:t>
-            </a:fld>
-            <a:endParaRPr lang="en-US" dirty="0"/>
-          </a:p>
-        </p:txBody>
-      </p:sp>
-      <p:pic>
-        <p:nvPicPr>
-          <p:cNvPr id="5" name="Content Placeholder 4"/>
-          <p:cNvPicPr>
-            <a:picLocks noChangeAspect="1"/>
-          </p:cNvPicPr>
-          <p:nvPr/>
-        </p:nvPicPr>
-        <p:blipFill>
-          <a:blip r:embed="rId3"/>
-          <a:stretch>
-            <a:fillRect/>
-          </a:stretch>
-        </p:blipFill>
-        <p:spPr>
-          <a:xfrm>
-            <a:off x="9080278" y="3995844"/>
-            <a:ext cx="2730722" cy="2276940"/>
-          </a:xfrm>
-          <a:prstGeom prst="rect">
-            <a:avLst/>
-          </a:prstGeom>
-        </p:spPr>
-      </p:pic>
-    </p:spTree>
-    <p:extLst>
-      <p:ext uri="{BB962C8B-B14F-4D97-AF65-F5344CB8AC3E}">
-        <p14:creationId xmlns:p14="http://schemas.microsoft.com/office/powerpoint/2010/main" val="1438269338"/>
-      </p:ext>
-    </p:extLst>
-  </p:cSld>
-  <p:clrMapOvr>
-    <a:masterClrMapping/>
-  </p:clrMapOvr>
-</p:sld>
-</file>
-
-<file path=ppt/slides/slide12.xml><?xml version="1.0" encoding="utf-8"?>
-<p:sld xmlns:a="http://schemas.openxmlformats.org/drawingml/2006/main" xmlns:r="http://schemas.openxmlformats.org/officeDocument/2006/relationships" xmlns:p="http://schemas.openxmlformats.org/presentationml/2006/main">
-  <p:cSld>
-    <p:spTree>
-      <p:nvGrpSpPr>
-        <p:cNvPr id="1" name=""/>
-        <p:cNvGrpSpPr/>
-        <p:nvPr/>
-      </p:nvGrpSpPr>
-      <p:grpSpPr>
-        <a:xfrm>
-          <a:off x="0" y="0"/>
-          <a:ext cx="0" cy="0"/>
-          <a:chOff x="0" y="0"/>
-          <a:chExt cx="0" cy="0"/>
-        </a:xfrm>
-      </p:grpSpPr>
-      <p:sp>
-        <p:nvSpPr>
-          <p:cNvPr id="2" name="Title 1"/>
-          <p:cNvSpPr>
-            <a:spLocks noGrp="1"/>
-          </p:cNvSpPr>
-          <p:nvPr>
-            <p:ph type="title"/>
-          </p:nvPr>
-        </p:nvSpPr>
-        <p:spPr/>
-        <p:txBody>
-          <a:bodyPr/>
-          <a:lstStyle/>
-          <a:p>
-            <a:r>
-              <a:rPr lang="en-GB" dirty="0"/>
               <a:t>Model</a:t>
             </a:r>
             <a:endParaRPr lang="en-US" dirty="0"/>
@@ -31261,7 +31153,7 @@
           <a:p>
             <a:fld id="{4FAB73BC-B049-4115-A692-8D63A059BFB8}" type="slidenum">
               <a:rPr lang="en-US" smtClean="0"/>
-              <a:t>12</a:t>
+              <a:t>11</a:t>
             </a:fld>
             <a:endParaRPr lang="en-US" dirty="0"/>
           </a:p>
@@ -31280,7 +31172,7 @@
 </p:sld>
 </file>
 
-<file path=ppt/slides/slide13.xml><?xml version="1.0" encoding="utf-8"?>
+<file path=ppt/slides/slide12.xml><?xml version="1.0" encoding="utf-8"?>
 <p:sld xmlns:a="http://schemas.openxmlformats.org/drawingml/2006/main" xmlns:r="http://schemas.openxmlformats.org/officeDocument/2006/relationships" xmlns:p="http://schemas.openxmlformats.org/presentationml/2006/main">
   <p:cSld>
     <p:spTree>
@@ -31479,7 +31371,7 @@
           <a:p>
             <a:fld id="{4FAB73BC-B049-4115-A692-8D63A059BFB8}" type="slidenum">
               <a:rPr lang="en-US" smtClean="0"/>
-              <a:t>13</a:t>
+              <a:t>12</a:t>
             </a:fld>
             <a:endParaRPr lang="en-US" dirty="0"/>
           </a:p>
@@ -31498,7 +31390,7 @@
 </p:sld>
 </file>
 
-<file path=ppt/slides/slide14.xml><?xml version="1.0" encoding="utf-8"?>
+<file path=ppt/slides/slide13.xml><?xml version="1.0" encoding="utf-8"?>
 <p:sld xmlns:a="http://schemas.openxmlformats.org/drawingml/2006/main" xmlns:r="http://schemas.openxmlformats.org/officeDocument/2006/relationships" xmlns:p="http://schemas.openxmlformats.org/presentationml/2006/main">
   <p:cSld>
     <p:spTree>
@@ -31710,78 +31602,6 @@
               <a:rPr lang="nl-NL" dirty="0" err="1"/>
               <a:t>realistic</a:t>
             </a:r>
-            <a:r>
-              <a:rPr lang="nl-NL" dirty="0"/>
-              <a:t>: modules are </a:t>
-            </a:r>
-            <a:r>
-              <a:rPr lang="nl-NL" dirty="0" err="1"/>
-              <a:t>tied</a:t>
-            </a:r>
-            <a:r>
-              <a:rPr lang="nl-NL" dirty="0"/>
-              <a:t> </a:t>
-            </a:r>
-            <a:r>
-              <a:rPr lang="nl-NL" dirty="0" err="1"/>
-              <a:t>to</a:t>
-            </a:r>
-            <a:r>
-              <a:rPr lang="nl-NL" dirty="0"/>
-              <a:t> </a:t>
-            </a:r>
-            <a:r>
-              <a:rPr lang="nl-NL" dirty="0" err="1"/>
-              <a:t>brain</a:t>
-            </a:r>
-            <a:r>
-              <a:rPr lang="nl-NL" dirty="0"/>
-              <a:t> </a:t>
-            </a:r>
-            <a:r>
-              <a:rPr lang="nl-NL" dirty="0" err="1"/>
-              <a:t>areas</a:t>
-            </a:r>
-            <a:r>
-              <a:rPr lang="nl-NL" dirty="0"/>
-              <a:t>, </a:t>
-            </a:r>
-            <a:r>
-              <a:rPr lang="nl-NL" dirty="0" err="1"/>
-              <a:t>computation</a:t>
-            </a:r>
-            <a:r>
-              <a:rPr lang="nl-NL" dirty="0"/>
-              <a:t> </a:t>
-            </a:r>
-            <a:r>
-              <a:rPr lang="nl-NL" dirty="0" err="1"/>
-              <a:t>times</a:t>
-            </a:r>
-            <a:r>
-              <a:rPr lang="nl-NL" dirty="0"/>
-              <a:t> are </a:t>
-            </a:r>
-            <a:r>
-              <a:rPr lang="nl-NL" dirty="0" err="1"/>
-              <a:t>similar</a:t>
-            </a:r>
-            <a:r>
-              <a:rPr lang="nl-NL" dirty="0"/>
-              <a:t> </a:t>
-            </a:r>
-            <a:r>
-              <a:rPr lang="nl-NL" dirty="0" err="1"/>
-              <a:t>to</a:t>
-            </a:r>
-            <a:r>
-              <a:rPr lang="nl-NL" dirty="0"/>
-              <a:t> </a:t>
-            </a:r>
-            <a:r>
-              <a:rPr lang="nl-NL" dirty="0" err="1"/>
-              <a:t>humans</a:t>
-            </a:r>
             <a:endParaRPr lang="nl-NL" dirty="0"/>
           </a:p>
           <a:p>
@@ -31871,7 +31691,7 @@
           <a:p>
             <a:fld id="{4FAB73BC-B049-4115-A692-8D63A059BFB8}" type="slidenum">
               <a:rPr lang="en-US" smtClean="0"/>
-              <a:t>14</a:t>
+              <a:t>13</a:t>
             </a:fld>
             <a:endParaRPr lang="en-US" dirty="0"/>
           </a:p>
@@ -32127,7 +31947,7 @@
 </p:sld>
 </file>
 
-<file path=ppt/slides/slide15.xml><?xml version="1.0" encoding="utf-8"?>
+<file path=ppt/slides/slide14.xml><?xml version="1.0" encoding="utf-8"?>
 <p:sld xmlns:a="http://schemas.openxmlformats.org/drawingml/2006/main" xmlns:r="http://schemas.openxmlformats.org/officeDocument/2006/relationships" xmlns:p="http://schemas.openxmlformats.org/presentationml/2006/main">
   <p:cSld>
     <p:spTree>
@@ -32265,206 +32085,118 @@
           <a:p>
             <a:pPr lvl="1"/>
             <a:r>
-              <a:rPr lang="nl-NL" dirty="0"/>
+              <a:rPr lang="nl-NL" sz="2200" dirty="0"/>
               <a:t>Response </a:t>
             </a:r>
             <a:r>
-              <a:rPr lang="nl-NL" dirty="0" err="1"/>
+              <a:rPr lang="nl-NL" sz="2200" dirty="0" err="1"/>
               <a:t>times</a:t>
             </a:r>
             <a:r>
-              <a:rPr lang="nl-NL" dirty="0"/>
+              <a:rPr lang="nl-NL" sz="2200" dirty="0"/>
               <a:t> are </a:t>
             </a:r>
             <a:r>
-              <a:rPr lang="nl-NL" dirty="0" err="1"/>
+              <a:rPr lang="nl-NL" sz="2200" dirty="0" err="1"/>
               <a:t>similar</a:t>
             </a:r>
             <a:r>
-              <a:rPr lang="nl-NL" dirty="0"/>
+              <a:rPr lang="nl-NL" sz="2200" dirty="0"/>
               <a:t> </a:t>
             </a:r>
             <a:r>
-              <a:rPr lang="nl-NL" dirty="0" err="1"/>
+              <a:rPr lang="nl-NL" sz="2200" dirty="0" err="1"/>
               <a:t>to</a:t>
             </a:r>
             <a:r>
-              <a:rPr lang="nl-NL" dirty="0"/>
+              <a:rPr lang="nl-NL" sz="2200" dirty="0"/>
               <a:t> </a:t>
             </a:r>
             <a:r>
-              <a:rPr lang="nl-NL" dirty="0" err="1"/>
+              <a:rPr lang="nl-NL" sz="2200" dirty="0" err="1"/>
               <a:t>the</a:t>
             </a:r>
             <a:r>
-              <a:rPr lang="nl-NL" dirty="0"/>
+              <a:rPr lang="nl-NL" sz="2200" dirty="0"/>
               <a:t> </a:t>
             </a:r>
             <a:r>
-              <a:rPr lang="nl-NL" dirty="0" err="1"/>
+              <a:rPr lang="nl-NL" sz="2200" dirty="0" err="1"/>
               <a:t>times</a:t>
             </a:r>
             <a:r>
-              <a:rPr lang="nl-NL" dirty="0"/>
+              <a:rPr lang="nl-NL" sz="2200" dirty="0"/>
               <a:t> </a:t>
             </a:r>
             <a:r>
-              <a:rPr lang="nl-NL" dirty="0" err="1"/>
+              <a:rPr lang="nl-NL" sz="2200" dirty="0" err="1"/>
               <a:t>reported</a:t>
             </a:r>
             <a:r>
-              <a:rPr lang="nl-NL" dirty="0"/>
+              <a:rPr lang="nl-NL" sz="2200" dirty="0"/>
               <a:t> in </a:t>
             </a:r>
             <a:r>
-              <a:rPr lang="nl-NL" dirty="0" err="1"/>
+              <a:rPr lang="nl-NL" sz="2200" dirty="0" err="1"/>
               <a:t>the</a:t>
             </a:r>
             <a:r>
-              <a:rPr lang="nl-NL" dirty="0"/>
+              <a:rPr lang="nl-NL" sz="2200" dirty="0"/>
               <a:t> paper</a:t>
             </a:r>
           </a:p>
           <a:p>
             <a:pPr lvl="1"/>
             <a:r>
-              <a:rPr lang="nl-NL" dirty="0"/>
-              <a:t>Both </a:t>
-            </a:r>
-            <a:r>
-              <a:rPr lang="nl-NL" dirty="0" err="1"/>
-              <a:t>models</a:t>
-            </a:r>
-            <a:r>
-              <a:rPr lang="nl-NL" dirty="0"/>
+              <a:rPr lang="nl-NL" sz="2200" dirty="0"/>
+              <a:t>The </a:t>
+            </a:r>
+            <a:r>
+              <a:rPr lang="nl-NL" sz="2200" dirty="0" err="1"/>
+              <a:t>monolingual</a:t>
+            </a:r>
+            <a:r>
+              <a:rPr lang="nl-NL" sz="2200" dirty="0"/>
+              <a:t> model </a:t>
+            </a:r>
+            <a:r>
+              <a:rPr lang="nl-NL" sz="2200" dirty="0" err="1"/>
+              <a:t>improves</a:t>
+            </a:r>
+            <a:r>
+              <a:rPr lang="nl-NL" sz="2200" dirty="0"/>
+              <a:t> in </a:t>
+            </a:r>
+            <a:r>
+              <a:rPr lang="nl-NL" sz="2200" dirty="0" err="1"/>
+              <a:t>the</a:t>
+            </a:r>
+            <a:r>
+              <a:rPr lang="nl-NL" sz="2200" dirty="0"/>
               <a:t> </a:t>
             </a:r>
             <a:r>
-              <a:rPr lang="nl-NL" dirty="0" err="1"/>
-              <a:t>would</a:t>
-            </a:r>
-            <a:r>
-              <a:rPr lang="nl-NL" dirty="0"/>
+              <a:rPr lang="nl-NL" sz="2200" dirty="0" err="1"/>
+              <a:t>execution</a:t>
+            </a:r>
+            <a:r>
+              <a:rPr lang="nl-NL" sz="2200" dirty="0"/>
               <a:t> </a:t>
             </a:r>
             <a:r>
-              <a:rPr lang="nl-NL" dirty="0" err="1"/>
-              <a:t>learn</a:t>
-            </a:r>
-            <a:r>
-              <a:rPr lang="nl-NL" dirty="0"/>
-              <a:t> </a:t>
-            </a:r>
-            <a:r>
-              <a:rPr lang="nl-NL" dirty="0" err="1"/>
-              <a:t>to</a:t>
-            </a:r>
-            <a:r>
-              <a:rPr lang="nl-NL" dirty="0"/>
-              <a:t> </a:t>
-            </a:r>
-            <a:r>
-              <a:rPr lang="nl-NL" dirty="0" err="1"/>
-              <a:t>encode</a:t>
-            </a:r>
-            <a:r>
-              <a:rPr lang="nl-NL" dirty="0"/>
-              <a:t> </a:t>
-            </a:r>
-            <a:r>
-              <a:rPr lang="nl-NL" dirty="0" err="1"/>
-              <a:t>faster</a:t>
-            </a:r>
-            <a:r>
-              <a:rPr lang="nl-NL" dirty="0"/>
-              <a:t> over time</a:t>
-            </a:r>
-          </a:p>
-          <a:p>
-            <a:pPr lvl="1"/>
-            <a:r>
-              <a:rPr lang="nl-NL" dirty="0"/>
-              <a:t>The </a:t>
-            </a:r>
-            <a:r>
-              <a:rPr lang="nl-NL" dirty="0" err="1"/>
-              <a:t>monolingual</a:t>
-            </a:r>
-            <a:r>
-              <a:rPr lang="nl-NL" dirty="0"/>
-              <a:t> model </a:t>
-            </a:r>
-            <a:r>
-              <a:rPr lang="nl-NL" dirty="0" err="1"/>
-              <a:t>improves</a:t>
-            </a:r>
-            <a:r>
-              <a:rPr lang="nl-NL" dirty="0"/>
-              <a:t> in </a:t>
-            </a:r>
-            <a:r>
-              <a:rPr lang="nl-NL" dirty="0" err="1"/>
-              <a:t>the</a:t>
-            </a:r>
-            <a:r>
-              <a:rPr lang="nl-NL" dirty="0"/>
-              <a:t> </a:t>
-            </a:r>
-            <a:r>
-              <a:rPr lang="nl-NL" dirty="0" err="1"/>
-              <a:t>execution</a:t>
-            </a:r>
-            <a:r>
-              <a:rPr lang="nl-NL" dirty="0"/>
-              <a:t> </a:t>
-            </a:r>
-            <a:r>
-              <a:rPr lang="nl-NL" dirty="0" err="1"/>
+              <a:rPr lang="nl-NL" sz="2200" dirty="0" err="1"/>
               <a:t>phase</a:t>
             </a:r>
-            <a:endParaRPr lang="nl-NL" dirty="0"/>
+            <a:endParaRPr lang="nl-NL" sz="2200" dirty="0"/>
           </a:p>
           <a:p>
             <a:pPr lvl="1"/>
             <a:endParaRPr lang="nl-NL" dirty="0"/>
           </a:p>
           <a:p>
-            <a:pPr marL="128016" lvl="1" indent="0">
+            <a:pPr marL="0" indent="0">
               <a:buNone/>
             </a:pPr>
-            <a:r>
-              <a:rPr lang="nl-NL" sz="2200" dirty="0"/>
-              <a:t>How </a:t>
-            </a:r>
-            <a:r>
-              <a:rPr lang="nl-NL" sz="2200" dirty="0" err="1"/>
-              <a:t>to</a:t>
-            </a:r>
-            <a:r>
-              <a:rPr lang="nl-NL" sz="2200" dirty="0"/>
-              <a:t> </a:t>
-            </a:r>
-            <a:r>
-              <a:rPr lang="nl-NL" sz="2200" dirty="0" err="1"/>
-              <a:t>achieve</a:t>
-            </a:r>
-            <a:r>
-              <a:rPr lang="nl-NL" sz="2200" dirty="0"/>
-              <a:t> </a:t>
-            </a:r>
-            <a:r>
-              <a:rPr lang="nl-NL" sz="2200" dirty="0" err="1"/>
-              <a:t>this</a:t>
-            </a:r>
-            <a:r>
-              <a:rPr lang="nl-NL" sz="2200" dirty="0"/>
-              <a:t>?</a:t>
-            </a:r>
-          </a:p>
-          <a:p>
-            <a:endParaRPr lang="nl-NL" dirty="0"/>
-          </a:p>
-          <a:p>
             <a:endParaRPr lang="nl-NL" dirty="0"/>
           </a:p>
         </p:txBody>
@@ -32486,7 +32218,7 @@
           <a:p>
             <a:fld id="{4FAB73BC-B049-4115-A692-8D63A059BFB8}" type="slidenum">
               <a:rPr lang="en-US" smtClean="0"/>
-              <a:t>15</a:t>
+              <a:t>14</a:t>
             </a:fld>
             <a:endParaRPr lang="en-US" dirty="0"/>
           </a:p>
@@ -32505,7 +32237,7 @@
 </p:sld>
 </file>
 
-<file path=ppt/slides/slide16.xml><?xml version="1.0" encoding="utf-8"?>
+<file path=ppt/slides/slide15.xml><?xml version="1.0" encoding="utf-8"?>
 <p:sld xmlns:a="http://schemas.openxmlformats.org/drawingml/2006/main" xmlns:r="http://schemas.openxmlformats.org/officeDocument/2006/relationships" xmlns:p="http://schemas.openxmlformats.org/presentationml/2006/main">
   <p:cSld>
     <p:spTree>
@@ -32725,7 +32457,7 @@
           <a:p>
             <a:fld id="{4FAB73BC-B049-4115-A692-8D63A059BFB8}" type="slidenum">
               <a:rPr lang="en-US" smtClean="0"/>
-              <a:t>16</a:t>
+              <a:t>15</a:t>
             </a:fld>
             <a:endParaRPr lang="en-US" dirty="0"/>
           </a:p>
@@ -32944,7 +32676,7 @@
 </p:sld>
 </file>
 
-<file path=ppt/slides/slide17.xml><?xml version="1.0" encoding="utf-8"?>
+<file path=ppt/slides/slide16.xml><?xml version="1.0" encoding="utf-8"?>
 <p:sld xmlns:a="http://schemas.openxmlformats.org/drawingml/2006/main" xmlns:r="http://schemas.openxmlformats.org/officeDocument/2006/relationships" xmlns:p="http://schemas.openxmlformats.org/presentationml/2006/main">
   <p:cSld>
     <p:spTree>
@@ -33012,6 +32744,11 @@
             </a:r>
           </a:p>
           <a:p>
+            <a:pPr>
+              <a:buSzPct val="80000"/>
+              <a:buFont typeface="Wingdings" panose="05000000000000000000" pitchFamily="2" charset="2"/>
+              <a:buChar char="§"/>
+            </a:pPr>
             <a:r>
               <a:rPr lang="nl-NL" dirty="0" err="1"/>
               <a:t>Production</a:t>
@@ -33023,6 +32760,46 @@
             <a:r>
               <a:rPr lang="nl-NL" dirty="0" err="1"/>
               <a:t>compilation</a:t>
+            </a:r>
+            <a:r>
+              <a:rPr lang="nl-NL" dirty="0"/>
+              <a:t>: no buffer checks, </a:t>
+            </a:r>
+            <a:r>
+              <a:rPr lang="nl-NL" dirty="0" err="1"/>
+              <a:t>merge</a:t>
+            </a:r>
+            <a:r>
+              <a:rPr lang="nl-NL" dirty="0"/>
+              <a:t> </a:t>
+            </a:r>
+            <a:r>
+              <a:rPr lang="nl-NL" dirty="0" err="1"/>
+              <a:t>task</a:t>
+            </a:r>
+            <a:r>
+              <a:rPr lang="nl-NL" dirty="0"/>
+              <a:t>-retrieval </a:t>
+            </a:r>
+            <a:r>
+              <a:rPr lang="nl-NL" dirty="0" err="1"/>
+              <a:t>with</a:t>
+            </a:r>
+            <a:r>
+              <a:rPr lang="nl-NL" dirty="0"/>
+              <a:t> </a:t>
+            </a:r>
+            <a:r>
+              <a:rPr lang="nl-NL" dirty="0" err="1"/>
+              <a:t>other</a:t>
+            </a:r>
+            <a:r>
+              <a:rPr lang="nl-NL" dirty="0"/>
+              <a:t> </a:t>
+            </a:r>
+            <a:r>
+              <a:rPr lang="nl-NL" dirty="0" err="1"/>
+              <a:t>productions</a:t>
             </a:r>
             <a:endParaRPr lang="nl-NL" dirty="0"/>
           </a:p>
@@ -33040,13 +32817,14 @@
             </a:r>
           </a:p>
           <a:p>
-            <a:r>
-              <a:rPr lang="nl-NL" dirty="0"/>
-              <a:t>No </a:t>
-            </a:r>
+            <a:pPr>
+              <a:buSzPct val="80000"/>
+              <a:buFont typeface="Wingdings" panose="05000000000000000000" pitchFamily="2" charset="2"/>
+              <a:buChar char="§"/>
+            </a:pPr>
             <a:r>
               <a:rPr lang="nl-NL" dirty="0" err="1"/>
-              <a:t>production</a:t>
+              <a:t>Similar</a:t>
             </a:r>
             <a:r>
               <a:rPr lang="nl-NL" dirty="0"/>
@@ -33054,7 +32832,7 @@
             </a:r>
             <a:r>
               <a:rPr lang="nl-NL" dirty="0" err="1"/>
-              <a:t>compilation</a:t>
+              <a:t>to</a:t>
             </a:r>
             <a:r>
               <a:rPr lang="nl-NL" dirty="0"/>
@@ -33062,14 +32840,39 @@
             </a:r>
             <a:r>
               <a:rPr lang="nl-NL" dirty="0" err="1"/>
-              <a:t>possible</a:t>
+              <a:t>monolingual</a:t>
+            </a:r>
+            <a:r>
+              <a:rPr lang="nl-NL" dirty="0"/>
+              <a:t> model </a:t>
+            </a:r>
+            <a:r>
+              <a:rPr lang="nl-NL" dirty="0" err="1"/>
+              <a:t>after</a:t>
+            </a:r>
+            <a:r>
+              <a:rPr lang="nl-NL" dirty="0"/>
+              <a:t> </a:t>
+            </a:r>
+            <a:r>
+              <a:rPr lang="nl-NL" dirty="0" err="1"/>
+              <a:t>learning</a:t>
             </a:r>
             <a:endParaRPr lang="nl-NL" dirty="0"/>
           </a:p>
           <a:p>
+            <a:pPr>
+              <a:buSzPct val="80000"/>
+              <a:buFont typeface="Wingdings" panose="05000000000000000000" pitchFamily="2" charset="2"/>
+              <a:buChar char="§"/>
+            </a:pPr>
+            <a:r>
+              <a:rPr lang="nl-NL" dirty="0"/>
+              <a:t>No </a:t>
+            </a:r>
             <a:r>
               <a:rPr lang="nl-NL" dirty="0" err="1"/>
-              <a:t>Similar</a:t>
+              <a:t>production</a:t>
             </a:r>
             <a:r>
               <a:rPr lang="nl-NL" dirty="0"/>
@@ -33077,7 +32880,7 @@
             </a:r>
             <a:r>
               <a:rPr lang="nl-NL" dirty="0" err="1"/>
-              <a:t>to</a:t>
+              <a:t>compilation</a:t>
             </a:r>
             <a:r>
               <a:rPr lang="nl-NL" dirty="0"/>
@@ -33085,27 +32888,8 @@
             </a:r>
             <a:r>
               <a:rPr lang="nl-NL" dirty="0" err="1"/>
-              <a:t>monolingual</a:t>
-            </a:r>
-            <a:r>
-              <a:rPr lang="nl-NL" dirty="0"/>
-              <a:t> model </a:t>
-            </a:r>
-            <a:r>
-              <a:rPr lang="nl-NL" dirty="0" err="1"/>
-              <a:t>after</a:t>
-            </a:r>
-            <a:r>
-              <a:rPr lang="nl-NL" dirty="0"/>
-              <a:t> </a:t>
-            </a:r>
-            <a:r>
-              <a:rPr lang="nl-NL" dirty="0" err="1"/>
-              <a:t>learning</a:t>
-            </a:r>
-            <a:endParaRPr lang="nl-NL" dirty="0"/>
-          </a:p>
-          <a:p>
+              <a:t>possible</a:t>
+            </a:r>
             <a:endParaRPr lang="en-US" dirty="0"/>
           </a:p>
           <a:p>
@@ -33133,69 +32917,9 @@
           <a:p>
             <a:fld id="{4FAB73BC-B049-4115-A692-8D63A059BFB8}" type="slidenum">
               <a:rPr lang="en-US" smtClean="0"/>
-              <a:t>17</a:t>
+              <a:t>16</a:t>
             </a:fld>
             <a:endParaRPr lang="en-US" dirty="0"/>
-          </a:p>
-        </p:txBody>
-      </p:sp>
-      <p:sp>
-        <p:nvSpPr>
-          <p:cNvPr id="5" name="Rechthoek 4">
-            <a:extLst>
-              <a:ext uri="{FF2B5EF4-FFF2-40B4-BE49-F238E27FC236}">
-                <a16:creationId xmlns:a16="http://schemas.microsoft.com/office/drawing/2014/main" id="{ACC315FE-D115-47E3-9A76-7392680BEB6E}"/>
-              </a:ext>
-            </a:extLst>
-          </p:cNvPr>
-          <p:cNvSpPr/>
-          <p:nvPr/>
-        </p:nvSpPr>
-        <p:spPr>
-          <a:xfrm>
-            <a:off x="7571935" y="548640"/>
-            <a:ext cx="4239065" cy="1200329"/>
-          </a:xfrm>
-          <a:prstGeom prst="rect">
-            <a:avLst/>
-          </a:prstGeom>
-        </p:spPr>
-        <p:txBody>
-          <a:bodyPr wrap="square">
-            <a:spAutoFit/>
-          </a:bodyPr>
-          <a:lstStyle/>
-          <a:p>
-            <a:pPr lvl="0" algn="r"/>
-            <a:r>
-              <a:rPr lang="en-GB" i="1" dirty="0"/>
-              <a:t>Retrieve instruction</a:t>
-            </a:r>
-            <a:endParaRPr lang="en-US" i="1" dirty="0"/>
-          </a:p>
-          <a:p>
-            <a:pPr lvl="0" algn="r"/>
-            <a:r>
-              <a:rPr lang="en-GB" i="1" dirty="0"/>
-              <a:t>Get value from screen</a:t>
-            </a:r>
-            <a:endParaRPr lang="en-US" i="1" dirty="0"/>
-          </a:p>
-          <a:p>
-            <a:pPr lvl="0" algn="r"/>
-            <a:r>
-              <a:rPr lang="en-GB" i="1" dirty="0"/>
-              <a:t>Retrieve arithmetic fact</a:t>
-            </a:r>
-            <a:endParaRPr lang="en-US" i="1" dirty="0"/>
-          </a:p>
-          <a:p>
-            <a:pPr lvl="0" algn="r"/>
-            <a:r>
-              <a:rPr lang="en-GB" i="1" dirty="0"/>
-              <a:t>Remember results until calculations are done</a:t>
-            </a:r>
-            <a:endParaRPr lang="en-US" i="1" dirty="0"/>
           </a:p>
         </p:txBody>
       </p:sp>
@@ -33214,14 +32938,14 @@
           <p:nvPr/>
         </p:nvPicPr>
         <p:blipFill>
-          <a:blip r:embed="rId2"/>
+          <a:blip r:embed="rId3"/>
           <a:stretch>
             <a:fillRect/>
           </a:stretch>
         </p:blipFill>
         <p:spPr>
           <a:xfrm>
-            <a:off x="4674658" y="4626664"/>
+            <a:off x="5161491" y="4489504"/>
             <a:ext cx="6162675" cy="1981200"/>
           </a:xfrm>
           <a:prstGeom prst="rect">
@@ -33233,6 +32957,238 @@
     <p:extLst>
       <p:ext uri="{BB962C8B-B14F-4D97-AF65-F5344CB8AC3E}">
         <p14:creationId xmlns:p14="http://schemas.microsoft.com/office/powerpoint/2010/main" val="2388924155"/>
+      </p:ext>
+    </p:extLst>
+  </p:cSld>
+  <p:clrMapOvr>
+    <a:masterClrMapping/>
+  </p:clrMapOvr>
+</p:sld>
+</file>
+
+<file path=ppt/slides/slide17.xml><?xml version="1.0" encoding="utf-8"?>
+<p:sld xmlns:a="http://schemas.openxmlformats.org/drawingml/2006/main" xmlns:r="http://schemas.openxmlformats.org/officeDocument/2006/relationships" xmlns:p="http://schemas.openxmlformats.org/presentationml/2006/main">
+  <p:cSld>
+    <p:spTree>
+      <p:nvGrpSpPr>
+        <p:cNvPr id="1" name=""/>
+        <p:cNvGrpSpPr/>
+        <p:nvPr/>
+      </p:nvGrpSpPr>
+      <p:grpSpPr>
+        <a:xfrm>
+          <a:off x="0" y="0"/>
+          <a:ext cx="0" cy="0"/>
+          <a:chOff x="0" y="0"/>
+          <a:chExt cx="0" cy="0"/>
+        </a:xfrm>
+      </p:grpSpPr>
+      <p:sp>
+        <p:nvSpPr>
+          <p:cNvPr id="2" name="Titel 1">
+            <a:extLst>
+              <a:ext uri="{FF2B5EF4-FFF2-40B4-BE49-F238E27FC236}">
+                <a16:creationId xmlns:a16="http://schemas.microsoft.com/office/drawing/2014/main" id="{3A9FEA9E-E256-4DB4-A016-98F3CA117AF7}"/>
+              </a:ext>
+            </a:extLst>
+          </p:cNvPr>
+          <p:cNvSpPr>
+            <a:spLocks noGrp="1"/>
+          </p:cNvSpPr>
+          <p:nvPr>
+            <p:ph type="title"/>
+          </p:nvPr>
+        </p:nvSpPr>
+        <p:spPr>
+          <a:xfrm>
+            <a:off x="1024128" y="585216"/>
+            <a:ext cx="9720072" cy="1499616"/>
+          </a:xfrm>
+        </p:spPr>
+        <p:txBody>
+          <a:bodyPr/>
+          <a:lstStyle/>
+          <a:p>
+            <a:r>
+              <a:rPr lang="nl-NL" dirty="0" err="1"/>
+              <a:t>Simulations</a:t>
+            </a:r>
+            <a:endParaRPr lang="nl-NL" dirty="0"/>
+          </a:p>
+        </p:txBody>
+      </p:sp>
+      <p:sp>
+        <p:nvSpPr>
+          <p:cNvPr id="3" name="Tijdelijke aanduiding voor inhoud 2">
+            <a:extLst>
+              <a:ext uri="{FF2B5EF4-FFF2-40B4-BE49-F238E27FC236}">
+                <a16:creationId xmlns:a16="http://schemas.microsoft.com/office/drawing/2014/main" id="{5CF2ED52-C33A-43BB-8CD5-A9F47FA5E350}"/>
+              </a:ext>
+            </a:extLst>
+          </p:cNvPr>
+          <p:cNvSpPr>
+            <a:spLocks noGrp="1"/>
+          </p:cNvSpPr>
+          <p:nvPr>
+            <p:ph idx="1"/>
+          </p:nvPr>
+        </p:nvSpPr>
+        <p:spPr>
+          <a:xfrm>
+            <a:off x="1024128" y="2286000"/>
+            <a:ext cx="9720073" cy="4023360"/>
+          </a:xfrm>
+        </p:spPr>
+        <p:txBody>
+          <a:bodyPr/>
+          <a:lstStyle/>
+          <a:p>
+            <a:r>
+              <a:rPr lang="nl-NL" dirty="0"/>
+              <a:t>60 trials per “subject”: 20 training + 40 test (20 </a:t>
+            </a:r>
+            <a:r>
+              <a:rPr lang="nl-NL" dirty="0" err="1"/>
+              <a:t>novel</a:t>
+            </a:r>
+            <a:r>
+              <a:rPr lang="nl-NL" dirty="0"/>
+              <a:t> / 20 </a:t>
+            </a:r>
+            <a:r>
+              <a:rPr lang="nl-NL" dirty="0" err="1"/>
+              <a:t>practiced</a:t>
+            </a:r>
+            <a:r>
+              <a:rPr lang="nl-NL" dirty="0"/>
+              <a:t>)</a:t>
+            </a:r>
+          </a:p>
+          <a:p>
+            <a:r>
+              <a:rPr lang="nl-NL" dirty="0"/>
+              <a:t>6 * 5 * 10 * 3 * 6 * 60 * 100 = 32.400.000</a:t>
+            </a:r>
+          </a:p>
+          <a:p>
+            <a:endParaRPr lang="nl-NL" dirty="0"/>
+          </a:p>
+          <a:p>
+            <a:r>
+              <a:rPr lang="nl-NL" dirty="0"/>
+              <a:t>Fit parameters </a:t>
+            </a:r>
+            <a:r>
+              <a:rPr lang="nl-NL" dirty="0" err="1"/>
+              <a:t>using</a:t>
+            </a:r>
+            <a:r>
+              <a:rPr lang="nl-NL" dirty="0"/>
+              <a:t> </a:t>
+            </a:r>
+            <a:r>
+              <a:rPr lang="nl-NL" dirty="0" err="1"/>
+              <a:t>correlation</a:t>
+            </a:r>
+            <a:r>
+              <a:rPr lang="nl-NL" dirty="0"/>
+              <a:t> </a:t>
+            </a:r>
+            <a:r>
+              <a:rPr lang="nl-NL" dirty="0" err="1"/>
+              <a:t>and</a:t>
+            </a:r>
+            <a:r>
+              <a:rPr lang="nl-NL" dirty="0"/>
+              <a:t> Root </a:t>
+            </a:r>
+            <a:r>
+              <a:rPr lang="nl-NL" dirty="0" err="1"/>
+              <a:t>Mean</a:t>
+            </a:r>
+            <a:r>
+              <a:rPr lang="nl-NL" dirty="0"/>
+              <a:t> </a:t>
+            </a:r>
+            <a:r>
+              <a:rPr lang="nl-NL" dirty="0" err="1"/>
+              <a:t>Squared</a:t>
+            </a:r>
+            <a:r>
+              <a:rPr lang="nl-NL" dirty="0"/>
+              <a:t> Error</a:t>
+            </a:r>
+          </a:p>
+        </p:txBody>
+      </p:sp>
+      <p:sp>
+        <p:nvSpPr>
+          <p:cNvPr id="4" name="Tijdelijke aanduiding voor dianummer 3">
+            <a:extLst>
+              <a:ext uri="{FF2B5EF4-FFF2-40B4-BE49-F238E27FC236}">
+                <a16:creationId xmlns:a16="http://schemas.microsoft.com/office/drawing/2014/main" id="{00EB1448-BC09-45AA-A1E8-3133DE6645EE}"/>
+              </a:ext>
+            </a:extLst>
+          </p:cNvPr>
+          <p:cNvSpPr>
+            <a:spLocks noGrp="1"/>
+          </p:cNvSpPr>
+          <p:nvPr>
+            <p:ph type="sldNum" sz="quarter" idx="12"/>
+          </p:nvPr>
+        </p:nvSpPr>
+        <p:spPr>
+          <a:xfrm>
+            <a:off x="10837333" y="6470704"/>
+            <a:ext cx="973667" cy="274320"/>
+          </a:xfrm>
+        </p:spPr>
+        <p:txBody>
+          <a:bodyPr/>
+          <a:lstStyle/>
+          <a:p>
+            <a:fld id="{4FAB73BC-B049-4115-A692-8D63A059BFB8}" type="slidenum">
+              <a:rPr lang="en-US" smtClean="0"/>
+              <a:t>17</a:t>
+            </a:fld>
+            <a:endParaRPr lang="en-US" dirty="0"/>
+          </a:p>
+        </p:txBody>
+      </p:sp>
+      <p:pic>
+        <p:nvPicPr>
+          <p:cNvPr id="5" name="Afbeelding 4">
+            <a:extLst>
+              <a:ext uri="{FF2B5EF4-FFF2-40B4-BE49-F238E27FC236}">
+                <a16:creationId xmlns:a16="http://schemas.microsoft.com/office/drawing/2014/main" id="{2BC99ED3-38D2-4ACB-96A2-4D6736507DEA}"/>
+              </a:ext>
+            </a:extLst>
+          </p:cNvPr>
+          <p:cNvPicPr>
+            <a:picLocks noChangeAspect="1"/>
+          </p:cNvPicPr>
+          <p:nvPr/>
+        </p:nvPicPr>
+        <p:blipFill>
+          <a:blip r:embed="rId2"/>
+          <a:stretch>
+            <a:fillRect/>
+          </a:stretch>
+        </p:blipFill>
+        <p:spPr>
+          <a:xfrm>
+            <a:off x="5485761" y="780741"/>
+            <a:ext cx="5682111" cy="1304091"/>
+          </a:xfrm>
+          <a:prstGeom prst="rect">
+            <a:avLst/>
+          </a:prstGeom>
+        </p:spPr>
+      </p:pic>
+    </p:spTree>
+    <p:extLst>
+      <p:ext uri="{BB962C8B-B14F-4D97-AF65-F5344CB8AC3E}">
+        <p14:creationId xmlns:p14="http://schemas.microsoft.com/office/powerpoint/2010/main" val="92913183"/>
       </p:ext>
     </p:extLst>
   </p:cSld>
@@ -33436,16 +33392,20 @@
               <a:buNone/>
             </a:pPr>
             <a:r>
+              <a:rPr lang="nl-NL" dirty="0"/>
+              <a:t>Fitting parameters </a:t>
+            </a:r>
+            <a:r>
               <a:rPr lang="nl-NL" dirty="0" err="1"/>
-              <a:t>Based</a:t>
+              <a:t>turned</a:t>
             </a:r>
             <a:r>
               <a:rPr lang="nl-NL" dirty="0"/>
-              <a:t> on RMSE </a:t>
+              <a:t> out </a:t>
             </a:r>
             <a:r>
               <a:rPr lang="nl-NL" dirty="0" err="1"/>
-              <a:t>and</a:t>
+              <a:t>to</a:t>
             </a:r>
             <a:r>
               <a:rPr lang="nl-NL" dirty="0"/>
@@ -33453,7 +33413,7 @@
             </a:r>
             <a:r>
               <a:rPr lang="nl-NL" dirty="0" err="1"/>
-              <a:t>correlation</a:t>
+              <a:t>be</a:t>
             </a:r>
             <a:r>
               <a:rPr lang="nl-NL" dirty="0"/>
@@ -33461,33 +33421,9 @@
             </a:r>
             <a:r>
               <a:rPr lang="nl-NL" dirty="0" err="1"/>
-              <a:t>to</a:t>
-            </a:r>
-            <a:r>
-              <a:rPr lang="nl-NL" dirty="0"/>
-              <a:t> </a:t>
-            </a:r>
-            <a:r>
-              <a:rPr lang="nl-NL" dirty="0" err="1"/>
-              <a:t>Stocco</a:t>
-            </a:r>
-            <a:r>
-              <a:rPr lang="nl-NL" dirty="0"/>
-              <a:t> &amp; Prat (2014)</a:t>
-            </a:r>
-          </a:p>
-          <a:p>
-            <a:pPr marL="0" indent="0">
-              <a:buNone/>
-            </a:pPr>
-            <a:r>
-              <a:rPr lang="nl-NL" dirty="0" err="1"/>
-              <a:t>Middle</a:t>
-            </a:r>
-            <a:r>
-              <a:rPr lang="nl-NL" dirty="0"/>
-              <a:t> way…</a:t>
-            </a:r>
+              <a:t>challenging</a:t>
+            </a:r>
+            <a:endParaRPr lang="nl-NL" dirty="0"/>
           </a:p>
         </p:txBody>
       </p:sp>
@@ -33513,7 +33449,7 @@
         </p:blipFill>
         <p:spPr>
           <a:xfrm>
-            <a:off x="8083908" y="640080"/>
+            <a:off x="6768243" y="640080"/>
             <a:ext cx="2936372" cy="2628053"/>
           </a:xfrm>
           <a:prstGeom prst="rect">
@@ -33543,7 +33479,7 @@
         </p:blipFill>
         <p:spPr>
           <a:xfrm>
-            <a:off x="8083908" y="3589867"/>
+            <a:off x="6768243" y="3521749"/>
             <a:ext cx="2936372" cy="2628053"/>
           </a:xfrm>
           <a:prstGeom prst="rect">
@@ -33605,7 +33541,7 @@
         </p:nvSpPr>
         <p:spPr>
           <a:xfrm>
-            <a:off x="8548914" y="318346"/>
+            <a:off x="7090946" y="243316"/>
             <a:ext cx="1683657" cy="369332"/>
           </a:xfrm>
           <a:prstGeom prst="rect">
@@ -33641,7 +33577,7 @@
         </p:nvSpPr>
         <p:spPr>
           <a:xfrm>
-            <a:off x="8548914" y="3337083"/>
+            <a:off x="7090945" y="3236499"/>
             <a:ext cx="1683657" cy="369332"/>
           </a:xfrm>
           <a:prstGeom prst="rect">
@@ -33662,6 +33598,75 @@
           </a:p>
         </p:txBody>
       </p:sp>
+      <p:sp>
+        <p:nvSpPr>
+          <p:cNvPr id="10" name="Tekstvak 9">
+            <a:extLst>
+              <a:ext uri="{FF2B5EF4-FFF2-40B4-BE49-F238E27FC236}">
+                <a16:creationId xmlns:a16="http://schemas.microsoft.com/office/drawing/2014/main" id="{3B2561E3-A4EC-4A32-B1E2-7070FAAB1947}"/>
+              </a:ext>
+            </a:extLst>
+          </p:cNvPr>
+          <p:cNvSpPr txBox="1"/>
+          <p:nvPr/>
+        </p:nvSpPr>
+        <p:spPr>
+          <a:xfrm>
+            <a:off x="9724468" y="1852623"/>
+            <a:ext cx="2467532" cy="369332"/>
+          </a:xfrm>
+          <a:prstGeom prst="rect">
+            <a:avLst/>
+          </a:prstGeom>
+          <a:noFill/>
+        </p:spPr>
+        <p:txBody>
+          <a:bodyPr wrap="square" rtlCol="0">
+            <a:spAutoFit/>
+          </a:bodyPr>
+          <a:lstStyle/>
+          <a:p>
+            <a:r>
+              <a:rPr lang="nl-NL" dirty="0" err="1"/>
+              <a:t>Behavioral</a:t>
+            </a:r>
+            <a:r>
+              <a:rPr lang="nl-NL" dirty="0"/>
+              <a:t> experiment</a:t>
+            </a:r>
+          </a:p>
+        </p:txBody>
+      </p:sp>
+      <p:pic>
+        <p:nvPicPr>
+          <p:cNvPr id="16" name="Content Placeholder 4">
+            <a:extLst>
+              <a:ext uri="{FF2B5EF4-FFF2-40B4-BE49-F238E27FC236}">
+                <a16:creationId xmlns:a16="http://schemas.microsoft.com/office/drawing/2014/main" id="{6AE25814-0630-4BDF-A4A2-1F3D0DE850A1}"/>
+              </a:ext>
+            </a:extLst>
+          </p:cNvPr>
+          <p:cNvPicPr>
+            <a:picLocks noChangeAspect="1"/>
+          </p:cNvPicPr>
+          <p:nvPr/>
+        </p:nvPicPr>
+        <p:blipFill>
+          <a:blip r:embed="rId4"/>
+          <a:stretch>
+            <a:fillRect/>
+          </a:stretch>
+        </p:blipFill>
+        <p:spPr>
+          <a:xfrm>
+            <a:off x="9341836" y="2184652"/>
+            <a:ext cx="2726362" cy="2317010"/>
+          </a:xfrm>
+          <a:prstGeom prst="rect">
+            <a:avLst/>
+          </a:prstGeom>
+        </p:spPr>
+      </p:pic>
     </p:spTree>
     <p:extLst>
       <p:ext uri="{BB962C8B-B14F-4D97-AF65-F5344CB8AC3E}">
@@ -33775,8 +33780,12 @@
           <a:p>
             <a:pPr lvl="1"/>
             <a:r>
+              <a:rPr lang="en-GB" dirty="0" err="1"/>
+              <a:t>A“bilingual</a:t>
+            </a:r>
+            <a:r>
               <a:rPr lang="en-GB" dirty="0"/>
-              <a:t>Comparison between “bilingual” and “monolingual” model</a:t>
+              <a:t>” and “monolingual” model</a:t>
             </a:r>
           </a:p>
           <a:p>
@@ -33796,17 +33805,6 @@
               <a:rPr lang="en-GB" sz="2200" dirty="0"/>
               <a:t>Further directions</a:t>
             </a:r>
-          </a:p>
-          <a:p>
-            <a:pPr lvl="1"/>
-            <a:r>
-              <a:rPr lang="en-GB" dirty="0"/>
-              <a:t>Model remarks</a:t>
-            </a:r>
-          </a:p>
-          <a:p>
-            <a:pPr lvl="1"/>
-            <a:endParaRPr lang="en-GB" dirty="0"/>
           </a:p>
         </p:txBody>
       </p:sp>
@@ -33871,6 +33869,470 @@
           <a:chExt cx="0" cy="0"/>
         </a:xfrm>
       </p:grpSpPr>
+      <p:pic>
+        <p:nvPicPr>
+          <p:cNvPr id="6" name="Afbeelding 5">
+            <a:extLst>
+              <a:ext uri="{FF2B5EF4-FFF2-40B4-BE49-F238E27FC236}">
+                <a16:creationId xmlns:a16="http://schemas.microsoft.com/office/drawing/2014/main" id="{54E8880D-C82B-4940-9930-829A8CD36D5B}"/>
+              </a:ext>
+            </a:extLst>
+          </p:cNvPr>
+          <p:cNvPicPr>
+            <a:picLocks noChangeAspect="1"/>
+          </p:cNvPicPr>
+          <p:nvPr/>
+        </p:nvPicPr>
+        <p:blipFill>
+          <a:blip r:embed="rId3"/>
+          <a:stretch>
+            <a:fillRect/>
+          </a:stretch>
+        </p:blipFill>
+        <p:spPr>
+          <a:xfrm>
+            <a:off x="6719768" y="585868"/>
+            <a:ext cx="2874532" cy="2571949"/>
+          </a:xfrm>
+          <a:prstGeom prst="rect">
+            <a:avLst/>
+          </a:prstGeom>
+        </p:spPr>
+      </p:pic>
+      <p:pic>
+        <p:nvPicPr>
+          <p:cNvPr id="8" name="Afbeelding 7">
+            <a:extLst>
+              <a:ext uri="{FF2B5EF4-FFF2-40B4-BE49-F238E27FC236}">
+                <a16:creationId xmlns:a16="http://schemas.microsoft.com/office/drawing/2014/main" id="{368B81C1-A464-460E-BCE5-DC8AD8E30808}"/>
+              </a:ext>
+            </a:extLst>
+          </p:cNvPr>
+          <p:cNvPicPr>
+            <a:picLocks noChangeAspect="1"/>
+          </p:cNvPicPr>
+          <p:nvPr/>
+        </p:nvPicPr>
+        <p:blipFill>
+          <a:blip r:embed="rId4"/>
+          <a:stretch>
+            <a:fillRect/>
+          </a:stretch>
+        </p:blipFill>
+        <p:spPr>
+          <a:xfrm>
+            <a:off x="6623393" y="3822670"/>
+            <a:ext cx="2970907" cy="2658180"/>
+          </a:xfrm>
+          <a:prstGeom prst="rect">
+            <a:avLst/>
+          </a:prstGeom>
+        </p:spPr>
+      </p:pic>
+      <p:sp>
+        <p:nvSpPr>
+          <p:cNvPr id="2" name="Title 1"/>
+          <p:cNvSpPr>
+            <a:spLocks noGrp="1"/>
+          </p:cNvSpPr>
+          <p:nvPr>
+            <p:ph type="title"/>
+          </p:nvPr>
+        </p:nvSpPr>
+        <p:spPr>
+          <a:xfrm>
+            <a:off x="1024128" y="585216"/>
+            <a:ext cx="6066818" cy="1499616"/>
+          </a:xfrm>
+        </p:spPr>
+        <p:txBody>
+          <a:bodyPr>
+            <a:normAutofit/>
+          </a:bodyPr>
+          <a:lstStyle/>
+          <a:p>
+            <a:r>
+              <a:rPr lang="nl-NL"/>
+              <a:t>response times</a:t>
+            </a:r>
+            <a:endParaRPr lang="en-US" dirty="0"/>
+          </a:p>
+        </p:txBody>
+      </p:sp>
+      <p:sp>
+        <p:nvSpPr>
+          <p:cNvPr id="3" name="Content Placeholder 2"/>
+          <p:cNvSpPr>
+            <a:spLocks noGrp="1"/>
+          </p:cNvSpPr>
+          <p:nvPr>
+            <p:ph idx="1"/>
+          </p:nvPr>
+        </p:nvSpPr>
+        <p:spPr>
+          <a:xfrm>
+            <a:off x="1024128" y="2286000"/>
+            <a:ext cx="6066818" cy="4023360"/>
+          </a:xfrm>
+        </p:spPr>
+        <p:txBody>
+          <a:bodyPr>
+            <a:normAutofit/>
+          </a:bodyPr>
+          <a:lstStyle/>
+          <a:p>
+            <a:pPr marL="0" indent="0">
+              <a:buNone/>
+            </a:pPr>
+            <a:r>
+              <a:rPr lang="nl-NL" dirty="0"/>
+              <a:t>Fitting parameters </a:t>
+            </a:r>
+            <a:r>
+              <a:rPr lang="nl-NL" dirty="0" err="1"/>
+              <a:t>turned</a:t>
+            </a:r>
+            <a:r>
+              <a:rPr lang="nl-NL" dirty="0"/>
+              <a:t> out </a:t>
+            </a:r>
+            <a:r>
+              <a:rPr lang="nl-NL" dirty="0" err="1"/>
+              <a:t>to</a:t>
+            </a:r>
+            <a:r>
+              <a:rPr lang="nl-NL" dirty="0"/>
+              <a:t> </a:t>
+            </a:r>
+            <a:r>
+              <a:rPr lang="nl-NL" dirty="0" err="1"/>
+              <a:t>be</a:t>
+            </a:r>
+            <a:r>
+              <a:rPr lang="nl-NL" dirty="0"/>
+              <a:t> </a:t>
+            </a:r>
+            <a:r>
+              <a:rPr lang="nl-NL" dirty="0" err="1"/>
+              <a:t>challenging</a:t>
+            </a:r>
+            <a:endParaRPr lang="nl-NL" dirty="0"/>
+          </a:p>
+          <a:p>
+            <a:pPr marL="0" indent="0">
+              <a:buNone/>
+            </a:pPr>
+            <a:r>
+              <a:rPr lang="nl-NL" dirty="0" err="1"/>
+              <a:t>Middle</a:t>
+            </a:r>
+            <a:r>
+              <a:rPr lang="nl-NL" dirty="0"/>
+              <a:t> way…</a:t>
+            </a:r>
+          </a:p>
+        </p:txBody>
+      </p:sp>
+      <p:sp>
+        <p:nvSpPr>
+          <p:cNvPr id="4" name="Slide Number Placeholder 3"/>
+          <p:cNvSpPr>
+            <a:spLocks noGrp="1"/>
+          </p:cNvSpPr>
+          <p:nvPr>
+            <p:ph type="sldNum" sz="quarter" idx="12"/>
+          </p:nvPr>
+        </p:nvSpPr>
+        <p:spPr>
+          <a:xfrm>
+            <a:off x="10837333" y="6470704"/>
+            <a:ext cx="973667" cy="274320"/>
+          </a:xfrm>
+        </p:spPr>
+        <p:txBody>
+          <a:bodyPr>
+            <a:normAutofit/>
+          </a:bodyPr>
+          <a:lstStyle/>
+          <a:p>
+            <a:pPr>
+              <a:spcAft>
+                <a:spcPts val="600"/>
+              </a:spcAft>
+            </a:pPr>
+            <a:fld id="{4FAB73BC-B049-4115-A692-8D63A059BFB8}" type="slidenum">
+              <a:rPr lang="en-US" smtClean="0"/>
+              <a:pPr>
+                <a:spcAft>
+                  <a:spcPts val="600"/>
+                </a:spcAft>
+              </a:pPr>
+              <a:t>20</a:t>
+            </a:fld>
+            <a:endParaRPr lang="en-US"/>
+          </a:p>
+        </p:txBody>
+      </p:sp>
+      <p:sp>
+        <p:nvSpPr>
+          <p:cNvPr id="22" name="Tekstvak 21">
+            <a:extLst>
+              <a:ext uri="{FF2B5EF4-FFF2-40B4-BE49-F238E27FC236}">
+                <a16:creationId xmlns:a16="http://schemas.microsoft.com/office/drawing/2014/main" id="{6137C7F0-4BE6-4AF9-8EE3-B18A512EF199}"/>
+              </a:ext>
+            </a:extLst>
+          </p:cNvPr>
+          <p:cNvSpPr txBox="1"/>
+          <p:nvPr/>
+        </p:nvSpPr>
+        <p:spPr>
+          <a:xfrm>
+            <a:off x="7090946" y="243316"/>
+            <a:ext cx="1683657" cy="369332"/>
+          </a:xfrm>
+          <a:prstGeom prst="rect">
+            <a:avLst/>
+          </a:prstGeom>
+          <a:noFill/>
+        </p:spPr>
+        <p:txBody>
+          <a:bodyPr wrap="square" rtlCol="0">
+            <a:spAutoFit/>
+          </a:bodyPr>
+          <a:lstStyle/>
+          <a:p>
+            <a:r>
+              <a:rPr lang="nl-NL" dirty="0" err="1"/>
+              <a:t>Correlation</a:t>
+            </a:r>
+            <a:endParaRPr lang="nl-NL" dirty="0"/>
+          </a:p>
+        </p:txBody>
+      </p:sp>
+      <p:sp>
+        <p:nvSpPr>
+          <p:cNvPr id="24" name="Tekstvak 23">
+            <a:extLst>
+              <a:ext uri="{FF2B5EF4-FFF2-40B4-BE49-F238E27FC236}">
+                <a16:creationId xmlns:a16="http://schemas.microsoft.com/office/drawing/2014/main" id="{FFB060ED-C1D6-4A60-8E63-07C2898B5D03}"/>
+              </a:ext>
+            </a:extLst>
+          </p:cNvPr>
+          <p:cNvSpPr txBox="1"/>
+          <p:nvPr/>
+        </p:nvSpPr>
+        <p:spPr>
+          <a:xfrm>
+            <a:off x="7138260" y="3454268"/>
+            <a:ext cx="1683657" cy="369332"/>
+          </a:xfrm>
+          <a:prstGeom prst="rect">
+            <a:avLst/>
+          </a:prstGeom>
+          <a:noFill/>
+        </p:spPr>
+        <p:txBody>
+          <a:bodyPr wrap="square" rtlCol="0">
+            <a:spAutoFit/>
+          </a:bodyPr>
+          <a:lstStyle/>
+          <a:p>
+            <a:r>
+              <a:rPr lang="nl-NL" dirty="0"/>
+              <a:t>RMSE</a:t>
+            </a:r>
+          </a:p>
+        </p:txBody>
+      </p:sp>
+      <p:sp>
+        <p:nvSpPr>
+          <p:cNvPr id="10" name="Tekstvak 9">
+            <a:extLst>
+              <a:ext uri="{FF2B5EF4-FFF2-40B4-BE49-F238E27FC236}">
+                <a16:creationId xmlns:a16="http://schemas.microsoft.com/office/drawing/2014/main" id="{3B2561E3-A4EC-4A32-B1E2-7070FAAB1947}"/>
+              </a:ext>
+            </a:extLst>
+          </p:cNvPr>
+          <p:cNvSpPr txBox="1"/>
+          <p:nvPr/>
+        </p:nvSpPr>
+        <p:spPr>
+          <a:xfrm>
+            <a:off x="9724468" y="1852623"/>
+            <a:ext cx="2467532" cy="369332"/>
+          </a:xfrm>
+          <a:prstGeom prst="rect">
+            <a:avLst/>
+          </a:prstGeom>
+          <a:noFill/>
+        </p:spPr>
+        <p:txBody>
+          <a:bodyPr wrap="square" rtlCol="0">
+            <a:spAutoFit/>
+          </a:bodyPr>
+          <a:lstStyle/>
+          <a:p>
+            <a:r>
+              <a:rPr lang="nl-NL" dirty="0" err="1"/>
+              <a:t>Behavioral</a:t>
+            </a:r>
+            <a:r>
+              <a:rPr lang="nl-NL" dirty="0"/>
+              <a:t> experiment</a:t>
+            </a:r>
+          </a:p>
+        </p:txBody>
+      </p:sp>
+      <p:pic>
+        <p:nvPicPr>
+          <p:cNvPr id="12" name="Content Placeholder 4">
+            <a:extLst>
+              <a:ext uri="{FF2B5EF4-FFF2-40B4-BE49-F238E27FC236}">
+                <a16:creationId xmlns:a16="http://schemas.microsoft.com/office/drawing/2014/main" id="{15D722B7-2F13-4480-80F1-6124422C1B88}"/>
+              </a:ext>
+            </a:extLst>
+          </p:cNvPr>
+          <p:cNvPicPr>
+            <a:picLocks noChangeAspect="1"/>
+          </p:cNvPicPr>
+          <p:nvPr/>
+        </p:nvPicPr>
+        <p:blipFill>
+          <a:blip r:embed="rId5"/>
+          <a:stretch>
+            <a:fillRect/>
+          </a:stretch>
+        </p:blipFill>
+        <p:spPr>
+          <a:xfrm>
+            <a:off x="9223122" y="2152216"/>
+            <a:ext cx="2902232" cy="2419949"/>
+          </a:xfrm>
+          <a:prstGeom prst="rect">
+            <a:avLst/>
+          </a:prstGeom>
+        </p:spPr>
+      </p:pic>
+    </p:spTree>
+    <p:extLst>
+      <p:ext uri="{BB962C8B-B14F-4D97-AF65-F5344CB8AC3E}">
+        <p14:creationId xmlns:p14="http://schemas.microsoft.com/office/powerpoint/2010/main" val="1193058976"/>
+      </p:ext>
+    </p:extLst>
+  </p:cSld>
+  <p:clrMapOvr>
+    <a:masterClrMapping/>
+  </p:clrMapOvr>
+  <p:timing>
+    <p:tnLst>
+      <p:par>
+        <p:cTn id="1" dur="indefinite" restart="never" nodeType="tmRoot">
+          <p:childTnLst>
+            <p:seq concurrent="1" nextAc="seek">
+              <p:cTn id="2" dur="indefinite" nodeType="mainSeq">
+                <p:childTnLst>
+                  <p:par>
+                    <p:cTn id="3" fill="hold">
+                      <p:stCondLst>
+                        <p:cond delay="indefinite"/>
+                      </p:stCondLst>
+                      <p:childTnLst>
+                        <p:par>
+                          <p:cTn id="4" fill="hold">
+                            <p:stCondLst>
+                              <p:cond delay="0"/>
+                            </p:stCondLst>
+                            <p:childTnLst>
+                              <p:par>
+                                <p:cTn id="5" presetID="1" presetClass="entr" presetSubtype="0" fill="hold" grpId="0" nodeType="clickEffect">
+                                  <p:stCondLst>
+                                    <p:cond delay="0"/>
+                                  </p:stCondLst>
+                                  <p:childTnLst>
+                                    <p:set>
+                                      <p:cBhvr>
+                                        <p:cTn id="6" dur="1" fill="hold">
+                                          <p:stCondLst>
+                                            <p:cond delay="0"/>
+                                          </p:stCondLst>
+                                        </p:cTn>
+                                        <p:tgtEl>
+                                          <p:spTgt spid="3">
+                                            <p:txEl>
+                                              <p:pRg st="1" end="1"/>
+                                            </p:txEl>
+                                          </p:spTgt>
+                                        </p:tgtEl>
+                                        <p:attrNameLst>
+                                          <p:attrName>style.visibility</p:attrName>
+                                        </p:attrNameLst>
+                                      </p:cBhvr>
+                                      <p:to>
+                                        <p:strVal val="visible"/>
+                                      </p:to>
+                                    </p:set>
+                                  </p:childTnLst>
+                                </p:cTn>
+                              </p:par>
+                            </p:childTnLst>
+                          </p:cTn>
+                        </p:par>
+                      </p:childTnLst>
+                    </p:cTn>
+                  </p:par>
+                </p:childTnLst>
+              </p:cTn>
+              <p:prevCondLst>
+                <p:cond evt="onPrev" delay="0">
+                  <p:tgtEl>
+                    <p:sldTgt/>
+                  </p:tgtEl>
+                </p:cond>
+              </p:prevCondLst>
+              <p:nextCondLst>
+                <p:cond evt="onNext" delay="0">
+                  <p:tgtEl>
+                    <p:sldTgt/>
+                  </p:tgtEl>
+                </p:cond>
+              </p:nextCondLst>
+            </p:seq>
+          </p:childTnLst>
+        </p:cTn>
+      </p:par>
+    </p:tnLst>
+    <p:bldLst>
+      <p:bldP spid="3" grpId="0" uiExpand="1" build="p"/>
+    </p:bldLst>
+  </p:timing>
+</p:sld>
+</file>
+
+<file path=ppt/slides/slide21.xml><?xml version="1.0" encoding="utf-8"?>
+<p:sld xmlns:a="http://schemas.openxmlformats.org/drawingml/2006/main" xmlns:r="http://schemas.openxmlformats.org/officeDocument/2006/relationships" xmlns:p="http://schemas.openxmlformats.org/presentationml/2006/main">
+  <p:cSld>
+    <p:bg>
+      <p:bgPr>
+        <a:solidFill>
+          <a:schemeClr val="bg1"/>
+        </a:solidFill>
+        <a:effectLst/>
+      </p:bgPr>
+    </p:bg>
+    <p:spTree>
+      <p:nvGrpSpPr>
+        <p:cNvPr id="1" name=""/>
+        <p:cNvGrpSpPr/>
+        <p:nvPr/>
+      </p:nvGrpSpPr>
+      <p:grpSpPr>
+        <a:xfrm>
+          <a:off x="0" y="0"/>
+          <a:ext cx="0" cy="0"/>
+          <a:chOff x="0" y="0"/>
+          <a:chExt cx="0" cy="0"/>
+        </a:xfrm>
+      </p:grpSpPr>
       <p:sp>
         <p:nvSpPr>
           <p:cNvPr id="2" name="Titel 1">
@@ -33899,7 +34361,14 @@
           </a:bodyPr>
           <a:lstStyle/>
           <a:p>
-            <a:endParaRPr lang="nl-NL" sz="4000"/>
+            <a:r>
+              <a:rPr lang="nl-NL" sz="4000" dirty="0" err="1"/>
+              <a:t>Middle</a:t>
+            </a:r>
+            <a:r>
+              <a:rPr lang="nl-NL" sz="4000" dirty="0"/>
+              <a:t> way</a:t>
+            </a:r>
           </a:p>
         </p:txBody>
       </p:sp>
@@ -33931,7 +34400,22 @@
           </a:bodyPr>
           <a:lstStyle/>
           <a:p>
-            <a:endParaRPr lang="en-US" sz="1600" dirty="0"/>
+            <a:pPr marL="0" indent="0">
+              <a:buNone/>
+            </a:pPr>
+            <a:r>
+              <a:rPr lang="en-US" sz="1600" dirty="0"/>
+              <a:t>Emphasis on patterns instead of RTs</a:t>
+            </a:r>
+          </a:p>
+          <a:p>
+            <a:pPr marL="0" indent="0">
+              <a:buNone/>
+            </a:pPr>
+            <a:r>
+              <a:rPr lang="en-US" sz="1600" dirty="0"/>
+              <a:t>In fact, 99% of all monolingual model simulations show a difference between novel and practiced trials</a:t>
+            </a:r>
           </a:p>
         </p:txBody>
       </p:sp>
@@ -34005,7 +34489,7 @@
                   <a:spcPts val="600"/>
                 </a:spcAft>
               </a:pPr>
-              <a:t>20</a:t>
+              <a:t>21</a:t>
             </a:fld>
             <a:endParaRPr lang="en-US"/>
           </a:p>
@@ -34021,10 +34505,360 @@
   <p:clrMapOvr>
     <a:masterClrMapping/>
   </p:clrMapOvr>
+  <p:timing>
+    <p:tnLst>
+      <p:par>
+        <p:cTn id="1" dur="indefinite" restart="never" nodeType="tmRoot">
+          <p:childTnLst>
+            <p:seq concurrent="1" nextAc="seek">
+              <p:cTn id="2" dur="indefinite" nodeType="mainSeq">
+                <p:childTnLst>
+                  <p:par>
+                    <p:cTn id="3" fill="hold">
+                      <p:stCondLst>
+                        <p:cond delay="indefinite"/>
+                      </p:stCondLst>
+                      <p:childTnLst>
+                        <p:par>
+                          <p:cTn id="4" fill="hold">
+                            <p:stCondLst>
+                              <p:cond delay="0"/>
+                            </p:stCondLst>
+                            <p:childTnLst>
+                              <p:par>
+                                <p:cTn id="5" presetID="1" presetClass="entr" presetSubtype="0" fill="hold" grpId="0" nodeType="clickEffect">
+                                  <p:stCondLst>
+                                    <p:cond delay="0"/>
+                                  </p:stCondLst>
+                                  <p:childTnLst>
+                                    <p:set>
+                                      <p:cBhvr>
+                                        <p:cTn id="6" dur="1" fill="hold">
+                                          <p:stCondLst>
+                                            <p:cond delay="0"/>
+                                          </p:stCondLst>
+                                        </p:cTn>
+                                        <p:tgtEl>
+                                          <p:spTgt spid="11">
+                                            <p:txEl>
+                                              <p:pRg st="1" end="1"/>
+                                            </p:txEl>
+                                          </p:spTgt>
+                                        </p:tgtEl>
+                                        <p:attrNameLst>
+                                          <p:attrName>style.visibility</p:attrName>
+                                        </p:attrNameLst>
+                                      </p:cBhvr>
+                                      <p:to>
+                                        <p:strVal val="visible"/>
+                                      </p:to>
+                                    </p:set>
+                                  </p:childTnLst>
+                                </p:cTn>
+                              </p:par>
+                            </p:childTnLst>
+                          </p:cTn>
+                        </p:par>
+                      </p:childTnLst>
+                    </p:cTn>
+                  </p:par>
+                </p:childTnLst>
+              </p:cTn>
+              <p:prevCondLst>
+                <p:cond evt="onPrev" delay="0">
+                  <p:tgtEl>
+                    <p:sldTgt/>
+                  </p:tgtEl>
+                </p:cond>
+              </p:prevCondLst>
+              <p:nextCondLst>
+                <p:cond evt="onNext" delay="0">
+                  <p:tgtEl>
+                    <p:sldTgt/>
+                  </p:tgtEl>
+                </p:cond>
+              </p:nextCondLst>
+            </p:seq>
+          </p:childTnLst>
+        </p:cTn>
+      </p:par>
+    </p:tnLst>
+    <p:bldLst>
+      <p:bldP spid="11" grpId="0" uiExpand="1" build="p"/>
+    </p:bldLst>
+  </p:timing>
 </p:sld>
 </file>
 
-<file path=ppt/slides/slide21.xml><?xml version="1.0" encoding="utf-8"?>
+<file path=ppt/slides/slide22.xml><?xml version="1.0" encoding="utf-8"?>
+<p:sld xmlns:a="http://schemas.openxmlformats.org/drawingml/2006/main" xmlns:r="http://schemas.openxmlformats.org/officeDocument/2006/relationships" xmlns:p="http://schemas.openxmlformats.org/presentationml/2006/main">
+  <p:cSld>
+    <p:spTree>
+      <p:nvGrpSpPr>
+        <p:cNvPr id="1" name=""/>
+        <p:cNvGrpSpPr/>
+        <p:nvPr/>
+      </p:nvGrpSpPr>
+      <p:grpSpPr>
+        <a:xfrm>
+          <a:off x="0" y="0"/>
+          <a:ext cx="0" cy="0"/>
+          <a:chOff x="0" y="0"/>
+          <a:chExt cx="0" cy="0"/>
+        </a:xfrm>
+      </p:grpSpPr>
+      <p:sp>
+        <p:nvSpPr>
+          <p:cNvPr id="2" name="Title 1"/>
+          <p:cNvSpPr>
+            <a:spLocks noGrp="1"/>
+          </p:cNvSpPr>
+          <p:nvPr>
+            <p:ph type="title"/>
+          </p:nvPr>
+        </p:nvSpPr>
+        <p:spPr/>
+        <p:txBody>
+          <a:bodyPr/>
+          <a:lstStyle/>
+          <a:p>
+            <a:r>
+              <a:rPr lang="en-US" dirty="0"/>
+              <a:t>Summary</a:t>
+            </a:r>
+          </a:p>
+        </p:txBody>
+      </p:sp>
+      <p:sp>
+        <p:nvSpPr>
+          <p:cNvPr id="3" name="Content Placeholder 2"/>
+          <p:cNvSpPr>
+            <a:spLocks noGrp="1"/>
+          </p:cNvSpPr>
+          <p:nvPr>
+            <p:ph idx="1"/>
+          </p:nvPr>
+        </p:nvSpPr>
+        <p:spPr/>
+        <p:txBody>
+          <a:bodyPr/>
+          <a:lstStyle/>
+          <a:p>
+            <a:pPr marL="0" indent="0">
+              <a:buNone/>
+            </a:pPr>
+            <a:r>
+              <a:rPr lang="nl-NL" dirty="0" err="1"/>
+              <a:t>Removing</a:t>
+            </a:r>
+            <a:r>
+              <a:rPr lang="nl-NL" dirty="0"/>
+              <a:t> </a:t>
+            </a:r>
+            <a:r>
+              <a:rPr lang="nl-NL" dirty="0" err="1"/>
+              <a:t>internal</a:t>
+            </a:r>
+            <a:r>
+              <a:rPr lang="nl-NL" dirty="0"/>
+              <a:t> checks </a:t>
+            </a:r>
+            <a:r>
+              <a:rPr lang="nl-NL" dirty="0" err="1"/>
+              <a:t>results</a:t>
+            </a:r>
+            <a:r>
+              <a:rPr lang="nl-NL" dirty="0"/>
+              <a:t> in </a:t>
+            </a:r>
+            <a:r>
+              <a:rPr lang="nl-NL" dirty="0" err="1"/>
+              <a:t>faster</a:t>
+            </a:r>
+            <a:r>
+              <a:rPr lang="nl-NL" dirty="0"/>
+              <a:t> </a:t>
+            </a:r>
+            <a:r>
+              <a:rPr lang="nl-NL" dirty="0" err="1"/>
+              <a:t>task-switching</a:t>
+            </a:r>
+            <a:r>
+              <a:rPr lang="nl-NL" dirty="0"/>
+              <a:t>, </a:t>
+            </a:r>
+            <a:r>
+              <a:rPr lang="nl-NL" dirty="0" err="1"/>
+              <a:t>and</a:t>
+            </a:r>
+            <a:endParaRPr lang="nl-NL" dirty="0"/>
+          </a:p>
+          <a:p>
+            <a:pPr marL="0" indent="0">
+              <a:buNone/>
+            </a:pPr>
+            <a:r>
+              <a:rPr lang="nl-NL" dirty="0"/>
+              <a:t>In </a:t>
+            </a:r>
+            <a:r>
+              <a:rPr lang="nl-NL" dirty="0" err="1"/>
+              <a:t>other</a:t>
+            </a:r>
+            <a:r>
+              <a:rPr lang="nl-NL" dirty="0"/>
+              <a:t> </a:t>
+            </a:r>
+            <a:r>
+              <a:rPr lang="nl-NL" dirty="0" err="1"/>
+              <a:t>words</a:t>
+            </a:r>
+            <a:r>
+              <a:rPr lang="nl-NL" dirty="0"/>
+              <a:t>: </a:t>
+            </a:r>
+            <a:r>
+              <a:rPr lang="nl-NL" b="1" dirty="0" err="1"/>
+              <a:t>bilinguals</a:t>
+            </a:r>
+            <a:r>
+              <a:rPr lang="nl-NL" b="1" dirty="0"/>
+              <a:t> </a:t>
+            </a:r>
+            <a:r>
+              <a:rPr lang="nl-NL" b="1" dirty="0" err="1"/>
+              <a:t>already</a:t>
+            </a:r>
+            <a:r>
+              <a:rPr lang="nl-NL" b="1" dirty="0"/>
+              <a:t> </a:t>
+            </a:r>
+            <a:r>
+              <a:rPr lang="nl-NL" b="1" dirty="0" err="1"/>
+              <a:t>know</a:t>
+            </a:r>
+            <a:r>
+              <a:rPr lang="nl-NL" b="1" dirty="0"/>
+              <a:t> </a:t>
+            </a:r>
+          </a:p>
+          <a:p>
+            <a:pPr marL="0" indent="0">
+              <a:buNone/>
+            </a:pPr>
+            <a:r>
+              <a:rPr lang="nl-NL" dirty="0"/>
+              <a:t>Supports </a:t>
+            </a:r>
+            <a:r>
+              <a:rPr lang="nl-NL" dirty="0" err="1"/>
+              <a:t>that</a:t>
+            </a:r>
+            <a:r>
+              <a:rPr lang="nl-NL" dirty="0"/>
+              <a:t> </a:t>
+            </a:r>
+            <a:r>
+              <a:rPr lang="nl-NL" dirty="0" err="1"/>
+              <a:t>bilingual</a:t>
+            </a:r>
+            <a:r>
+              <a:rPr lang="nl-NL" dirty="0"/>
+              <a:t> advantage in </a:t>
+            </a:r>
+            <a:r>
+              <a:rPr lang="nl-NL" dirty="0" err="1"/>
+              <a:t>task-switching</a:t>
+            </a:r>
+            <a:r>
+              <a:rPr lang="nl-NL" dirty="0"/>
+              <a:t> is </a:t>
+            </a:r>
+            <a:r>
+              <a:rPr lang="nl-NL" dirty="0" err="1"/>
+              <a:t>shaped</a:t>
+            </a:r>
+            <a:r>
+              <a:rPr lang="nl-NL" dirty="0"/>
+              <a:t> </a:t>
+            </a:r>
+            <a:r>
+              <a:rPr lang="nl-NL" dirty="0" err="1"/>
+              <a:t>by</a:t>
+            </a:r>
+            <a:r>
+              <a:rPr lang="nl-NL" dirty="0"/>
+              <a:t> </a:t>
+            </a:r>
+            <a:r>
+              <a:rPr lang="nl-NL" dirty="0" err="1"/>
+              <a:t>conditional</a:t>
+            </a:r>
+            <a:r>
+              <a:rPr lang="nl-NL" dirty="0"/>
+              <a:t> </a:t>
+            </a:r>
+            <a:r>
+              <a:rPr lang="nl-NL" dirty="0" err="1"/>
+              <a:t>and</a:t>
+            </a:r>
+            <a:r>
+              <a:rPr lang="nl-NL" dirty="0"/>
+              <a:t> </a:t>
+            </a:r>
+            <a:r>
+              <a:rPr lang="nl-NL" dirty="0" err="1"/>
+              <a:t>contextual</a:t>
+            </a:r>
+            <a:r>
+              <a:rPr lang="nl-NL" dirty="0"/>
+              <a:t> </a:t>
+            </a:r>
+            <a:r>
+              <a:rPr lang="nl-NL" dirty="0" err="1"/>
+              <a:t>demands</a:t>
+            </a:r>
+            <a:endParaRPr lang="nl-NL" dirty="0"/>
+          </a:p>
+        </p:txBody>
+      </p:sp>
+      <p:sp>
+        <p:nvSpPr>
+          <p:cNvPr id="4" name="Slide Number Placeholder 3"/>
+          <p:cNvSpPr>
+            <a:spLocks noGrp="1"/>
+          </p:cNvSpPr>
+          <p:nvPr>
+            <p:ph type="sldNum" sz="quarter" idx="12"/>
+          </p:nvPr>
+        </p:nvSpPr>
+        <p:spPr/>
+        <p:txBody>
+          <a:bodyPr/>
+          <a:lstStyle/>
+          <a:p>
+            <a:fld id="{4FAB73BC-B049-4115-A692-8D63A059BFB8}" type="slidenum">
+              <a:rPr lang="en-US" smtClean="0"/>
+              <a:t>22</a:t>
+            </a:fld>
+            <a:endParaRPr lang="en-US" dirty="0"/>
+          </a:p>
+        </p:txBody>
+      </p:sp>
+    </p:spTree>
+    <p:extLst>
+      <p:ext uri="{BB962C8B-B14F-4D97-AF65-F5344CB8AC3E}">
+        <p14:creationId xmlns:p14="http://schemas.microsoft.com/office/powerpoint/2010/main" val="4283318528"/>
+      </p:ext>
+    </p:extLst>
+  </p:cSld>
+  <p:clrMapOvr>
+    <a:masterClrMapping/>
+  </p:clrMapOvr>
+</p:sld>
+</file>
+
+<file path=ppt/slides/slide23.xml><?xml version="1.0" encoding="utf-8"?>
 <p:sld xmlns:a="http://schemas.openxmlformats.org/drawingml/2006/main" xmlns:r="http://schemas.openxmlformats.org/officeDocument/2006/relationships" xmlns:p="http://schemas.openxmlformats.org/presentationml/2006/main">
   <p:cSld>
     <p:spTree>
@@ -34100,7 +34934,7 @@
           <a:p>
             <a:fld id="{4FAB73BC-B049-4115-A692-8D63A059BFB8}" type="slidenum">
               <a:rPr lang="en-US" smtClean="0"/>
-              <a:t>21</a:t>
+              <a:t>23</a:t>
             </a:fld>
             <a:endParaRPr lang="en-US" dirty="0"/>
           </a:p>
@@ -34119,7 +34953,7 @@
 </p:sld>
 </file>
 
-<file path=ppt/slides/slide22.xml><?xml version="1.0" encoding="utf-8"?>
+<file path=ppt/slides/slide24.xml><?xml version="1.0" encoding="utf-8"?>
 <p:sld xmlns:a="http://schemas.openxmlformats.org/drawingml/2006/main" xmlns:r="http://schemas.openxmlformats.org/officeDocument/2006/relationships" xmlns:p="http://schemas.openxmlformats.org/presentationml/2006/main">
   <p:cSld>
     <p:spTree>
@@ -34138,7 +34972,13 @@
       </p:grpSpPr>
       <p:sp>
         <p:nvSpPr>
-          <p:cNvPr id="2" name="Title 1"/>
+          <p:cNvPr id="2" name="Titel 1">
+            <a:extLst>
+              <a:ext uri="{FF2B5EF4-FFF2-40B4-BE49-F238E27FC236}">
+                <a16:creationId xmlns:a16="http://schemas.microsoft.com/office/drawing/2014/main" id="{E0D681C1-0BE3-42FC-8F7F-C17C16A194DD}"/>
+              </a:ext>
+            </a:extLst>
+          </p:cNvPr>
           <p:cNvSpPr>
             <a:spLocks noGrp="1"/>
           </p:cNvSpPr>
@@ -34152,212 +34992,80 @@
           <a:lstStyle/>
           <a:p>
             <a:r>
-              <a:rPr lang="en-US" dirty="0"/>
-              <a:t>Model remarks</a:t>
-            </a:r>
+              <a:rPr lang="nl-NL" dirty="0" err="1"/>
+              <a:t>fMRI</a:t>
+            </a:r>
+            <a:r>
+              <a:rPr lang="nl-NL" dirty="0"/>
+              <a:t> </a:t>
+            </a:r>
+            <a:r>
+              <a:rPr lang="nl-NL" dirty="0" err="1"/>
+              <a:t>Results</a:t>
+            </a:r>
+            <a:endParaRPr lang="nl-NL" dirty="0"/>
           </a:p>
         </p:txBody>
       </p:sp>
       <p:sp>
         <p:nvSpPr>
-          <p:cNvPr id="3" name="Content Placeholder 2"/>
+          <p:cNvPr id="6" name="Tijdelijke aanduiding voor tekst 5">
+            <a:extLst>
+              <a:ext uri="{FF2B5EF4-FFF2-40B4-BE49-F238E27FC236}">
+                <a16:creationId xmlns:a16="http://schemas.microsoft.com/office/drawing/2014/main" id="{6BDB30CF-DF1E-406E-8AB4-96CD18A377E2}"/>
+              </a:ext>
+            </a:extLst>
+          </p:cNvPr>
           <p:cNvSpPr>
             <a:spLocks noGrp="1"/>
           </p:cNvSpPr>
           <p:nvPr>
-            <p:ph idx="1"/>
+            <p:ph type="body" sz="half" idx="2"/>
           </p:nvPr>
         </p:nvSpPr>
         <p:spPr/>
         <p:txBody>
-          <a:bodyPr/>
+          <a:bodyPr>
+            <a:normAutofit/>
+          </a:bodyPr>
           <a:lstStyle/>
           <a:p>
             <a:r>
-              <a:rPr lang="en-US" dirty="0"/>
-              <a:t>No difference in encoding: </a:t>
-            </a:r>
-            <a:r>
-              <a:rPr lang="en-US" dirty="0">
-                <a:solidFill>
-                  <a:schemeClr val="accent2">
-                    <a:lumMod val="75000"/>
-                  </a:schemeClr>
-                </a:solidFill>
-              </a:rPr>
-              <a:t>it’s just an assumption</a:t>
-            </a:r>
-            <a:r>
-              <a:rPr lang="en-US" dirty="0"/>
-              <a:t>.</a:t>
-            </a:r>
-            <a:endParaRPr lang="nl-NL" dirty="0"/>
+              <a:rPr lang="en-US" sz="2200" dirty="0"/>
+              <a:t>Differences in adaptability (response to novel/</a:t>
+            </a:r>
+            <a:r>
+              <a:rPr lang="en-US" sz="2200" dirty="0" err="1"/>
+              <a:t>practived</a:t>
+            </a:r>
+            <a:r>
+              <a:rPr lang="en-US" sz="2200" dirty="0"/>
+              <a:t> trials)</a:t>
+            </a:r>
           </a:p>
           <a:p>
             <a:r>
-              <a:rPr lang="nl-NL" dirty="0" err="1"/>
-              <a:t>Strategies</a:t>
-            </a:r>
-            <a:r>
-              <a:rPr lang="nl-NL" dirty="0"/>
-              <a:t>:</a:t>
+              <a:rPr lang="en-US" sz="2200" dirty="0"/>
+              <a:t>Found in the basal ganglia</a:t>
             </a:r>
           </a:p>
           <a:p>
-            <a:pPr marL="285750" indent="-285750">
-              <a:buFont typeface="Arial" panose="020B0604020202020204" pitchFamily="34" charset="0"/>
-              <a:buChar char="•"/>
-            </a:pPr>
-            <a:r>
-              <a:rPr lang="nl-NL" dirty="0" err="1"/>
-              <a:t>Encode</a:t>
-            </a:r>
-            <a:r>
-              <a:rPr lang="nl-NL" dirty="0"/>
-              <a:t> </a:t>
-            </a:r>
-            <a:r>
-              <a:rPr lang="nl-NL" dirty="0" err="1"/>
-              <a:t>and</a:t>
-            </a:r>
-            <a:r>
-              <a:rPr lang="nl-NL" dirty="0"/>
-              <a:t> </a:t>
-            </a:r>
-            <a:r>
-              <a:rPr lang="nl-NL" dirty="0" err="1"/>
-              <a:t>wait</a:t>
-            </a:r>
-            <a:endParaRPr lang="nl-NL" dirty="0"/>
-          </a:p>
-          <a:p>
-            <a:pPr marL="285750" indent="-285750">
-              <a:buFont typeface="Arial" panose="020B0604020202020204" pitchFamily="34" charset="0"/>
-              <a:buChar char="•"/>
-            </a:pPr>
-            <a:r>
-              <a:rPr lang="nl-NL" dirty="0" err="1"/>
-              <a:t>Encode</a:t>
-            </a:r>
-            <a:r>
-              <a:rPr lang="nl-NL" dirty="0"/>
-              <a:t> </a:t>
-            </a:r>
-            <a:r>
-              <a:rPr lang="nl-NL" dirty="0" err="1"/>
-              <a:t>and</a:t>
-            </a:r>
-            <a:r>
-              <a:rPr lang="nl-NL" dirty="0"/>
-              <a:t> </a:t>
-            </a:r>
-            <a:r>
-              <a:rPr lang="nl-NL" dirty="0" err="1"/>
-              <a:t>prepare</a:t>
-            </a:r>
-            <a:r>
-              <a:rPr lang="nl-NL" dirty="0"/>
-              <a:t> first </a:t>
-            </a:r>
-            <a:r>
-              <a:rPr lang="nl-NL" dirty="0" err="1"/>
-              <a:t>operation</a:t>
-            </a:r>
-            <a:r>
-              <a:rPr lang="nl-NL" dirty="0"/>
-              <a:t> (</a:t>
-            </a:r>
-            <a:r>
-              <a:rPr lang="nl-NL" dirty="0" err="1"/>
-              <a:t>remember</a:t>
-            </a:r>
-            <a:r>
-              <a:rPr lang="nl-NL" dirty="0"/>
-              <a:t> </a:t>
-            </a:r>
-            <a:r>
-              <a:rPr lang="nl-NL" dirty="0" err="1"/>
-              <a:t>Roy’s</a:t>
-            </a:r>
-            <a:r>
-              <a:rPr lang="nl-NL" dirty="0"/>
-              <a:t> talk?)</a:t>
-            </a:r>
-          </a:p>
-          <a:p>
-            <a:pPr marL="285750" indent="-285750">
-              <a:buFont typeface="Arial" panose="020B0604020202020204" pitchFamily="34" charset="0"/>
-              <a:buChar char="•"/>
-            </a:pPr>
-            <a:endParaRPr lang="nl-NL" dirty="0"/>
-          </a:p>
-          <a:p>
-            <a:r>
-              <a:rPr lang="nl-NL" dirty="0"/>
-              <a:t>Easy </a:t>
-            </a:r>
-            <a:r>
-              <a:rPr lang="nl-NL" dirty="0" err="1"/>
-              <a:t>and</a:t>
-            </a:r>
-            <a:r>
-              <a:rPr lang="nl-NL" dirty="0"/>
-              <a:t> </a:t>
-            </a:r>
-            <a:r>
-              <a:rPr lang="nl-NL" dirty="0" err="1"/>
-              <a:t>difficult</a:t>
-            </a:r>
-            <a:r>
-              <a:rPr lang="nl-NL" dirty="0"/>
-              <a:t> operations: </a:t>
-            </a:r>
-            <a:r>
-              <a:rPr lang="nl-NL" dirty="0" err="1"/>
-              <a:t>difference</a:t>
-            </a:r>
-            <a:r>
-              <a:rPr lang="nl-NL" dirty="0"/>
-              <a:t> </a:t>
-            </a:r>
-            <a:r>
-              <a:rPr lang="nl-NL" dirty="0" err="1"/>
-              <a:t>between</a:t>
-            </a:r>
-            <a:r>
-              <a:rPr lang="nl-NL" dirty="0"/>
-              <a:t> </a:t>
-            </a:r>
-            <a:r>
-              <a:rPr lang="nl-NL" dirty="0" err="1"/>
-              <a:t>calculating</a:t>
-            </a:r>
-            <a:r>
-              <a:rPr lang="nl-NL" dirty="0"/>
-              <a:t> </a:t>
-            </a:r>
-            <a:r>
-              <a:rPr lang="nl-NL" dirty="0" err="1"/>
-              <a:t>and</a:t>
-            </a:r>
-            <a:r>
-              <a:rPr lang="nl-NL" dirty="0"/>
-              <a:t> </a:t>
-            </a:r>
-            <a:r>
-              <a:rPr lang="nl-NL" dirty="0" err="1"/>
-              <a:t>retrieving</a:t>
-            </a:r>
-            <a:r>
-              <a:rPr lang="nl-NL" dirty="0"/>
-              <a:t>?</a:t>
+            <a:r>
+              <a:rPr lang="en-GB" sz="2200" dirty="0"/>
+              <a:t>ACT-R’s procedural buffer is associated to basal ganglia areas.</a:t>
             </a:r>
           </a:p>
         </p:txBody>
       </p:sp>
       <p:sp>
         <p:nvSpPr>
-          <p:cNvPr id="4" name="Slide Number Placeholder 3"/>
+          <p:cNvPr id="4" name="Tijdelijke aanduiding voor dianummer 3">
+            <a:extLst>
+              <a:ext uri="{FF2B5EF4-FFF2-40B4-BE49-F238E27FC236}">
+                <a16:creationId xmlns:a16="http://schemas.microsoft.com/office/drawing/2014/main" id="{89431785-BE3A-4446-AAD0-18E6D3DB9A8B}"/>
+              </a:ext>
+            </a:extLst>
+          </p:cNvPr>
           <p:cNvSpPr>
             <a:spLocks noGrp="1"/>
           </p:cNvSpPr>
@@ -34372,7 +35080,7 @@
           <a:p>
             <a:fld id="{4FAB73BC-B049-4115-A692-8D63A059BFB8}" type="slidenum">
               <a:rPr lang="en-US" smtClean="0"/>
-              <a:t>22</a:t>
+              <a:t>24</a:t>
             </a:fld>
             <a:endParaRPr lang="en-US" dirty="0"/>
           </a:p>
@@ -34380,7 +35088,13 @@
       </p:sp>
       <p:pic>
         <p:nvPicPr>
-          <p:cNvPr id="5" name="Picture 4"/>
+          <p:cNvPr id="5" name="Afbeelding 4">
+            <a:extLst>
+              <a:ext uri="{FF2B5EF4-FFF2-40B4-BE49-F238E27FC236}">
+                <a16:creationId xmlns:a16="http://schemas.microsoft.com/office/drawing/2014/main" id="{C5896DF9-6A43-4122-9920-01D916C3120E}"/>
+              </a:ext>
+            </a:extLst>
+          </p:cNvPr>
           <p:cNvPicPr>
             <a:picLocks noChangeAspect="1"/>
           </p:cNvPicPr>
@@ -34394,8 +35108,119 @@
         </p:blipFill>
         <p:spPr>
           <a:xfrm>
-            <a:off x="8341783" y="347662"/>
-            <a:ext cx="2495550" cy="2714625"/>
+            <a:off x="6096001" y="1078738"/>
+            <a:ext cx="4934836" cy="1359171"/>
+          </a:xfrm>
+          <a:prstGeom prst="rect">
+            <a:avLst/>
+          </a:prstGeom>
+        </p:spPr>
+      </p:pic>
+      <p:pic>
+        <p:nvPicPr>
+          <p:cNvPr id="9" name="Tijdelijke aanduiding voor inhoud 8">
+            <a:extLst>
+              <a:ext uri="{FF2B5EF4-FFF2-40B4-BE49-F238E27FC236}">
+                <a16:creationId xmlns:a16="http://schemas.microsoft.com/office/drawing/2014/main" id="{864EE9AA-A764-42C8-AEEC-952E16CCE68B}"/>
+              </a:ext>
+            </a:extLst>
+          </p:cNvPr>
+          <p:cNvPicPr>
+            <a:picLocks noGrp="1" noChangeAspect="1"/>
+          </p:cNvPicPr>
+          <p:nvPr>
+            <p:ph idx="1"/>
+          </p:nvPr>
+        </p:nvPicPr>
+        <p:blipFill>
+          <a:blip r:embed="rId4"/>
+          <a:stretch>
+            <a:fillRect/>
+          </a:stretch>
+        </p:blipFill>
+        <p:spPr>
+          <a:xfrm>
+            <a:off x="6077651" y="822325"/>
+            <a:ext cx="4953185" cy="5184775"/>
+          </a:xfrm>
+          <a:prstGeom prst="rect">
+            <a:avLst/>
+          </a:prstGeom>
+        </p:spPr>
+      </p:pic>
+      <p:sp>
+        <p:nvSpPr>
+          <p:cNvPr id="7" name="Rectangle 4">
+            <a:extLst>
+              <a:ext uri="{FF2B5EF4-FFF2-40B4-BE49-F238E27FC236}">
+                <a16:creationId xmlns:a16="http://schemas.microsoft.com/office/drawing/2014/main" id="{FB0C28C0-0C2F-45CD-89FF-835C1540DA28}"/>
+              </a:ext>
+            </a:extLst>
+          </p:cNvPr>
+          <p:cNvSpPr/>
+          <p:nvPr/>
+        </p:nvSpPr>
+        <p:spPr>
+          <a:xfrm>
+            <a:off x="581596" y="6423198"/>
+            <a:ext cx="10255737" cy="369332"/>
+          </a:xfrm>
+          <a:prstGeom prst="rect">
+            <a:avLst/>
+          </a:prstGeom>
+        </p:spPr>
+        <p:txBody>
+          <a:bodyPr wrap="square">
+            <a:spAutoFit/>
+          </a:bodyPr>
+          <a:lstStyle/>
+          <a:p>
+            <a:pPr algn="r"/>
+            <a:r>
+              <a:rPr lang="en-US" dirty="0"/>
+              <a:t>(</a:t>
+            </a:r>
+            <a:r>
+              <a:rPr lang="en-US" dirty="0" err="1"/>
+              <a:t>Stocco</a:t>
+            </a:r>
+            <a:r>
+              <a:rPr lang="en-US" dirty="0"/>
+              <a:t> &amp; Prat, 2014; Borst &amp; Anderson, 2015)</a:t>
+            </a:r>
+          </a:p>
+        </p:txBody>
+      </p:sp>
+      <p:pic>
+        <p:nvPicPr>
+          <p:cNvPr id="8" name="Picture 5">
+            <a:extLst>
+              <a:ext uri="{FF2B5EF4-FFF2-40B4-BE49-F238E27FC236}">
+                <a16:creationId xmlns:a16="http://schemas.microsoft.com/office/drawing/2014/main" id="{26505666-7717-481D-8013-85A67BFF0D86}"/>
+              </a:ext>
+            </a:extLst>
+          </p:cNvPr>
+          <p:cNvPicPr>
+            <a:picLocks noChangeAspect="1"/>
+          </p:cNvPicPr>
+          <p:nvPr/>
+        </p:nvPicPr>
+        <p:blipFill>
+          <a:blip r:embed="rId5">
+            <a:extLst>
+              <a:ext uri="{28A0092B-C50C-407E-A947-70E740481C1C}">
+                <a14:useLocalDpi xmlns:a14="http://schemas.microsoft.com/office/drawing/2010/main" val="0"/>
+              </a:ext>
+            </a:extLst>
+          </a:blip>
+          <a:stretch>
+            <a:fillRect/>
+          </a:stretch>
+        </p:blipFill>
+        <p:spPr>
+          <a:xfrm>
+            <a:off x="6588295" y="3527194"/>
+            <a:ext cx="5153744" cy="2896004"/>
           </a:xfrm>
           <a:prstGeom prst="rect">
             <a:avLst/>
@@ -34405,692 +35230,7 @@
     </p:spTree>
     <p:extLst>
       <p:ext uri="{BB962C8B-B14F-4D97-AF65-F5344CB8AC3E}">
-        <p14:creationId xmlns:p14="http://schemas.microsoft.com/office/powerpoint/2010/main" val="4283318528"/>
-      </p:ext>
-    </p:extLst>
-  </p:cSld>
-  <p:clrMapOvr>
-    <a:masterClrMapping/>
-  </p:clrMapOvr>
-</p:sld>
-</file>
-
-<file path=ppt/slides/slide23.xml><?xml version="1.0" encoding="utf-8"?>
-<p:sld xmlns:a="http://schemas.openxmlformats.org/drawingml/2006/main" xmlns:r="http://schemas.openxmlformats.org/officeDocument/2006/relationships" xmlns:p="http://schemas.openxmlformats.org/presentationml/2006/main">
-  <p:cSld>
-    <p:spTree>
-      <p:nvGrpSpPr>
-        <p:cNvPr id="1" name=""/>
-        <p:cNvGrpSpPr/>
-        <p:nvPr/>
-      </p:nvGrpSpPr>
-      <p:grpSpPr>
-        <a:xfrm>
-          <a:off x="0" y="0"/>
-          <a:ext cx="0" cy="0"/>
-          <a:chOff x="0" y="0"/>
-          <a:chExt cx="0" cy="0"/>
-        </a:xfrm>
-      </p:grpSpPr>
-      <p:sp>
-        <p:nvSpPr>
-          <p:cNvPr id="2" name="Title 1"/>
-          <p:cNvSpPr>
-            <a:spLocks noGrp="1"/>
-          </p:cNvSpPr>
-          <p:nvPr>
-            <p:ph type="title"/>
-          </p:nvPr>
-        </p:nvSpPr>
-        <p:spPr/>
-        <p:txBody>
-          <a:bodyPr/>
-          <a:lstStyle/>
-          <a:p>
-            <a:r>
-              <a:rPr lang="nl-NL" dirty="0" err="1"/>
-              <a:t>Difficulty</a:t>
-            </a:r>
-            <a:r>
-              <a:rPr lang="nl-NL" dirty="0"/>
-              <a:t> of operations</a:t>
-            </a:r>
-            <a:endParaRPr lang="en-US" dirty="0"/>
-          </a:p>
-        </p:txBody>
-      </p:sp>
-      <p:sp>
-        <p:nvSpPr>
-          <p:cNvPr id="4" name="Slide Number Placeholder 3"/>
-          <p:cNvSpPr>
-            <a:spLocks noGrp="1"/>
-          </p:cNvSpPr>
-          <p:nvPr>
-            <p:ph type="sldNum" sz="quarter" idx="12"/>
-          </p:nvPr>
-        </p:nvSpPr>
-        <p:spPr/>
-        <p:txBody>
-          <a:bodyPr/>
-          <a:lstStyle/>
-          <a:p>
-            <a:fld id="{4FAB73BC-B049-4115-A692-8D63A059BFB8}" type="slidenum">
-              <a:rPr lang="en-US" smtClean="0"/>
-              <a:t>23</a:t>
-            </a:fld>
-            <a:endParaRPr lang="en-US" dirty="0"/>
-          </a:p>
-        </p:txBody>
-      </p:sp>
-      <p:sp>
-        <p:nvSpPr>
-          <p:cNvPr id="14" name="Content Placeholder 13"/>
-          <p:cNvSpPr>
-            <a:spLocks noGrp="1"/>
-          </p:cNvSpPr>
-          <p:nvPr>
-            <p:ph idx="1"/>
-          </p:nvPr>
-        </p:nvSpPr>
-        <p:spPr/>
-        <p:txBody>
-          <a:bodyPr>
-            <a:normAutofit/>
-          </a:bodyPr>
-          <a:lstStyle/>
-          <a:p>
-            <a:r>
-              <a:rPr lang="nl-NL" dirty="0" err="1"/>
-              <a:t>Some</a:t>
-            </a:r>
-            <a:r>
-              <a:rPr lang="nl-NL" dirty="0"/>
-              <a:t> </a:t>
-            </a:r>
-            <a:r>
-              <a:rPr lang="nl-NL" dirty="0" err="1"/>
-              <a:t>combinations</a:t>
-            </a:r>
-            <a:r>
-              <a:rPr lang="nl-NL" dirty="0"/>
-              <a:t> are </a:t>
-            </a:r>
-            <a:r>
-              <a:rPr lang="nl-NL" dirty="0" err="1"/>
-              <a:t>definitely</a:t>
-            </a:r>
-            <a:r>
-              <a:rPr lang="nl-NL" dirty="0"/>
-              <a:t> </a:t>
-            </a:r>
-            <a:r>
-              <a:rPr lang="nl-NL" dirty="0" err="1"/>
-              <a:t>faster</a:t>
-            </a:r>
-            <a:r>
-              <a:rPr lang="nl-NL" dirty="0"/>
-              <a:t> </a:t>
-            </a:r>
-            <a:r>
-              <a:rPr lang="nl-NL" dirty="0" err="1"/>
-              <a:t>than</a:t>
-            </a:r>
-            <a:r>
-              <a:rPr lang="nl-NL" dirty="0"/>
-              <a:t> </a:t>
-            </a:r>
-            <a:r>
-              <a:rPr lang="nl-NL" dirty="0" err="1"/>
-              <a:t>others</a:t>
-            </a:r>
-            <a:endParaRPr lang="nl-NL" dirty="0"/>
-          </a:p>
-          <a:p>
-            <a:r>
-              <a:rPr lang="nl-NL" dirty="0" err="1"/>
-              <a:t>Individual</a:t>
-            </a:r>
-            <a:r>
-              <a:rPr lang="nl-NL" dirty="0"/>
-              <a:t> operations do </a:t>
-            </a:r>
-            <a:r>
-              <a:rPr lang="nl-NL" dirty="0" err="1"/>
-              <a:t>not</a:t>
-            </a:r>
-            <a:r>
-              <a:rPr lang="nl-NL" dirty="0"/>
-              <a:t> </a:t>
-            </a:r>
-            <a:r>
-              <a:rPr lang="nl-NL" dirty="0" err="1"/>
-              <a:t>really</a:t>
-            </a:r>
-            <a:r>
-              <a:rPr lang="nl-NL" dirty="0"/>
-              <a:t> </a:t>
-            </a:r>
-            <a:r>
-              <a:rPr lang="nl-NL" dirty="0" err="1"/>
-              <a:t>differ</a:t>
-            </a:r>
-            <a:endParaRPr lang="nl-NL" dirty="0"/>
-          </a:p>
-          <a:p>
-            <a:r>
-              <a:rPr lang="nl-NL" dirty="0" err="1"/>
-              <a:t>Not</a:t>
-            </a:r>
-            <a:r>
-              <a:rPr lang="nl-NL" dirty="0"/>
-              <a:t> </a:t>
-            </a:r>
-            <a:r>
-              <a:rPr lang="nl-NL" dirty="0" err="1"/>
-              <a:t>enough</a:t>
-            </a:r>
-            <a:r>
-              <a:rPr lang="nl-NL" dirty="0"/>
-              <a:t> </a:t>
-            </a:r>
-            <a:r>
-              <a:rPr lang="nl-NL" dirty="0" err="1"/>
-              <a:t>for</a:t>
-            </a:r>
-            <a:r>
-              <a:rPr lang="nl-NL" dirty="0"/>
-              <a:t> </a:t>
-            </a:r>
-            <a:r>
-              <a:rPr lang="nl-NL" dirty="0" err="1"/>
-              <a:t>difference</a:t>
-            </a:r>
-            <a:r>
-              <a:rPr lang="nl-NL" dirty="0"/>
-              <a:t> in </a:t>
-            </a:r>
-            <a:r>
-              <a:rPr lang="nl-NL" dirty="0" err="1"/>
-              <a:t>computation</a:t>
-            </a:r>
-            <a:endParaRPr lang="en-US" dirty="0"/>
-          </a:p>
-        </p:txBody>
-      </p:sp>
-      <p:pic>
-        <p:nvPicPr>
-          <p:cNvPr id="19" name="Picture 18"/>
-          <p:cNvPicPr>
-            <a:picLocks noChangeAspect="1"/>
-          </p:cNvPicPr>
-          <p:nvPr/>
-        </p:nvPicPr>
-        <p:blipFill>
-          <a:blip r:embed="rId2"/>
-          <a:stretch>
-            <a:fillRect/>
-          </a:stretch>
-        </p:blipFill>
-        <p:spPr>
-          <a:xfrm>
-            <a:off x="9047678" y="37343"/>
-            <a:ext cx="2943296" cy="2401585"/>
-          </a:xfrm>
-          <a:prstGeom prst="rect">
-            <a:avLst/>
-          </a:prstGeom>
-        </p:spPr>
-      </p:pic>
-      <p:pic>
-        <p:nvPicPr>
-          <p:cNvPr id="21" name="Picture 20"/>
-          <p:cNvPicPr>
-            <a:picLocks noChangeAspect="1"/>
-          </p:cNvPicPr>
-          <p:nvPr/>
-        </p:nvPicPr>
-        <p:blipFill>
-          <a:blip r:embed="rId3"/>
-          <a:stretch>
-            <a:fillRect/>
-          </a:stretch>
-        </p:blipFill>
-        <p:spPr>
-          <a:xfrm>
-            <a:off x="9040393" y="2173024"/>
-            <a:ext cx="2957866" cy="2413474"/>
-          </a:xfrm>
-          <a:prstGeom prst="rect">
-            <a:avLst/>
-          </a:prstGeom>
-        </p:spPr>
-      </p:pic>
-      <p:pic>
-        <p:nvPicPr>
-          <p:cNvPr id="20" name="Picture 19"/>
-          <p:cNvPicPr>
-            <a:picLocks noChangeAspect="1"/>
-          </p:cNvPicPr>
-          <p:nvPr/>
-        </p:nvPicPr>
-        <p:blipFill>
-          <a:blip r:embed="rId4"/>
-          <a:stretch>
-            <a:fillRect/>
-          </a:stretch>
-        </p:blipFill>
-        <p:spPr>
-          <a:xfrm>
-            <a:off x="9040393" y="4574609"/>
-            <a:ext cx="2950581" cy="2407529"/>
-          </a:xfrm>
-          <a:prstGeom prst="rect">
-            <a:avLst/>
-          </a:prstGeom>
-        </p:spPr>
-      </p:pic>
-      <p:graphicFrame>
-        <p:nvGraphicFramePr>
-          <p:cNvPr id="24" name="Table 23"/>
-          <p:cNvGraphicFramePr>
-            <a:graphicFrameLocks noGrp="1"/>
-          </p:cNvGraphicFramePr>
-          <p:nvPr>
-            <p:extLst>
-              <p:ext uri="{D42A27DB-BD31-4B8C-83A1-F6EECF244321}">
-                <p14:modId xmlns:p14="http://schemas.microsoft.com/office/powerpoint/2010/main" val="1874622410"/>
-              </p:ext>
-            </p:extLst>
-          </p:nvPr>
-        </p:nvGraphicFramePr>
-        <p:xfrm>
-          <a:off x="1024128" y="4217436"/>
-          <a:ext cx="6001823" cy="2194560"/>
-        </p:xfrm>
-        <a:graphic>
-          <a:graphicData uri="http://schemas.openxmlformats.org/drawingml/2006/table">
-            <a:tbl>
-              <a:tblPr firstRow="1" bandRow="1">
-                <a:tableStyleId>{5C22544A-7EE6-4342-B048-85BDC9FD1C3A}</a:tableStyleId>
-              </a:tblPr>
-              <a:tblGrid>
-                <a:gridCol w="1293207">
-                  <a:extLst>
-                    <a:ext uri="{9D8B030D-6E8A-4147-A177-3AD203B41FA5}">
-                      <a16:colId xmlns:a16="http://schemas.microsoft.com/office/drawing/2014/main" val="20000"/>
-                    </a:ext>
-                  </a:extLst>
-                </a:gridCol>
-                <a:gridCol w="1555004">
-                  <a:extLst>
-                    <a:ext uri="{9D8B030D-6E8A-4147-A177-3AD203B41FA5}">
-                      <a16:colId xmlns:a16="http://schemas.microsoft.com/office/drawing/2014/main" val="20001"/>
-                    </a:ext>
-                  </a:extLst>
-                </a:gridCol>
-                <a:gridCol w="1576806">
-                  <a:extLst>
-                    <a:ext uri="{9D8B030D-6E8A-4147-A177-3AD203B41FA5}">
-                      <a16:colId xmlns:a16="http://schemas.microsoft.com/office/drawing/2014/main" val="20002"/>
-                    </a:ext>
-                  </a:extLst>
-                </a:gridCol>
-                <a:gridCol w="1576806">
-                  <a:extLst>
-                    <a:ext uri="{9D8B030D-6E8A-4147-A177-3AD203B41FA5}">
-                      <a16:colId xmlns:a16="http://schemas.microsoft.com/office/drawing/2014/main" val="20003"/>
-                    </a:ext>
-                  </a:extLst>
-                </a:gridCol>
-              </a:tblGrid>
-              <a:tr h="871635">
-                <a:tc>
-                  <a:txBody>
-                    <a:bodyPr/>
-                    <a:lstStyle/>
-                    <a:p>
-                      <a:endParaRPr lang="en-US" dirty="0"/>
-                    </a:p>
-                  </a:txBody>
-                  <a:tcPr/>
-                </a:tc>
-                <a:tc>
-                  <a:txBody>
-                    <a:bodyPr/>
-                    <a:lstStyle/>
-                    <a:p>
-                      <a:pPr marL="0" marR="0" lvl="0" indent="0" algn="ctr" defTabSz="914400" rtl="0" eaLnBrk="1" fontAlgn="auto" latinLnBrk="0" hangingPunct="1">
-                        <a:lnSpc>
-                          <a:spcPct val="100000"/>
-                        </a:lnSpc>
-                        <a:spcBef>
-                          <a:spcPts val="0"/>
-                        </a:spcBef>
-                        <a:spcAft>
-                          <a:spcPts val="0"/>
-                        </a:spcAft>
-                        <a:buClrTx/>
-                        <a:buSzTx/>
-                        <a:buFontTx/>
-                        <a:buNone/>
-                        <a:tabLst/>
-                        <a:defRPr/>
-                      </a:pPr>
-                      <a:r>
-                        <a:rPr lang="nl-NL" dirty="0"/>
-                        <a:t>TRIPLE</a:t>
-                      </a:r>
-                    </a:p>
-                    <a:p>
-                      <a:pPr marL="0" marR="0" lvl="0" indent="0" algn="ctr" defTabSz="914400" rtl="0" eaLnBrk="1" fontAlgn="auto" latinLnBrk="0" hangingPunct="1">
-                        <a:lnSpc>
-                          <a:spcPct val="100000"/>
-                        </a:lnSpc>
-                        <a:spcBef>
-                          <a:spcPts val="0"/>
-                        </a:spcBef>
-                        <a:spcAft>
-                          <a:spcPts val="0"/>
-                        </a:spcAft>
-                        <a:buClrTx/>
-                        <a:buSzTx/>
-                        <a:buFontTx/>
-                        <a:buNone/>
-                        <a:tabLst/>
-                        <a:defRPr/>
-                      </a:pPr>
-                      <a:r>
-                        <a:rPr lang="nl-NL" dirty="0"/>
-                        <a:t>DECREMENT</a:t>
-                      </a:r>
-                    </a:p>
-                    <a:p>
-                      <a:pPr marL="0" marR="0" lvl="0" indent="0" algn="ctr" defTabSz="914400" rtl="0" eaLnBrk="1" fontAlgn="auto" latinLnBrk="0" hangingPunct="1">
-                        <a:lnSpc>
-                          <a:spcPct val="100000"/>
-                        </a:lnSpc>
-                        <a:spcBef>
-                          <a:spcPts val="0"/>
-                        </a:spcBef>
-                        <a:spcAft>
-                          <a:spcPts val="0"/>
-                        </a:spcAft>
-                        <a:buClrTx/>
-                        <a:buSzTx/>
-                        <a:buFontTx/>
-                        <a:buNone/>
-                        <a:tabLst/>
-                        <a:defRPr/>
-                      </a:pPr>
-                      <a:r>
-                        <a:rPr lang="nl-NL" dirty="0"/>
-                        <a:t>SUBSTRACT</a:t>
-                      </a:r>
-                    </a:p>
-                  </a:txBody>
-                  <a:tcPr/>
-                </a:tc>
-                <a:tc>
-                  <a:txBody>
-                    <a:bodyPr/>
-                    <a:lstStyle/>
-                    <a:p>
-                      <a:pPr algn="ctr"/>
-                      <a:r>
-                        <a:rPr lang="nl-NL" dirty="0"/>
-                        <a:t>DUBBLE</a:t>
-                      </a:r>
-                    </a:p>
-                    <a:p>
-                      <a:pPr algn="ctr"/>
-                      <a:r>
-                        <a:rPr lang="nl-NL" dirty="0"/>
-                        <a:t>INCREMENT</a:t>
-                      </a:r>
-                    </a:p>
-                    <a:p>
-                      <a:pPr algn="ctr"/>
-                      <a:r>
-                        <a:rPr lang="nl-NL" dirty="0"/>
-                        <a:t>ADD</a:t>
-                      </a:r>
-                      <a:endParaRPr lang="en-US" dirty="0"/>
-                    </a:p>
-                  </a:txBody>
-                  <a:tcPr/>
-                </a:tc>
-                <a:tc>
-                  <a:txBody>
-                    <a:bodyPr/>
-                    <a:lstStyle/>
-                    <a:p>
-                      <a:pPr algn="ctr"/>
-                      <a:r>
-                        <a:rPr lang="nl-NL" dirty="0"/>
-                        <a:t>DECREMENT</a:t>
-                      </a:r>
-                    </a:p>
-                    <a:p>
-                      <a:pPr algn="ctr"/>
-                      <a:r>
-                        <a:rPr lang="nl-NL" dirty="0"/>
-                        <a:t>INCREMENT</a:t>
-                      </a:r>
-                      <a:endParaRPr lang="nl-NL" baseline="0" dirty="0"/>
-                    </a:p>
-                    <a:p>
-                      <a:pPr algn="ctr"/>
-                      <a:r>
-                        <a:rPr lang="nl-NL" baseline="0" dirty="0"/>
-                        <a:t>ADD</a:t>
-                      </a:r>
-                      <a:endParaRPr lang="en-US" dirty="0"/>
-                    </a:p>
-                  </a:txBody>
-                  <a:tcPr/>
-                </a:tc>
-                <a:extLst>
-                  <a:ext uri="{0D108BD9-81ED-4DB2-BD59-A6C34878D82A}">
-                    <a16:rowId xmlns:a16="http://schemas.microsoft.com/office/drawing/2014/main" val="10000"/>
-                  </a:ext>
-                </a:extLst>
-              </a:tr>
-              <a:tr h="610144">
-                <a:tc>
-                  <a:txBody>
-                    <a:bodyPr/>
-                    <a:lstStyle/>
-                    <a:p>
-                      <a:r>
-                        <a:rPr lang="nl-NL" dirty="0" err="1"/>
-                        <a:t>Monolingual</a:t>
-                      </a:r>
-                      <a:endParaRPr lang="en-US" dirty="0"/>
-                    </a:p>
-                  </a:txBody>
-                  <a:tcPr/>
-                </a:tc>
-                <a:tc>
-                  <a:txBody>
-                    <a:bodyPr/>
-                    <a:lstStyle/>
-                    <a:p>
-                      <a:pPr marL="0" marR="0" lvl="0" indent="0" algn="l" defTabSz="914400" rtl="0" eaLnBrk="1" fontAlgn="auto" latinLnBrk="0" hangingPunct="1">
-                        <a:lnSpc>
-                          <a:spcPct val="100000"/>
-                        </a:lnSpc>
-                        <a:spcBef>
-                          <a:spcPts val="0"/>
-                        </a:spcBef>
-                        <a:spcAft>
-                          <a:spcPts val="0"/>
-                        </a:spcAft>
-                        <a:buClrTx/>
-                        <a:buSzTx/>
-                        <a:buFontTx/>
-                        <a:buNone/>
-                        <a:tabLst/>
-                        <a:defRPr/>
-                      </a:pPr>
-                      <a:r>
-                        <a:rPr lang="nl-NL" dirty="0"/>
-                        <a:t>4558 (1280)</a:t>
-                      </a:r>
-                    </a:p>
-                    <a:p>
-                      <a:endParaRPr lang="en-US" dirty="0"/>
-                    </a:p>
-                  </a:txBody>
-                  <a:tcPr/>
-                </a:tc>
-                <a:tc>
-                  <a:txBody>
-                    <a:bodyPr/>
-                    <a:lstStyle/>
-                    <a:p>
-                      <a:r>
-                        <a:rPr lang="nl-NL" dirty="0"/>
-                        <a:t>2386 (992)</a:t>
-                      </a:r>
-                      <a:endParaRPr lang="en-US" dirty="0"/>
-                    </a:p>
-                  </a:txBody>
-                  <a:tcPr/>
-                </a:tc>
-                <a:tc>
-                  <a:txBody>
-                    <a:bodyPr/>
-                    <a:lstStyle/>
-                    <a:p>
-                      <a:r>
-                        <a:rPr lang="nl-NL" dirty="0"/>
-                        <a:t>4278 (1035)</a:t>
-                      </a:r>
-                      <a:endParaRPr lang="en-US" dirty="0"/>
-                    </a:p>
-                  </a:txBody>
-                  <a:tcPr/>
-                </a:tc>
-                <a:extLst>
-                  <a:ext uri="{0D108BD9-81ED-4DB2-BD59-A6C34878D82A}">
-                    <a16:rowId xmlns:a16="http://schemas.microsoft.com/office/drawing/2014/main" val="10001"/>
-                  </a:ext>
-                </a:extLst>
-              </a:tr>
-              <a:tr h="610144">
-                <a:tc>
-                  <a:txBody>
-                    <a:bodyPr/>
-                    <a:lstStyle/>
-                    <a:p>
-                      <a:r>
-                        <a:rPr lang="nl-NL" dirty="0" err="1"/>
-                        <a:t>Bilingual</a:t>
-                      </a:r>
-                      <a:endParaRPr lang="en-US" dirty="0"/>
-                    </a:p>
-                  </a:txBody>
-                  <a:tcPr/>
-                </a:tc>
-                <a:tc>
-                  <a:txBody>
-                    <a:bodyPr/>
-                    <a:lstStyle/>
-                    <a:p>
-                      <a:pPr marL="0" marR="0" lvl="0" indent="0" algn="l" defTabSz="914400" rtl="0" eaLnBrk="1" fontAlgn="auto" latinLnBrk="0" hangingPunct="1">
-                        <a:lnSpc>
-                          <a:spcPct val="100000"/>
-                        </a:lnSpc>
-                        <a:spcBef>
-                          <a:spcPts val="0"/>
-                        </a:spcBef>
-                        <a:spcAft>
-                          <a:spcPts val="0"/>
-                        </a:spcAft>
-                        <a:buClrTx/>
-                        <a:buSzTx/>
-                        <a:buFontTx/>
-                        <a:buNone/>
-                        <a:tabLst/>
-                        <a:defRPr/>
-                      </a:pPr>
-                      <a:r>
-                        <a:rPr lang="nl-NL" dirty="0"/>
-                        <a:t>4610 (1104)</a:t>
-                      </a:r>
-                    </a:p>
-                    <a:p>
-                      <a:endParaRPr lang="en-US" dirty="0"/>
-                    </a:p>
-                  </a:txBody>
-                  <a:tcPr/>
-                </a:tc>
-                <a:tc>
-                  <a:txBody>
-                    <a:bodyPr/>
-                    <a:lstStyle/>
-                    <a:p>
-                      <a:r>
-                        <a:rPr lang="nl-NL" dirty="0"/>
-                        <a:t>3618 (1330)</a:t>
-                      </a:r>
-                      <a:endParaRPr lang="en-US" dirty="0"/>
-                    </a:p>
-                  </a:txBody>
-                  <a:tcPr/>
-                </a:tc>
-                <a:tc>
-                  <a:txBody>
-                    <a:bodyPr/>
-                    <a:lstStyle/>
-                    <a:p>
-                      <a:r>
-                        <a:rPr lang="nl-NL" dirty="0"/>
-                        <a:t>2901 (1331)</a:t>
-                      </a:r>
-                      <a:endParaRPr lang="en-US" dirty="0"/>
-                    </a:p>
-                  </a:txBody>
-                  <a:tcPr/>
-                </a:tc>
-                <a:extLst>
-                  <a:ext uri="{0D108BD9-81ED-4DB2-BD59-A6C34878D82A}">
-                    <a16:rowId xmlns:a16="http://schemas.microsoft.com/office/drawing/2014/main" val="10002"/>
-                  </a:ext>
-                </a:extLst>
-              </a:tr>
-            </a:tbl>
-          </a:graphicData>
-        </a:graphic>
-      </p:graphicFrame>
-      <p:pic>
-        <p:nvPicPr>
-          <p:cNvPr id="26" name="Content Placeholder 4"/>
-          <p:cNvPicPr>
-            <a:picLocks noChangeAspect="1"/>
-          </p:cNvPicPr>
-          <p:nvPr/>
-        </p:nvPicPr>
-        <p:blipFill>
-          <a:blip r:embed="rId5"/>
-          <a:stretch>
-            <a:fillRect/>
-          </a:stretch>
-        </p:blipFill>
-        <p:spPr>
-          <a:xfrm>
-            <a:off x="9080278" y="4468084"/>
-            <a:ext cx="2730722" cy="2276940"/>
-          </a:xfrm>
-          <a:prstGeom prst="rect">
-            <a:avLst/>
-          </a:prstGeom>
-        </p:spPr>
-      </p:pic>
-    </p:spTree>
-    <p:extLst>
-      <p:ext uri="{BB962C8B-B14F-4D97-AF65-F5344CB8AC3E}">
-        <p14:creationId xmlns:p14="http://schemas.microsoft.com/office/powerpoint/2010/main" val="2041355135"/>
+        <p14:creationId xmlns:p14="http://schemas.microsoft.com/office/powerpoint/2010/main" val="3066713693"/>
       </p:ext>
     </p:extLst>
   </p:cSld>
@@ -35131,151 +35271,7 @@
                                           </p:stCondLst>
                                         </p:cTn>
                                         <p:tgtEl>
-                                          <p:spTgt spid="19"/>
-                                        </p:tgtEl>
-                                        <p:attrNameLst>
-                                          <p:attrName>style.visibility</p:attrName>
-                                        </p:attrNameLst>
-                                      </p:cBhvr>
-                                      <p:to>
-                                        <p:strVal val="visible"/>
-                                      </p:to>
-                                    </p:set>
-                                  </p:childTnLst>
-                                </p:cTn>
-                              </p:par>
-                              <p:par>
-                                <p:cTn id="7" presetID="1" presetClass="entr" presetSubtype="0" fill="hold" nodeType="withEffect">
-                                  <p:stCondLst>
-                                    <p:cond delay="0"/>
-                                  </p:stCondLst>
-                                  <p:childTnLst>
-                                    <p:set>
-                                      <p:cBhvr>
-                                        <p:cTn id="8" dur="1" fill="hold">
-                                          <p:stCondLst>
-                                            <p:cond delay="0"/>
-                                          </p:stCondLst>
-                                        </p:cTn>
-                                        <p:tgtEl>
-                                          <p:spTgt spid="21"/>
-                                        </p:tgtEl>
-                                        <p:attrNameLst>
-                                          <p:attrName>style.visibility</p:attrName>
-                                        </p:attrNameLst>
-                                      </p:cBhvr>
-                                      <p:to>
-                                        <p:strVal val="visible"/>
-                                      </p:to>
-                                    </p:set>
-                                  </p:childTnLst>
-                                </p:cTn>
-                              </p:par>
-                              <p:par>
-                                <p:cTn id="9" presetID="1" presetClass="entr" presetSubtype="0" fill="hold" nodeType="withEffect">
-                                  <p:stCondLst>
-                                    <p:cond delay="0"/>
-                                  </p:stCondLst>
-                                  <p:childTnLst>
-                                    <p:set>
-                                      <p:cBhvr>
-                                        <p:cTn id="10" dur="1" fill="hold">
-                                          <p:stCondLst>
-                                            <p:cond delay="0"/>
-                                          </p:stCondLst>
-                                        </p:cTn>
-                                        <p:tgtEl>
-                                          <p:spTgt spid="20"/>
-                                        </p:tgtEl>
-                                        <p:attrNameLst>
-                                          <p:attrName>style.visibility</p:attrName>
-                                        </p:attrNameLst>
-                                      </p:cBhvr>
-                                      <p:to>
-                                        <p:strVal val="visible"/>
-                                      </p:to>
-                                    </p:set>
-                                  </p:childTnLst>
-                                </p:cTn>
-                              </p:par>
-                            </p:childTnLst>
-                          </p:cTn>
-                        </p:par>
-                      </p:childTnLst>
-                    </p:cTn>
-                  </p:par>
-                  <p:par>
-                    <p:cTn id="11" fill="hold">
-                      <p:stCondLst>
-                        <p:cond delay="indefinite"/>
-                      </p:stCondLst>
-                      <p:childTnLst>
-                        <p:par>
-                          <p:cTn id="12" fill="hold">
-                            <p:stCondLst>
-                              <p:cond delay="0"/>
-                            </p:stCondLst>
-                            <p:childTnLst>
-                              <p:par>
-                                <p:cTn id="13" presetID="1" presetClass="entr" presetSubtype="0" fill="hold" nodeType="clickEffect">
-                                  <p:stCondLst>
-                                    <p:cond delay="0"/>
-                                  </p:stCondLst>
-                                  <p:childTnLst>
-                                    <p:set>
-                                      <p:cBhvr>
-                                        <p:cTn id="14" dur="1" fill="hold">
-                                          <p:stCondLst>
-                                            <p:cond delay="0"/>
-                                          </p:stCondLst>
-                                        </p:cTn>
-                                        <p:tgtEl>
-                                          <p:spTgt spid="24"/>
-                                        </p:tgtEl>
-                                        <p:attrNameLst>
-                                          <p:attrName>style.visibility</p:attrName>
-                                        </p:attrNameLst>
-                                      </p:cBhvr>
-                                      <p:to>
-                                        <p:strVal val="visible"/>
-                                      </p:to>
-                                    </p:set>
-                                  </p:childTnLst>
-                                </p:cTn>
-                              </p:par>
-                            </p:childTnLst>
-                          </p:cTn>
-                        </p:par>
-                      </p:childTnLst>
-                    </p:cTn>
-                  </p:par>
-                  <p:par>
-                    <p:cTn id="15" fill="hold">
-                      <p:stCondLst>
-                        <p:cond delay="indefinite"/>
-                      </p:stCondLst>
-                      <p:childTnLst>
-                        <p:par>
-                          <p:cTn id="16" fill="hold">
-                            <p:stCondLst>
-                              <p:cond delay="0"/>
-                            </p:stCondLst>
-                            <p:childTnLst>
-                              <p:par>
-                                <p:cTn id="17" presetID="1" presetClass="entr" presetSubtype="0" fill="hold" nodeType="clickEffect">
-                                  <p:stCondLst>
-                                    <p:cond delay="0"/>
-                                  </p:stCondLst>
-                                  <p:childTnLst>
-                                    <p:set>
-                                      <p:cBhvr>
-                                        <p:cTn id="18" dur="1" fill="hold">
-                                          <p:stCondLst>
-                                            <p:cond delay="0"/>
-                                          </p:stCondLst>
-                                        </p:cTn>
-                                        <p:tgtEl>
-                                          <p:spTgt spid="26"/>
+                                          <p:spTgt spid="8"/>
                                         </p:tgtEl>
                                         <p:attrNameLst>
                                           <p:attrName>style.visibility</p:attrName>
@@ -35319,7 +35315,659 @@
 </p:sld>
 </file>
 
-<file path=ppt/slides/slide24.xml><?xml version="1.0" encoding="utf-8"?>
+<file path=ppt/slides/slide25.xml><?xml version="1.0" encoding="utf-8"?>
+<p:sld xmlns:a="http://schemas.openxmlformats.org/drawingml/2006/main" xmlns:r="http://schemas.openxmlformats.org/officeDocument/2006/relationships" xmlns:p="http://schemas.openxmlformats.org/presentationml/2006/main">
+  <p:cSld>
+    <p:spTree>
+      <p:nvGrpSpPr>
+        <p:cNvPr id="1" name=""/>
+        <p:cNvGrpSpPr/>
+        <p:nvPr/>
+      </p:nvGrpSpPr>
+      <p:grpSpPr>
+        <a:xfrm>
+          <a:off x="0" y="0"/>
+          <a:ext cx="0" cy="0"/>
+          <a:chOff x="0" y="0"/>
+          <a:chExt cx="0" cy="0"/>
+        </a:xfrm>
+      </p:grpSpPr>
+      <p:sp>
+        <p:nvSpPr>
+          <p:cNvPr id="2" name="Titel 1">
+            <a:extLst>
+              <a:ext uri="{FF2B5EF4-FFF2-40B4-BE49-F238E27FC236}">
+                <a16:creationId xmlns:a16="http://schemas.microsoft.com/office/drawing/2014/main" id="{E416EBA6-DBD2-4684-9504-82F3780577AE}"/>
+              </a:ext>
+            </a:extLst>
+          </p:cNvPr>
+          <p:cNvSpPr>
+            <a:spLocks noGrp="1"/>
+          </p:cNvSpPr>
+          <p:nvPr>
+            <p:ph type="title"/>
+          </p:nvPr>
+        </p:nvSpPr>
+        <p:spPr/>
+        <p:txBody>
+          <a:bodyPr/>
+          <a:lstStyle/>
+          <a:p>
+            <a:r>
+              <a:rPr lang="nl-NL" dirty="0" err="1"/>
+              <a:t>Accuracy</a:t>
+            </a:r>
+            <a:endParaRPr lang="nl-NL" dirty="0"/>
+          </a:p>
+        </p:txBody>
+      </p:sp>
+      <p:sp>
+        <p:nvSpPr>
+          <p:cNvPr id="3" name="Tijdelijke aanduiding voor inhoud 2">
+            <a:extLst>
+              <a:ext uri="{FF2B5EF4-FFF2-40B4-BE49-F238E27FC236}">
+                <a16:creationId xmlns:a16="http://schemas.microsoft.com/office/drawing/2014/main" id="{8B301BD6-D6D9-48C9-8210-7FA216123AC2}"/>
+              </a:ext>
+            </a:extLst>
+          </p:cNvPr>
+          <p:cNvSpPr>
+            <a:spLocks noGrp="1"/>
+          </p:cNvSpPr>
+          <p:nvPr>
+            <p:ph idx="1"/>
+          </p:nvPr>
+        </p:nvSpPr>
+        <p:spPr/>
+        <p:txBody>
+          <a:bodyPr/>
+          <a:lstStyle/>
+          <a:p>
+            <a:r>
+              <a:rPr lang="nl-NL" dirty="0" err="1"/>
+              <a:t>Bilinguals</a:t>
+            </a:r>
+            <a:r>
+              <a:rPr lang="nl-NL" dirty="0"/>
+              <a:t> are </a:t>
+            </a:r>
+            <a:r>
+              <a:rPr lang="nl-NL" dirty="0" err="1"/>
+              <a:t>often</a:t>
+            </a:r>
+            <a:r>
+              <a:rPr lang="nl-NL" dirty="0"/>
+              <a:t> </a:t>
+            </a:r>
+            <a:r>
+              <a:rPr lang="nl-NL" dirty="0" err="1"/>
+              <a:t>faster</a:t>
+            </a:r>
+            <a:r>
+              <a:rPr lang="nl-NL" dirty="0"/>
+              <a:t>, but more </a:t>
+            </a:r>
+            <a:r>
+              <a:rPr lang="nl-NL" dirty="0" err="1"/>
+              <a:t>inaccuracte</a:t>
+            </a:r>
+            <a:r>
+              <a:rPr lang="nl-NL" dirty="0"/>
+              <a:t> (</a:t>
+            </a:r>
+            <a:r>
+              <a:rPr lang="nl-NL" dirty="0" err="1"/>
+              <a:t>usually</a:t>
+            </a:r>
+            <a:r>
+              <a:rPr lang="nl-NL" dirty="0"/>
+              <a:t> non-significant </a:t>
+            </a:r>
+            <a:r>
+              <a:rPr lang="nl-NL" dirty="0" err="1"/>
+              <a:t>though</a:t>
+            </a:r>
+            <a:r>
+              <a:rPr lang="nl-NL" dirty="0"/>
+              <a:t>)</a:t>
+            </a:r>
+          </a:p>
+          <a:p>
+            <a:r>
+              <a:rPr lang="nl-NL" dirty="0"/>
+              <a:t>The </a:t>
+            </a:r>
+            <a:r>
+              <a:rPr lang="nl-NL" dirty="0" err="1"/>
+              <a:t>models</a:t>
+            </a:r>
+            <a:r>
+              <a:rPr lang="nl-NL" dirty="0"/>
+              <a:t> </a:t>
+            </a:r>
+            <a:r>
+              <a:rPr lang="nl-NL" dirty="0" err="1"/>
+              <a:t>from</a:t>
+            </a:r>
+            <a:r>
+              <a:rPr lang="nl-NL" dirty="0"/>
+              <a:t> </a:t>
+            </a:r>
+            <a:r>
+              <a:rPr lang="nl-NL" dirty="0" err="1"/>
+              <a:t>this</a:t>
+            </a:r>
+            <a:r>
+              <a:rPr lang="nl-NL" dirty="0"/>
+              <a:t> </a:t>
+            </a:r>
+            <a:r>
+              <a:rPr lang="nl-NL" dirty="0" err="1"/>
+              <a:t>study</a:t>
+            </a:r>
+            <a:r>
+              <a:rPr lang="nl-NL" dirty="0"/>
+              <a:t> offers </a:t>
+            </a:r>
+            <a:r>
+              <a:rPr lang="nl-NL" dirty="0" err="1"/>
+              <a:t>an</a:t>
+            </a:r>
+            <a:r>
+              <a:rPr lang="nl-NL" dirty="0"/>
+              <a:t> </a:t>
+            </a:r>
+            <a:r>
+              <a:rPr lang="nl-NL" dirty="0" err="1"/>
+              <a:t>explanation</a:t>
+            </a:r>
+            <a:r>
+              <a:rPr lang="nl-NL" dirty="0"/>
+              <a:t>: </a:t>
+            </a:r>
+            <a:r>
+              <a:rPr lang="nl-NL" dirty="0" err="1"/>
+              <a:t>they</a:t>
+            </a:r>
+            <a:r>
+              <a:rPr lang="nl-NL" dirty="0"/>
+              <a:t> </a:t>
+            </a:r>
+            <a:r>
+              <a:rPr lang="nl-NL" dirty="0" err="1"/>
+              <a:t>might</a:t>
+            </a:r>
+            <a:r>
+              <a:rPr lang="nl-NL" dirty="0"/>
+              <a:t> have a different speed-</a:t>
+            </a:r>
+            <a:r>
+              <a:rPr lang="nl-NL" dirty="0" err="1"/>
+              <a:t>accuracy</a:t>
+            </a:r>
+            <a:r>
+              <a:rPr lang="nl-NL" dirty="0"/>
+              <a:t> </a:t>
+            </a:r>
+            <a:r>
+              <a:rPr lang="nl-NL" dirty="0" err="1"/>
+              <a:t>trade</a:t>
+            </a:r>
+            <a:r>
+              <a:rPr lang="nl-NL" dirty="0"/>
+              <a:t>-off</a:t>
+            </a:r>
+          </a:p>
+          <a:p>
+            <a:endParaRPr lang="nl-NL" dirty="0"/>
+          </a:p>
+        </p:txBody>
+      </p:sp>
+      <p:sp>
+        <p:nvSpPr>
+          <p:cNvPr id="4" name="Tijdelijke aanduiding voor dianummer 3">
+            <a:extLst>
+              <a:ext uri="{FF2B5EF4-FFF2-40B4-BE49-F238E27FC236}">
+                <a16:creationId xmlns:a16="http://schemas.microsoft.com/office/drawing/2014/main" id="{5EA99329-E7D1-4DE8-9A2D-EDAA69C74353}"/>
+              </a:ext>
+            </a:extLst>
+          </p:cNvPr>
+          <p:cNvSpPr>
+            <a:spLocks noGrp="1"/>
+          </p:cNvSpPr>
+          <p:nvPr>
+            <p:ph type="sldNum" sz="quarter" idx="12"/>
+          </p:nvPr>
+        </p:nvSpPr>
+        <p:spPr/>
+        <p:txBody>
+          <a:bodyPr/>
+          <a:lstStyle/>
+          <a:p>
+            <a:fld id="{4FAB73BC-B049-4115-A692-8D63A059BFB8}" type="slidenum">
+              <a:rPr lang="en-US" smtClean="0"/>
+              <a:t>25</a:t>
+            </a:fld>
+            <a:endParaRPr lang="en-US" dirty="0"/>
+          </a:p>
+        </p:txBody>
+      </p:sp>
+    </p:spTree>
+    <p:extLst>
+      <p:ext uri="{BB962C8B-B14F-4D97-AF65-F5344CB8AC3E}">
+        <p14:creationId xmlns:p14="http://schemas.microsoft.com/office/powerpoint/2010/main" val="751261967"/>
+      </p:ext>
+    </p:extLst>
+  </p:cSld>
+  <p:clrMapOvr>
+    <a:masterClrMapping/>
+  </p:clrMapOvr>
+</p:sld>
+</file>
+
+<file path=ppt/slides/slide26.xml><?xml version="1.0" encoding="utf-8"?>
+<p:sld xmlns:a="http://schemas.openxmlformats.org/drawingml/2006/main" xmlns:r="http://schemas.openxmlformats.org/officeDocument/2006/relationships" xmlns:p="http://schemas.openxmlformats.org/presentationml/2006/main">
+  <p:cSld>
+    <p:bg>
+      <p:bgPr>
+        <a:solidFill>
+          <a:schemeClr val="bg1"/>
+        </a:solidFill>
+        <a:effectLst/>
+      </p:bgPr>
+    </p:bg>
+    <p:spTree>
+      <p:nvGrpSpPr>
+        <p:cNvPr id="1" name=""/>
+        <p:cNvGrpSpPr/>
+        <p:nvPr/>
+      </p:nvGrpSpPr>
+      <p:grpSpPr>
+        <a:xfrm>
+          <a:off x="0" y="0"/>
+          <a:ext cx="0" cy="0"/>
+          <a:chOff x="0" y="0"/>
+          <a:chExt cx="0" cy="0"/>
+        </a:xfrm>
+      </p:grpSpPr>
+      <p:sp>
+        <p:nvSpPr>
+          <p:cNvPr id="2" name="Titel 1">
+            <a:extLst>
+              <a:ext uri="{FF2B5EF4-FFF2-40B4-BE49-F238E27FC236}">
+                <a16:creationId xmlns:a16="http://schemas.microsoft.com/office/drawing/2014/main" id="{699A1EE1-C778-4B4F-8B27-EB1B271E1CF4}"/>
+              </a:ext>
+            </a:extLst>
+          </p:cNvPr>
+          <p:cNvSpPr>
+            <a:spLocks noGrp="1"/>
+          </p:cNvSpPr>
+          <p:nvPr>
+            <p:ph type="title"/>
+          </p:nvPr>
+        </p:nvSpPr>
+        <p:spPr>
+          <a:xfrm>
+            <a:off x="1024128" y="585216"/>
+            <a:ext cx="6066818" cy="1499616"/>
+          </a:xfrm>
+        </p:spPr>
+        <p:txBody>
+          <a:bodyPr>
+            <a:normAutofit/>
+          </a:bodyPr>
+          <a:lstStyle/>
+          <a:p>
+            <a:r>
+              <a:rPr lang="nl-NL" dirty="0" err="1"/>
+              <a:t>Applying</a:t>
+            </a:r>
+            <a:r>
+              <a:rPr lang="nl-NL" dirty="0"/>
+              <a:t> </a:t>
+            </a:r>
+            <a:r>
+              <a:rPr lang="nl-NL" dirty="0" err="1"/>
+              <a:t>to</a:t>
+            </a:r>
+            <a:r>
+              <a:rPr lang="nl-NL" dirty="0"/>
+              <a:t> </a:t>
+            </a:r>
+            <a:r>
+              <a:rPr lang="nl-NL" dirty="0" err="1"/>
+              <a:t>other</a:t>
+            </a:r>
+            <a:r>
+              <a:rPr lang="nl-NL" dirty="0"/>
+              <a:t> </a:t>
+            </a:r>
+            <a:r>
+              <a:rPr lang="nl-NL" dirty="0" err="1"/>
+              <a:t>paradigms</a:t>
+            </a:r>
+            <a:endParaRPr lang="nl-NL" dirty="0"/>
+          </a:p>
+        </p:txBody>
+      </p:sp>
+      <p:sp>
+        <p:nvSpPr>
+          <p:cNvPr id="3" name="Tijdelijke aanduiding voor inhoud 2">
+            <a:extLst>
+              <a:ext uri="{FF2B5EF4-FFF2-40B4-BE49-F238E27FC236}">
+                <a16:creationId xmlns:a16="http://schemas.microsoft.com/office/drawing/2014/main" id="{7E9C7F25-5EB1-469C-867D-47007762A74E}"/>
+              </a:ext>
+            </a:extLst>
+          </p:cNvPr>
+          <p:cNvSpPr>
+            <a:spLocks noGrp="1"/>
+          </p:cNvSpPr>
+          <p:nvPr>
+            <p:ph idx="1"/>
+          </p:nvPr>
+        </p:nvSpPr>
+        <p:spPr>
+          <a:xfrm>
+            <a:off x="1024128" y="2286000"/>
+            <a:ext cx="6066818" cy="4023360"/>
+          </a:xfrm>
+        </p:spPr>
+        <p:txBody>
+          <a:bodyPr>
+            <a:normAutofit/>
+          </a:bodyPr>
+          <a:lstStyle/>
+          <a:p>
+            <a:pPr>
+              <a:buFont typeface="Wingdings" panose="05000000000000000000" pitchFamily="2" charset="2"/>
+              <a:buChar char="§"/>
+            </a:pPr>
+            <a:r>
+              <a:rPr lang="nl-NL" dirty="0"/>
+              <a:t>Simon </a:t>
+            </a:r>
+            <a:r>
+              <a:rPr lang="nl-NL" dirty="0" err="1"/>
+              <a:t>task</a:t>
+            </a:r>
+            <a:endParaRPr lang="nl-NL" dirty="0"/>
+          </a:p>
+          <a:p>
+            <a:pPr>
+              <a:buFont typeface="Wingdings" panose="05000000000000000000" pitchFamily="2" charset="2"/>
+              <a:buChar char="§"/>
+            </a:pPr>
+            <a:r>
+              <a:rPr lang="nl-NL" dirty="0"/>
+              <a:t> </a:t>
+            </a:r>
+            <a:r>
+              <a:rPr lang="nl-NL" dirty="0" err="1"/>
+              <a:t>Task-switching</a:t>
+            </a:r>
+            <a:r>
+              <a:rPr lang="nl-NL" dirty="0"/>
+              <a:t> </a:t>
+            </a:r>
+            <a:r>
+              <a:rPr lang="nl-NL" dirty="0" err="1"/>
+              <a:t>paradigms</a:t>
+            </a:r>
+            <a:endParaRPr lang="nl-NL" dirty="0"/>
+          </a:p>
+          <a:p>
+            <a:pPr marL="0" indent="0">
+              <a:buNone/>
+            </a:pPr>
+            <a:endParaRPr lang="nl-NL" dirty="0"/>
+          </a:p>
+        </p:txBody>
+      </p:sp>
+      <p:pic>
+        <p:nvPicPr>
+          <p:cNvPr id="6" name="Afbeelding 5">
+            <a:extLst>
+              <a:ext uri="{FF2B5EF4-FFF2-40B4-BE49-F238E27FC236}">
+                <a16:creationId xmlns:a16="http://schemas.microsoft.com/office/drawing/2014/main" id="{95207BC5-2B32-44AA-AE34-F3A45D543DD9}"/>
+              </a:ext>
+            </a:extLst>
+          </p:cNvPr>
+          <p:cNvPicPr>
+            <a:picLocks noChangeAspect="1"/>
+          </p:cNvPicPr>
+          <p:nvPr/>
+        </p:nvPicPr>
+        <p:blipFill>
+          <a:blip r:embed="rId2"/>
+          <a:stretch>
+            <a:fillRect/>
+          </a:stretch>
+        </p:blipFill>
+        <p:spPr>
+          <a:xfrm>
+            <a:off x="7453793" y="3607085"/>
+            <a:ext cx="3999654" cy="2539780"/>
+          </a:xfrm>
+          <a:prstGeom prst="rect">
+            <a:avLst/>
+          </a:prstGeom>
+        </p:spPr>
+      </p:pic>
+      <p:pic>
+        <p:nvPicPr>
+          <p:cNvPr id="5" name="Tijdelijke aanduiding voor inhoud 8">
+            <a:extLst>
+              <a:ext uri="{FF2B5EF4-FFF2-40B4-BE49-F238E27FC236}">
+                <a16:creationId xmlns:a16="http://schemas.microsoft.com/office/drawing/2014/main" id="{61302F0D-76E4-4D1F-B8F7-F992A2F16A16}"/>
+              </a:ext>
+            </a:extLst>
+          </p:cNvPr>
+          <p:cNvPicPr>
+            <a:picLocks noChangeAspect="1"/>
+          </p:cNvPicPr>
+          <p:nvPr/>
+        </p:nvPicPr>
+        <p:blipFill>
+          <a:blip r:embed="rId3"/>
+          <a:stretch>
+            <a:fillRect/>
+          </a:stretch>
+        </p:blipFill>
+        <p:spPr>
+          <a:xfrm>
+            <a:off x="7453793" y="1321083"/>
+            <a:ext cx="3999654" cy="1929833"/>
+          </a:xfrm>
+          <a:prstGeom prst="rect">
+            <a:avLst/>
+          </a:prstGeom>
+        </p:spPr>
+      </p:pic>
+      <p:sp>
+        <p:nvSpPr>
+          <p:cNvPr id="4" name="Tijdelijke aanduiding voor dianummer 3">
+            <a:extLst>
+              <a:ext uri="{FF2B5EF4-FFF2-40B4-BE49-F238E27FC236}">
+                <a16:creationId xmlns:a16="http://schemas.microsoft.com/office/drawing/2014/main" id="{756B8F5A-A27C-44A2-93E2-52077C295739}"/>
+              </a:ext>
+            </a:extLst>
+          </p:cNvPr>
+          <p:cNvSpPr>
+            <a:spLocks noGrp="1"/>
+          </p:cNvSpPr>
+          <p:nvPr>
+            <p:ph type="sldNum" sz="quarter" idx="12"/>
+          </p:nvPr>
+        </p:nvSpPr>
+        <p:spPr>
+          <a:xfrm>
+            <a:off x="10837333" y="6470704"/>
+            <a:ext cx="973667" cy="274320"/>
+          </a:xfrm>
+        </p:spPr>
+        <p:txBody>
+          <a:bodyPr>
+            <a:normAutofit/>
+          </a:bodyPr>
+          <a:lstStyle/>
+          <a:p>
+            <a:pPr>
+              <a:spcAft>
+                <a:spcPts val="600"/>
+              </a:spcAft>
+            </a:pPr>
+            <a:fld id="{4FAB73BC-B049-4115-A692-8D63A059BFB8}" type="slidenum">
+              <a:rPr lang="en-US" smtClean="0"/>
+              <a:pPr>
+                <a:spcAft>
+                  <a:spcPts val="600"/>
+                </a:spcAft>
+              </a:pPr>
+              <a:t>26</a:t>
+            </a:fld>
+            <a:endParaRPr lang="en-US"/>
+          </a:p>
+        </p:txBody>
+      </p:sp>
+      <p:sp>
+        <p:nvSpPr>
+          <p:cNvPr id="7" name="Rectangle 4">
+            <a:extLst>
+              <a:ext uri="{FF2B5EF4-FFF2-40B4-BE49-F238E27FC236}">
+                <a16:creationId xmlns:a16="http://schemas.microsoft.com/office/drawing/2014/main" id="{6A33E9AF-FE96-4782-8E91-B2AB60E1FEA7}"/>
+              </a:ext>
+            </a:extLst>
+          </p:cNvPr>
+          <p:cNvSpPr/>
+          <p:nvPr/>
+        </p:nvSpPr>
+        <p:spPr>
+          <a:xfrm>
+            <a:off x="581596" y="6423198"/>
+            <a:ext cx="10255737" cy="369332"/>
+          </a:xfrm>
+          <a:prstGeom prst="rect">
+            <a:avLst/>
+          </a:prstGeom>
+        </p:spPr>
+        <p:txBody>
+          <a:bodyPr wrap="square">
+            <a:spAutoFit/>
+          </a:bodyPr>
+          <a:lstStyle/>
+          <a:p>
+            <a:pPr algn="r"/>
+            <a:r>
+              <a:rPr lang="en-US" dirty="0"/>
+              <a:t>(Borst, </a:t>
+            </a:r>
+            <a:r>
+              <a:rPr lang="en-US" dirty="0" err="1"/>
+              <a:t>Taatgen</a:t>
+            </a:r>
+            <a:r>
+              <a:rPr lang="en-US" dirty="0"/>
+              <a:t>, </a:t>
+            </a:r>
+            <a:r>
+              <a:rPr lang="en-US" dirty="0" err="1"/>
+              <a:t>Stocco</a:t>
+            </a:r>
+            <a:r>
+              <a:rPr lang="en-US" dirty="0"/>
+              <a:t>, Van Rijn, 2010)</a:t>
+            </a:r>
+          </a:p>
+        </p:txBody>
+      </p:sp>
+    </p:spTree>
+    <p:extLst>
+      <p:ext uri="{BB962C8B-B14F-4D97-AF65-F5344CB8AC3E}">
+        <p14:creationId xmlns:p14="http://schemas.microsoft.com/office/powerpoint/2010/main" val="1400070915"/>
+      </p:ext>
+    </p:extLst>
+  </p:cSld>
+  <p:clrMapOvr>
+    <a:masterClrMapping/>
+  </p:clrMapOvr>
+  <p:timing>
+    <p:tnLst>
+      <p:par>
+        <p:cTn id="1" dur="indefinite" restart="never" nodeType="tmRoot">
+          <p:childTnLst>
+            <p:seq concurrent="1" nextAc="seek">
+              <p:cTn id="2" dur="indefinite" nodeType="mainSeq">
+                <p:childTnLst>
+                  <p:par>
+                    <p:cTn id="3" fill="hold">
+                      <p:stCondLst>
+                        <p:cond delay="indefinite"/>
+                      </p:stCondLst>
+                      <p:childTnLst>
+                        <p:par>
+                          <p:cTn id="4" fill="hold">
+                            <p:stCondLst>
+                              <p:cond delay="0"/>
+                            </p:stCondLst>
+                            <p:childTnLst>
+                              <p:par>
+                                <p:cTn id="5" presetID="1" presetClass="entr" presetSubtype="0" fill="hold" nodeType="clickEffect">
+                                  <p:stCondLst>
+                                    <p:cond delay="0"/>
+                                  </p:stCondLst>
+                                  <p:childTnLst>
+                                    <p:set>
+                                      <p:cBhvr>
+                                        <p:cTn id="6" dur="1" fill="hold">
+                                          <p:stCondLst>
+                                            <p:cond delay="0"/>
+                                          </p:stCondLst>
+                                        </p:cTn>
+                                        <p:tgtEl>
+                                          <p:spTgt spid="5"/>
+                                        </p:tgtEl>
+                                        <p:attrNameLst>
+                                          <p:attrName>style.visibility</p:attrName>
+                                        </p:attrNameLst>
+                                      </p:cBhvr>
+                                      <p:to>
+                                        <p:strVal val="visible"/>
+                                      </p:to>
+                                    </p:set>
+                                  </p:childTnLst>
+                                </p:cTn>
+                              </p:par>
+                            </p:childTnLst>
+                          </p:cTn>
+                        </p:par>
+                      </p:childTnLst>
+                    </p:cTn>
+                  </p:par>
+                </p:childTnLst>
+              </p:cTn>
+              <p:prevCondLst>
+                <p:cond evt="onPrev" delay="0">
+                  <p:tgtEl>
+                    <p:sldTgt/>
+                  </p:tgtEl>
+                </p:cond>
+              </p:prevCondLst>
+              <p:nextCondLst>
+                <p:cond evt="onNext" delay="0">
+                  <p:tgtEl>
+                    <p:sldTgt/>
+                  </p:tgtEl>
+                </p:cond>
+              </p:nextCondLst>
+            </p:seq>
+          </p:childTnLst>
+        </p:cTn>
+      </p:par>
+    </p:tnLst>
+  </p:timing>
+</p:sld>
+</file>
+
+<file path=ppt/slides/slide27.xml><?xml version="1.0" encoding="utf-8"?>
 <p:sld xmlns:a="http://schemas.openxmlformats.org/drawingml/2006/main" xmlns:r="http://schemas.openxmlformats.org/officeDocument/2006/relationships" xmlns:p="http://schemas.openxmlformats.org/presentationml/2006/main">
   <p:cSld>
     <p:spTree>
@@ -35353,7 +36001,7 @@
           <a:p>
             <a:r>
               <a:rPr lang="nl-NL" dirty="0"/>
-              <a:t>Storage buffers</a:t>
+              <a:t>The END</a:t>
             </a:r>
             <a:endParaRPr lang="en-US" dirty="0"/>
           </a:p>
@@ -35361,12 +36009,12 @@
       </p:sp>
       <p:sp>
         <p:nvSpPr>
-          <p:cNvPr id="3" name="Content Placeholder 2"/>
+          <p:cNvPr id="3" name="Text Placeholder 2"/>
           <p:cNvSpPr>
             <a:spLocks noGrp="1"/>
           </p:cNvSpPr>
           <p:nvPr>
-            <p:ph idx="1"/>
+            <p:ph type="body" idx="1"/>
           </p:nvPr>
         </p:nvSpPr>
         <p:spPr/>
@@ -35375,96 +36023,9 @@
           <a:lstStyle/>
           <a:p>
             <a:r>
-              <a:rPr lang="nl-NL" dirty="0" err="1"/>
-              <a:t>Instructions</a:t>
-            </a:r>
-            <a:r>
               <a:rPr lang="nl-NL" dirty="0"/>
-              <a:t> </a:t>
-            </a:r>
-            <a:r>
-              <a:rPr lang="nl-NL" dirty="0" err="1"/>
-              <a:t>and</a:t>
-            </a:r>
-            <a:r>
-              <a:rPr lang="nl-NL" dirty="0"/>
-              <a:t> variables are </a:t>
-            </a:r>
-            <a:r>
-              <a:rPr lang="nl-NL" dirty="0" err="1"/>
-              <a:t>stored</a:t>
-            </a:r>
-            <a:r>
-              <a:rPr lang="nl-NL" dirty="0"/>
-              <a:t> </a:t>
-            </a:r>
-            <a:r>
-              <a:rPr lang="nl-NL" dirty="0" err="1"/>
-              <a:t>together</a:t>
-            </a:r>
-            <a:r>
-              <a:rPr lang="nl-NL" dirty="0"/>
-              <a:t> as </a:t>
-            </a:r>
-            <a:r>
-              <a:rPr lang="nl-NL" dirty="0" err="1"/>
-              <a:t>one</a:t>
-            </a:r>
-            <a:r>
-              <a:rPr lang="nl-NL" dirty="0"/>
-              <a:t> </a:t>
-            </a:r>
-            <a:r>
-              <a:rPr lang="nl-NL" dirty="0" err="1"/>
-              <a:t>chunk</a:t>
-            </a:r>
-            <a:r>
-              <a:rPr lang="nl-NL" dirty="0"/>
-              <a:t> in </a:t>
-            </a:r>
-            <a:r>
-              <a:rPr lang="nl-NL" dirty="0" err="1"/>
-              <a:t>the</a:t>
-            </a:r>
-            <a:r>
-              <a:rPr lang="nl-NL" dirty="0"/>
-              <a:t> </a:t>
-            </a:r>
-            <a:r>
-              <a:rPr lang="nl-NL" dirty="0" err="1"/>
-              <a:t>imaginal</a:t>
-            </a:r>
-            <a:r>
-              <a:rPr lang="nl-NL" dirty="0"/>
-              <a:t> buffer</a:t>
-            </a:r>
-          </a:p>
-          <a:p>
-            <a:r>
-              <a:rPr lang="nl-NL" dirty="0" err="1"/>
-              <a:t>Switching</a:t>
-            </a:r>
-            <a:r>
-              <a:rPr lang="nl-NL" dirty="0"/>
-              <a:t> </a:t>
-            </a:r>
-            <a:r>
-              <a:rPr lang="nl-NL" dirty="0" err="1"/>
-              <a:t>instructions</a:t>
-            </a:r>
-            <a:r>
-              <a:rPr lang="nl-NL" dirty="0"/>
-              <a:t> or information?</a:t>
-            </a:r>
-            <a:endParaRPr lang="en-US" dirty="0"/>
-          </a:p>
-          <a:p>
-            <a:endParaRPr lang="en-US" dirty="0"/>
-          </a:p>
-          <a:p>
-            <a:pPr marL="0" indent="0">
-              <a:buNone/>
-            </a:pPr>
+              <a:t>Question?</a:t>
+            </a:r>
             <a:endParaRPr lang="en-US" dirty="0"/>
           </a:p>
         </p:txBody>
@@ -35486,326 +36047,7 @@
           <a:p>
             <a:fld id="{4FAB73BC-B049-4115-A692-8D63A059BFB8}" type="slidenum">
               <a:rPr lang="en-US" smtClean="0"/>
-              <a:t>24</a:t>
-            </a:fld>
-            <a:endParaRPr lang="en-US" dirty="0"/>
-          </a:p>
-        </p:txBody>
-      </p:sp>
-    </p:spTree>
-    <p:extLst>
-      <p:ext uri="{BB962C8B-B14F-4D97-AF65-F5344CB8AC3E}">
-        <p14:creationId xmlns:p14="http://schemas.microsoft.com/office/powerpoint/2010/main" val="1789401029"/>
-      </p:ext>
-    </p:extLst>
-  </p:cSld>
-  <p:clrMapOvr>
-    <a:masterClrMapping/>
-  </p:clrMapOvr>
-</p:sld>
-</file>
-
-<file path=ppt/slides/slide25.xml><?xml version="1.0" encoding="utf-8"?>
-<p:sld xmlns:a="http://schemas.openxmlformats.org/drawingml/2006/main" xmlns:r="http://schemas.openxmlformats.org/officeDocument/2006/relationships" xmlns:p="http://schemas.openxmlformats.org/presentationml/2006/main">
-  <p:cSld>
-    <p:spTree>
-      <p:nvGrpSpPr>
-        <p:cNvPr id="1" name=""/>
-        <p:cNvGrpSpPr/>
-        <p:nvPr/>
-      </p:nvGrpSpPr>
-      <p:grpSpPr>
-        <a:xfrm>
-          <a:off x="0" y="0"/>
-          <a:ext cx="0" cy="0"/>
-          <a:chOff x="0" y="0"/>
-          <a:chExt cx="0" cy="0"/>
-        </a:xfrm>
-      </p:grpSpPr>
-      <p:sp>
-        <p:nvSpPr>
-          <p:cNvPr id="2" name="Title 1"/>
-          <p:cNvSpPr>
-            <a:spLocks noGrp="1"/>
-          </p:cNvSpPr>
-          <p:nvPr>
-            <p:ph type="title"/>
-          </p:nvPr>
-        </p:nvSpPr>
-        <p:spPr/>
-        <p:txBody>
-          <a:bodyPr/>
-          <a:lstStyle/>
-          <a:p>
-            <a:r>
-              <a:rPr lang="nl-NL" dirty="0"/>
-              <a:t>Test model </a:t>
-            </a:r>
-            <a:r>
-              <a:rPr lang="nl-NL" dirty="0" err="1"/>
-              <a:t>implications</a:t>
-            </a:r>
-            <a:endParaRPr lang="en-US" dirty="0"/>
-          </a:p>
-        </p:txBody>
-      </p:sp>
-      <p:sp>
-        <p:nvSpPr>
-          <p:cNvPr id="3" name="Content Placeholder 2"/>
-          <p:cNvSpPr>
-            <a:spLocks noGrp="1"/>
-          </p:cNvSpPr>
-          <p:nvPr>
-            <p:ph idx="1"/>
-          </p:nvPr>
-        </p:nvSpPr>
-        <p:spPr/>
-        <p:txBody>
-          <a:bodyPr/>
-          <a:lstStyle/>
-          <a:p>
-            <a:r>
-              <a:rPr lang="nl-NL" dirty="0"/>
-              <a:t>How </a:t>
-            </a:r>
-            <a:r>
-              <a:rPr lang="nl-NL" dirty="0" err="1"/>
-              <a:t>to</a:t>
-            </a:r>
-            <a:r>
-              <a:rPr lang="nl-NL" dirty="0"/>
-              <a:t> test </a:t>
-            </a:r>
-            <a:r>
-              <a:rPr lang="nl-NL" dirty="0" err="1"/>
-              <a:t>the</a:t>
-            </a:r>
-            <a:r>
-              <a:rPr lang="nl-NL" dirty="0"/>
-              <a:t> </a:t>
-            </a:r>
-            <a:r>
-              <a:rPr lang="nl-NL" dirty="0" err="1"/>
-              <a:t>implications</a:t>
-            </a:r>
-            <a:r>
-              <a:rPr lang="nl-NL" dirty="0"/>
-              <a:t> of </a:t>
-            </a:r>
-            <a:r>
-              <a:rPr lang="nl-NL" dirty="0" err="1"/>
-              <a:t>my</a:t>
-            </a:r>
-            <a:r>
-              <a:rPr lang="nl-NL" dirty="0"/>
-              <a:t> model in </a:t>
-            </a:r>
-            <a:r>
-              <a:rPr lang="nl-NL" dirty="0" err="1"/>
-              <a:t>an</a:t>
-            </a:r>
-            <a:r>
-              <a:rPr lang="nl-NL" dirty="0"/>
-              <a:t> experiment?</a:t>
-            </a:r>
-          </a:p>
-          <a:p>
-            <a:pPr lvl="1"/>
-            <a:r>
-              <a:rPr lang="nl-NL" dirty="0"/>
-              <a:t>Make </a:t>
-            </a:r>
-            <a:r>
-              <a:rPr lang="nl-NL" dirty="0" err="1"/>
-              <a:t>remembering</a:t>
-            </a:r>
-            <a:r>
-              <a:rPr lang="nl-NL" dirty="0"/>
-              <a:t> </a:t>
-            </a:r>
-            <a:r>
-              <a:rPr lang="nl-NL" dirty="0" err="1"/>
-              <a:t>instructions</a:t>
-            </a:r>
-            <a:r>
-              <a:rPr lang="nl-NL" dirty="0"/>
-              <a:t> more </a:t>
-            </a:r>
-            <a:r>
-              <a:rPr lang="nl-NL" dirty="0" err="1"/>
-              <a:t>difficult</a:t>
-            </a:r>
-            <a:r>
-              <a:rPr lang="nl-NL" dirty="0"/>
-              <a:t> </a:t>
-            </a:r>
-            <a:r>
-              <a:rPr lang="nl-NL" dirty="0">
-                <a:sym typeface="Wingdings" panose="05000000000000000000" pitchFamily="2" charset="2"/>
-              </a:rPr>
-              <a:t> </a:t>
-            </a:r>
-            <a:r>
-              <a:rPr lang="nl-NL" dirty="0" err="1">
-                <a:sym typeface="Wingdings" panose="05000000000000000000" pitchFamily="2" charset="2"/>
-              </a:rPr>
-              <a:t>Add</a:t>
-            </a:r>
-            <a:r>
-              <a:rPr lang="nl-NL" dirty="0">
-                <a:sym typeface="Wingdings" panose="05000000000000000000" pitchFamily="2" charset="2"/>
-              </a:rPr>
-              <a:t> more </a:t>
-            </a:r>
-            <a:r>
-              <a:rPr lang="nl-NL" dirty="0" err="1">
-                <a:sym typeface="Wingdings" panose="05000000000000000000" pitchFamily="2" charset="2"/>
-              </a:rPr>
-              <a:t>instructions</a:t>
-            </a:r>
-            <a:r>
-              <a:rPr lang="nl-NL" dirty="0">
-                <a:sym typeface="Wingdings" panose="05000000000000000000" pitchFamily="2" charset="2"/>
-              </a:rPr>
-              <a:t> &amp; variables</a:t>
-            </a:r>
-            <a:endParaRPr lang="en-US" dirty="0"/>
-          </a:p>
-        </p:txBody>
-      </p:sp>
-      <p:sp>
-        <p:nvSpPr>
-          <p:cNvPr id="4" name="Slide Number Placeholder 3"/>
-          <p:cNvSpPr>
-            <a:spLocks noGrp="1"/>
-          </p:cNvSpPr>
-          <p:nvPr>
-            <p:ph type="sldNum" sz="quarter" idx="12"/>
-          </p:nvPr>
-        </p:nvSpPr>
-        <p:spPr/>
-        <p:txBody>
-          <a:bodyPr/>
-          <a:lstStyle/>
-          <a:p>
-            <a:fld id="{4FAB73BC-B049-4115-A692-8D63A059BFB8}" type="slidenum">
-              <a:rPr lang="en-US" smtClean="0"/>
-              <a:t>25</a:t>
-            </a:fld>
-            <a:endParaRPr lang="en-US" dirty="0"/>
-          </a:p>
-        </p:txBody>
-      </p:sp>
-    </p:spTree>
-    <p:extLst>
-      <p:ext uri="{BB962C8B-B14F-4D97-AF65-F5344CB8AC3E}">
-        <p14:creationId xmlns:p14="http://schemas.microsoft.com/office/powerpoint/2010/main" val="93018043"/>
-      </p:ext>
-    </p:extLst>
-  </p:cSld>
-  <p:clrMapOvr>
-    <a:masterClrMapping/>
-  </p:clrMapOvr>
-</p:sld>
-</file>
-
-<file path=ppt/slides/slide26.xml><?xml version="1.0" encoding="utf-8"?>
-<p:sld xmlns:a="http://schemas.openxmlformats.org/drawingml/2006/main" xmlns:r="http://schemas.openxmlformats.org/officeDocument/2006/relationships" xmlns:p="http://schemas.openxmlformats.org/presentationml/2006/main">
-  <p:cSld>
-    <p:spTree>
-      <p:nvGrpSpPr>
-        <p:cNvPr id="1" name=""/>
-        <p:cNvGrpSpPr/>
-        <p:nvPr/>
-      </p:nvGrpSpPr>
-      <p:grpSpPr>
-        <a:xfrm>
-          <a:off x="0" y="0"/>
-          <a:ext cx="0" cy="0"/>
-          <a:chOff x="0" y="0"/>
-          <a:chExt cx="0" cy="0"/>
-        </a:xfrm>
-      </p:grpSpPr>
-      <p:sp>
-        <p:nvSpPr>
-          <p:cNvPr id="2" name="Title 1"/>
-          <p:cNvSpPr>
-            <a:spLocks noGrp="1"/>
-          </p:cNvSpPr>
-          <p:nvPr>
-            <p:ph type="title"/>
-          </p:nvPr>
-        </p:nvSpPr>
-        <p:spPr/>
-        <p:txBody>
-          <a:bodyPr/>
-          <a:lstStyle/>
-          <a:p>
-            <a:r>
-              <a:rPr lang="nl-NL" dirty="0"/>
-              <a:t>END</a:t>
-            </a:r>
-            <a:endParaRPr lang="en-US" dirty="0"/>
-          </a:p>
-        </p:txBody>
-      </p:sp>
-      <p:sp>
-        <p:nvSpPr>
-          <p:cNvPr id="3" name="Text Placeholder 2"/>
-          <p:cNvSpPr>
-            <a:spLocks noGrp="1"/>
-          </p:cNvSpPr>
-          <p:nvPr>
-            <p:ph type="body" idx="1"/>
-          </p:nvPr>
-        </p:nvSpPr>
-        <p:spPr/>
-        <p:txBody>
-          <a:bodyPr/>
-          <a:lstStyle/>
-          <a:p>
-            <a:r>
-              <a:rPr lang="nl-NL" dirty="0" err="1"/>
-              <a:t>Questions</a:t>
-            </a:r>
-            <a:r>
-              <a:rPr lang="nl-NL" dirty="0"/>
-              <a:t> </a:t>
-            </a:r>
-            <a:r>
-              <a:rPr lang="nl-NL" dirty="0" err="1"/>
-              <a:t>and</a:t>
-            </a:r>
-            <a:r>
-              <a:rPr lang="nl-NL" dirty="0"/>
-              <a:t> model </a:t>
-            </a:r>
-            <a:r>
-              <a:rPr lang="nl-NL" dirty="0" err="1"/>
-              <a:t>suggestions</a:t>
-            </a:r>
-            <a:endParaRPr lang="en-US" dirty="0"/>
-          </a:p>
-        </p:txBody>
-      </p:sp>
-      <p:sp>
-        <p:nvSpPr>
-          <p:cNvPr id="4" name="Slide Number Placeholder 3"/>
-          <p:cNvSpPr>
-            <a:spLocks noGrp="1"/>
-          </p:cNvSpPr>
-          <p:nvPr>
-            <p:ph type="sldNum" sz="quarter" idx="12"/>
-          </p:nvPr>
-        </p:nvSpPr>
-        <p:spPr/>
-        <p:txBody>
-          <a:bodyPr/>
-          <a:lstStyle/>
-          <a:p>
-            <a:fld id="{4FAB73BC-B049-4115-A692-8D63A059BFB8}" type="slidenum">
-              <a:rPr lang="en-US" smtClean="0"/>
-              <a:t>26</a:t>
+              <a:t>27</a:t>
             </a:fld>
             <a:endParaRPr lang="en-US" dirty="0"/>
           </a:p>
@@ -35824,7 +36066,7 @@
 </p:sld>
 </file>
 
-<file path=ppt/slides/slide27.xml><?xml version="1.0" encoding="utf-8"?>
+<file path=ppt/slides/slide28.xml><?xml version="1.0" encoding="utf-8"?>
 <p:sld xmlns:a="http://schemas.openxmlformats.org/drawingml/2006/main" xmlns:r="http://schemas.openxmlformats.org/officeDocument/2006/relationships" xmlns:p="http://schemas.openxmlformats.org/presentationml/2006/main">
   <p:cSld>
     <p:spTree>
@@ -35933,7 +36175,7 @@
 </p:sld>
 </file>
 
-<file path=ppt/slides/slide28.xml><?xml version="1.0" encoding="utf-8"?>
+<file path=ppt/slides/slide29.xml><?xml version="1.0" encoding="utf-8"?>
 <p:sld xmlns:a="http://schemas.openxmlformats.org/drawingml/2006/main" xmlns:r="http://schemas.openxmlformats.org/officeDocument/2006/relationships" xmlns:p="http://schemas.openxmlformats.org/presentationml/2006/main">
   <p:cSld>
     <p:spTree>
@@ -36077,9 +36319,17 @@
 </p:sld>
 </file>
 
-<file path=ppt/slides/slide29.xml><?xml version="1.0" encoding="utf-8"?>
+<file path=ppt/slides/slide3.xml><?xml version="1.0" encoding="utf-8"?>
 <p:sld xmlns:a="http://schemas.openxmlformats.org/drawingml/2006/main" xmlns:r="http://schemas.openxmlformats.org/officeDocument/2006/relationships" xmlns:p="http://schemas.openxmlformats.org/presentationml/2006/main">
   <p:cSld>
+    <p:bg>
+      <p:bgPr>
+        <a:solidFill>
+          <a:schemeClr val="bg1"/>
+        </a:solidFill>
+        <a:effectLst/>
+      </p:bgPr>
+    </p:bg>
     <p:spTree>
       <p:nvGrpSpPr>
         <p:cNvPr id="1" name=""/>
@@ -36096,18 +36346,24 @@
       </p:grpSpPr>
       <p:sp>
         <p:nvSpPr>
-          <p:cNvPr id="4" name="Content Placeholder 2"/>
+          <p:cNvPr id="2" name="Titel 1">
+            <a:extLst>
+              <a:ext uri="{FF2B5EF4-FFF2-40B4-BE49-F238E27FC236}">
+                <a16:creationId xmlns:a16="http://schemas.microsoft.com/office/drawing/2014/main" id="{5CBC25AE-57FB-4AEA-B66D-ED686D1A19F6}"/>
+              </a:ext>
+            </a:extLst>
+          </p:cNvPr>
           <p:cNvSpPr>
             <a:spLocks noGrp="1"/>
           </p:cNvSpPr>
           <p:nvPr>
-            <p:ph idx="1"/>
+            <p:ph type="title"/>
           </p:nvPr>
         </p:nvSpPr>
         <p:spPr>
           <a:xfrm>
-            <a:off x="1024128" y="3228392"/>
-            <a:ext cx="9720073" cy="1446244"/>
+            <a:off x="1024128" y="585216"/>
+            <a:ext cx="6066818" cy="1499616"/>
           </a:xfrm>
         </p:spPr>
         <p:txBody>
@@ -36116,259 +36372,91 @@
           </a:bodyPr>
           <a:lstStyle/>
           <a:p>
-            <a:pPr algn="ctr"/>
-            <a:r>
-              <a:rPr lang="en-GB" sz="8000" dirty="0"/>
-              <a:t>*</a:t>
-            </a:r>
-            <a:endParaRPr lang="en-US" sz="8000" dirty="0"/>
+            <a:r>
+              <a:rPr lang="nl-NL" dirty="0" err="1"/>
+              <a:t>Bilingualism</a:t>
+            </a:r>
+            <a:r>
+              <a:rPr lang="nl-NL" dirty="0"/>
+              <a:t> </a:t>
+            </a:r>
+            <a:r>
+              <a:rPr lang="en-GB" dirty="0"/>
+              <a:t>and Task-switching</a:t>
+            </a:r>
+            <a:endParaRPr lang="nl-NL" dirty="0"/>
           </a:p>
         </p:txBody>
       </p:sp>
-      <p:sp>
-        <p:nvSpPr>
-          <p:cNvPr id="5" name="Rectangle 4"/>
-          <p:cNvSpPr/>
+      <p:pic>
+        <p:nvPicPr>
+          <p:cNvPr id="6" name="Afbeelding 5">
+            <a:extLst>
+              <a:ext uri="{FF2B5EF4-FFF2-40B4-BE49-F238E27FC236}">
+                <a16:creationId xmlns:a16="http://schemas.microsoft.com/office/drawing/2014/main" id="{C3F1191E-F790-42E3-A635-F144B86FC109}"/>
+              </a:ext>
+            </a:extLst>
+          </p:cNvPr>
+          <p:cNvPicPr>
+            <a:picLocks noChangeAspect="1"/>
+          </p:cNvPicPr>
           <p:nvPr/>
-        </p:nvSpPr>
+        </p:nvPicPr>
+        <p:blipFill>
+          <a:blip r:embed="rId2"/>
+          <a:stretch>
+            <a:fillRect/>
+          </a:stretch>
+        </p:blipFill>
         <p:spPr>
           <a:xfrm>
-            <a:off x="428625" y="657225"/>
-            <a:ext cx="714375" cy="1419225"/>
+            <a:off x="6405042" y="3985880"/>
+            <a:ext cx="5405958" cy="2117410"/>
           </a:xfrm>
           <a:prstGeom prst="rect">
             <a:avLst/>
           </a:prstGeom>
-          <a:solidFill>
-            <a:schemeClr val="bg1"/>
-          </a:solidFill>
-          <a:ln>
-            <a:solidFill>
-              <a:schemeClr val="bg1"/>
-            </a:solidFill>
-          </a:ln>
         </p:spPr>
-        <p:style>
-          <a:lnRef idx="2">
-            <a:schemeClr val="accent1">
-              <a:shade val="50000"/>
-            </a:schemeClr>
-          </a:lnRef>
-          <a:fillRef idx="1">
-            <a:schemeClr val="accent1"/>
-          </a:fillRef>
-          <a:effectRef idx="0">
-            <a:schemeClr val="accent1"/>
-          </a:effectRef>
-          <a:fontRef idx="minor">
-            <a:schemeClr val="lt1"/>
-          </a:fontRef>
-        </p:style>
-        <p:txBody>
-          <a:bodyPr rtlCol="0" anchor="ctr"/>
-          <a:lstStyle/>
-          <a:p>
-            <a:pPr algn="ctr"/>
-            <a:endParaRPr lang="en-US"/>
-          </a:p>
-        </p:txBody>
-      </p:sp>
-    </p:spTree>
-    <p:extLst>
-      <p:ext uri="{BB962C8B-B14F-4D97-AF65-F5344CB8AC3E}">
-        <p14:creationId xmlns:p14="http://schemas.microsoft.com/office/powerpoint/2010/main" val="301917975"/>
-      </p:ext>
-    </p:extLst>
-  </p:cSld>
-  <p:clrMapOvr>
-    <a:masterClrMapping/>
-  </p:clrMapOvr>
-</p:sld>
-</file>
-
-<file path=ppt/slides/slide3.xml><?xml version="1.0" encoding="utf-8"?>
-<p:sld xmlns:a="http://schemas.openxmlformats.org/drawingml/2006/main" xmlns:r="http://schemas.openxmlformats.org/officeDocument/2006/relationships" xmlns:p="http://schemas.openxmlformats.org/presentationml/2006/main">
-  <p:cSld>
-    <p:spTree>
-      <p:nvGrpSpPr>
-        <p:cNvPr id="1" name=""/>
-        <p:cNvGrpSpPr/>
-        <p:nvPr/>
-      </p:nvGrpSpPr>
-      <p:grpSpPr>
-        <a:xfrm>
-          <a:off x="0" y="0"/>
-          <a:ext cx="0" cy="0"/>
-          <a:chOff x="0" y="0"/>
-          <a:chExt cx="0" cy="0"/>
-        </a:xfrm>
-      </p:grpSpPr>
+      </p:pic>
+      <p:pic>
+        <p:nvPicPr>
+          <p:cNvPr id="5" name="Afbeelding 4">
+            <a:extLst>
+              <a:ext uri="{FF2B5EF4-FFF2-40B4-BE49-F238E27FC236}">
+                <a16:creationId xmlns:a16="http://schemas.microsoft.com/office/drawing/2014/main" id="{8F594EAF-479A-4B43-8983-23F0369BD308}"/>
+              </a:ext>
+            </a:extLst>
+          </p:cNvPr>
+          <p:cNvPicPr>
+            <a:picLocks noChangeAspect="1"/>
+          </p:cNvPicPr>
+          <p:nvPr/>
+        </p:nvPicPr>
+        <p:blipFill>
+          <a:blip r:embed="rId3"/>
+          <a:stretch>
+            <a:fillRect/>
+          </a:stretch>
+        </p:blipFill>
+        <p:spPr>
+          <a:xfrm>
+            <a:off x="6405042" y="1562407"/>
+            <a:ext cx="5405958" cy="2054263"/>
+          </a:xfrm>
+          <a:prstGeom prst="rect">
+            <a:avLst/>
+          </a:prstGeom>
+        </p:spPr>
+      </p:pic>
       <p:sp>
         <p:nvSpPr>
-          <p:cNvPr id="2" name="Title 1"/>
-          <p:cNvSpPr>
-            <a:spLocks noGrp="1"/>
-          </p:cNvSpPr>
-          <p:nvPr>
-            <p:ph type="title"/>
-          </p:nvPr>
-        </p:nvSpPr>
-        <p:spPr/>
-        <p:txBody>
-          <a:bodyPr/>
-          <a:lstStyle/>
-          <a:p>
-            <a:r>
-              <a:rPr lang="en-GB" dirty="0"/>
-              <a:t>Bilingualism and executive function</a:t>
-            </a:r>
-            <a:endParaRPr lang="en-US" dirty="0"/>
-          </a:p>
-        </p:txBody>
-      </p:sp>
-      <p:sp>
-        <p:nvSpPr>
-          <p:cNvPr id="3" name="Content Placeholder 2"/>
-          <p:cNvSpPr>
-            <a:spLocks noGrp="1"/>
-          </p:cNvSpPr>
-          <p:nvPr>
-            <p:ph idx="1"/>
-          </p:nvPr>
-        </p:nvSpPr>
-        <p:spPr/>
-        <p:txBody>
-          <a:bodyPr/>
-          <a:lstStyle/>
-          <a:p>
-            <a:r>
-              <a:rPr lang="en-GB" dirty="0"/>
-              <a:t>The more proficient someone becomes in L2, the more overlap between languages in the brain. This implies </a:t>
-            </a:r>
-            <a:r>
-              <a:rPr lang="en-GB" i="1" dirty="0"/>
-              <a:t>competition</a:t>
-            </a:r>
-            <a:r>
-              <a:rPr lang="en-GB" b="1" i="1" dirty="0"/>
-              <a:t> </a:t>
-            </a:r>
-            <a:r>
-              <a:rPr lang="en-GB" dirty="0"/>
-              <a:t>between L1 and L2, and thus </a:t>
-            </a:r>
-            <a:r>
-              <a:rPr lang="en-GB" i="1" dirty="0"/>
-              <a:t>control</a:t>
-            </a:r>
-            <a:r>
-              <a:rPr lang="en-GB" dirty="0"/>
-              <a:t>.</a:t>
-            </a:r>
-            <a:r>
-              <a:rPr lang="nl-NL" dirty="0"/>
-              <a:t> </a:t>
-            </a:r>
-            <a:r>
-              <a:rPr lang="nl-NL" dirty="0" err="1"/>
-              <a:t>Probably</a:t>
-            </a:r>
-            <a:r>
-              <a:rPr lang="nl-NL" dirty="0"/>
-              <a:t> </a:t>
-            </a:r>
-            <a:r>
-              <a:rPr lang="nl-NL" dirty="0" err="1"/>
-              <a:t>not</a:t>
-            </a:r>
-            <a:r>
-              <a:rPr lang="nl-NL" dirty="0"/>
-              <a:t> </a:t>
-            </a:r>
-            <a:r>
-              <a:rPr lang="nl-NL" dirty="0" err="1"/>
-              <a:t>inhibition</a:t>
-            </a:r>
-            <a:r>
-              <a:rPr lang="nl-NL" dirty="0"/>
-              <a:t>, but </a:t>
-            </a:r>
-            <a:r>
-              <a:rPr lang="nl-NL" dirty="0" err="1"/>
-              <a:t>task-switching</a:t>
-            </a:r>
-            <a:r>
-              <a:rPr lang="nl-NL" dirty="0"/>
-              <a:t> </a:t>
-            </a:r>
-            <a:r>
-              <a:rPr lang="nl-NL" dirty="0" err="1"/>
-              <a:t>abilities</a:t>
-            </a:r>
-            <a:r>
-              <a:rPr lang="nl-NL" dirty="0"/>
-              <a:t>.</a:t>
-            </a:r>
-            <a:endParaRPr lang="en-US" dirty="0"/>
-          </a:p>
-          <a:p>
-            <a:r>
-              <a:rPr lang="en-GB" dirty="0"/>
-              <a:t>Bilingualism trains the shifting and switching aspects of executive function</a:t>
-            </a:r>
-            <a:r>
-              <a:rPr lang="en-US" dirty="0"/>
-              <a:t>, which results in better performance on tasks such as the Simon task.</a:t>
-            </a:r>
-          </a:p>
-          <a:p>
-            <a:r>
-              <a:rPr lang="nl-NL" dirty="0" err="1"/>
-              <a:t>Regular</a:t>
-            </a:r>
-            <a:r>
-              <a:rPr lang="nl-NL" dirty="0"/>
-              <a:t> </a:t>
-            </a:r>
-            <a:r>
-              <a:rPr lang="nl-NL" dirty="0" err="1"/>
-              <a:t>task-switching</a:t>
-            </a:r>
-            <a:r>
-              <a:rPr lang="nl-NL" dirty="0"/>
-              <a:t> </a:t>
-            </a:r>
-            <a:r>
-              <a:rPr lang="nl-NL" dirty="0" err="1"/>
-              <a:t>paradigms</a:t>
-            </a:r>
-            <a:r>
-              <a:rPr lang="nl-NL" dirty="0"/>
-              <a:t> show different </a:t>
-            </a:r>
-            <a:r>
-              <a:rPr lang="nl-NL" dirty="0" err="1"/>
-              <a:t>results</a:t>
-            </a:r>
-            <a:r>
-              <a:rPr lang="nl-NL" dirty="0"/>
-              <a:t>.</a:t>
-            </a:r>
-          </a:p>
-          <a:p>
-            <a:endParaRPr lang="nl-NL" dirty="0"/>
-          </a:p>
-          <a:p>
-            <a:pPr marL="0" indent="0">
-              <a:buNone/>
-            </a:pPr>
-            <a:endParaRPr lang="en-GB" dirty="0"/>
-          </a:p>
-        </p:txBody>
-      </p:sp>
-      <p:sp>
-        <p:nvSpPr>
-          <p:cNvPr id="4" name="Slide Number Placeholder 3"/>
+          <p:cNvPr id="4" name="Tijdelijke aanduiding voor dianummer 3">
+            <a:extLst>
+              <a:ext uri="{FF2B5EF4-FFF2-40B4-BE49-F238E27FC236}">
+                <a16:creationId xmlns:a16="http://schemas.microsoft.com/office/drawing/2014/main" id="{5FD55CC1-5D8D-492E-ABFB-040706D0A2FF}"/>
+              </a:ext>
+            </a:extLst>
+          </p:cNvPr>
           <p:cNvSpPr>
             <a:spLocks noGrp="1"/>
           </p:cNvSpPr>
@@ -36376,22 +36464,45 @@
             <p:ph type="sldNum" sz="quarter" idx="12"/>
           </p:nvPr>
         </p:nvSpPr>
-        <p:spPr/>
+        <p:spPr>
+          <a:xfrm>
+            <a:off x="10837333" y="6470704"/>
+            <a:ext cx="973667" cy="274320"/>
+          </a:xfrm>
+        </p:spPr>
         <p:txBody>
-          <a:bodyPr/>
+          <a:bodyPr>
+            <a:normAutofit/>
+          </a:bodyPr>
           <a:lstStyle/>
           <a:p>
+            <a:pPr>
+              <a:spcAft>
+                <a:spcPts val="600"/>
+              </a:spcAft>
+            </a:pPr>
             <a:fld id="{4FAB73BC-B049-4115-A692-8D63A059BFB8}" type="slidenum">
               <a:rPr lang="en-US" smtClean="0"/>
+              <a:pPr>
+                <a:spcAft>
+                  <a:spcPts val="600"/>
+                </a:spcAft>
+              </a:pPr>
               <a:t>3</a:t>
             </a:fld>
-            <a:endParaRPr lang="en-US" dirty="0"/>
+            <a:endParaRPr lang="en-US"/>
           </a:p>
         </p:txBody>
       </p:sp>
       <p:sp>
         <p:nvSpPr>
-          <p:cNvPr id="5" name="Rectangle 4"/>
+          <p:cNvPr id="7" name="Rectangle 4">
+            <a:extLst>
+              <a:ext uri="{FF2B5EF4-FFF2-40B4-BE49-F238E27FC236}">
+                <a16:creationId xmlns:a16="http://schemas.microsoft.com/office/drawing/2014/main" id="{6613371E-5501-41C3-8A0B-ACAC8C99DC4C}"/>
+              </a:ext>
+            </a:extLst>
+          </p:cNvPr>
           <p:cNvSpPr/>
           <p:nvPr/>
         </p:nvSpPr>
@@ -36412,24 +36523,344 @@
           <a:p>
             <a:pPr algn="r"/>
             <a:r>
+              <a:rPr lang="nb-NO" dirty="0"/>
+              <a:t>(Bialystok et al., 2004; Prior &amp; MacWhinney, 2010)</a:t>
+            </a:r>
+            <a:endParaRPr lang="en-US" dirty="0"/>
+          </a:p>
+        </p:txBody>
+      </p:sp>
+      <p:pic>
+        <p:nvPicPr>
+          <p:cNvPr id="9" name="Tijdelijke aanduiding voor inhoud 8">
+            <a:extLst>
+              <a:ext uri="{FF2B5EF4-FFF2-40B4-BE49-F238E27FC236}">
+                <a16:creationId xmlns:a16="http://schemas.microsoft.com/office/drawing/2014/main" id="{3EBB97D1-B498-493A-84D0-94AA15FA17BA}"/>
+              </a:ext>
+            </a:extLst>
+          </p:cNvPr>
+          <p:cNvPicPr>
+            <a:picLocks noGrp="1" noChangeAspect="1"/>
+          </p:cNvPicPr>
+          <p:nvPr>
+            <p:ph idx="1"/>
+          </p:nvPr>
+        </p:nvPicPr>
+        <p:blipFill>
+          <a:blip r:embed="rId4"/>
+          <a:stretch>
+            <a:fillRect/>
+          </a:stretch>
+        </p:blipFill>
+        <p:spPr>
+          <a:xfrm>
+            <a:off x="8497769" y="65470"/>
+            <a:ext cx="3429000" cy="1655064"/>
+          </a:xfrm>
+        </p:spPr>
+      </p:pic>
+      <p:sp>
+        <p:nvSpPr>
+          <p:cNvPr id="10" name="Content Placeholder 2">
+            <a:extLst>
+              <a:ext uri="{FF2B5EF4-FFF2-40B4-BE49-F238E27FC236}">
+                <a16:creationId xmlns:a16="http://schemas.microsoft.com/office/drawing/2014/main" id="{3EA4DE51-A9BE-464A-81CB-7C65B3B7DC2F}"/>
+              </a:ext>
+            </a:extLst>
+          </p:cNvPr>
+          <p:cNvSpPr txBox="1">
+            <a:spLocks/>
+          </p:cNvSpPr>
+          <p:nvPr/>
+        </p:nvSpPr>
+        <p:spPr>
+          <a:xfrm>
+            <a:off x="1024129" y="2286000"/>
+            <a:ext cx="5071872" cy="4023360"/>
+          </a:xfrm>
+          <a:prstGeom prst="rect">
+            <a:avLst/>
+          </a:prstGeom>
+        </p:spPr>
+        <p:txBody>
+          <a:bodyPr vert="horz" lIns="45720" tIns="45720" rIns="45720" bIns="45720" rtlCol="0">
+            <a:normAutofit/>
+          </a:bodyPr>
+          <a:lstStyle>
+            <a:lvl1pPr marL="91440" indent="-91440" algn="l" defTabSz="914400" rtl="0" eaLnBrk="1" latinLnBrk="0" hangingPunct="1">
+              <a:lnSpc>
+                <a:spcPct val="90000"/>
+              </a:lnSpc>
+              <a:spcBef>
+                <a:spcPts val="1200"/>
+              </a:spcBef>
+              <a:spcAft>
+                <a:spcPts val="200"/>
+              </a:spcAft>
+              <a:buClr>
+                <a:schemeClr val="accent1"/>
+              </a:buClr>
+              <a:buSzPct val="100000"/>
+              <a:buFont typeface="Tw Cen MT" panose="020B0602020104020603" pitchFamily="34" charset="0"/>
+              <a:buChar char=" "/>
+              <a:defRPr sz="2200" kern="1200">
+                <a:solidFill>
+                  <a:schemeClr val="tx1"/>
+                </a:solidFill>
+                <a:latin typeface="+mn-lt"/>
+                <a:ea typeface="+mn-ea"/>
+                <a:cs typeface="+mn-cs"/>
+              </a:defRPr>
+            </a:lvl1pPr>
+            <a:lvl2pPr marL="265176" indent="-137160" algn="l" defTabSz="914400" rtl="0" eaLnBrk="1" latinLnBrk="0" hangingPunct="1">
+              <a:lnSpc>
+                <a:spcPct val="90000"/>
+              </a:lnSpc>
+              <a:spcBef>
+                <a:spcPts val="200"/>
+              </a:spcBef>
+              <a:spcAft>
+                <a:spcPts val="400"/>
+              </a:spcAft>
+              <a:buClr>
+                <a:schemeClr val="accent1"/>
+              </a:buClr>
+              <a:buFont typeface="Wingdings 3" pitchFamily="18" charset="2"/>
+              <a:buChar char=""/>
+              <a:defRPr sz="1800" kern="1200">
+                <a:solidFill>
+                  <a:schemeClr val="tx1"/>
+                </a:solidFill>
+                <a:latin typeface="+mn-lt"/>
+                <a:ea typeface="+mn-ea"/>
+                <a:cs typeface="+mn-cs"/>
+              </a:defRPr>
+            </a:lvl2pPr>
+            <a:lvl3pPr marL="448056" indent="-137160" algn="l" defTabSz="914400" rtl="0" eaLnBrk="1" latinLnBrk="0" hangingPunct="1">
+              <a:lnSpc>
+                <a:spcPct val="90000"/>
+              </a:lnSpc>
+              <a:spcBef>
+                <a:spcPts val="200"/>
+              </a:spcBef>
+              <a:spcAft>
+                <a:spcPts val="400"/>
+              </a:spcAft>
+              <a:buClr>
+                <a:schemeClr val="accent1"/>
+              </a:buClr>
+              <a:buFont typeface="Wingdings 3" pitchFamily="18" charset="2"/>
+              <a:buChar char=""/>
+              <a:defRPr sz="1400" kern="1200">
+                <a:solidFill>
+                  <a:schemeClr val="tx1"/>
+                </a:solidFill>
+                <a:latin typeface="+mn-lt"/>
+                <a:ea typeface="+mn-ea"/>
+                <a:cs typeface="+mn-cs"/>
+              </a:defRPr>
+            </a:lvl3pPr>
+            <a:lvl4pPr marL="594360" indent="-137160" algn="l" defTabSz="914400" rtl="0" eaLnBrk="1" latinLnBrk="0" hangingPunct="1">
+              <a:lnSpc>
+                <a:spcPct val="90000"/>
+              </a:lnSpc>
+              <a:spcBef>
+                <a:spcPts val="200"/>
+              </a:spcBef>
+              <a:spcAft>
+                <a:spcPts val="400"/>
+              </a:spcAft>
+              <a:buClr>
+                <a:schemeClr val="accent1"/>
+              </a:buClr>
+              <a:buFont typeface="Wingdings 3" pitchFamily="18" charset="2"/>
+              <a:buChar char=""/>
+              <a:defRPr sz="1400" kern="1200">
+                <a:solidFill>
+                  <a:schemeClr val="tx1"/>
+                </a:solidFill>
+                <a:latin typeface="+mn-lt"/>
+                <a:ea typeface="+mn-ea"/>
+                <a:cs typeface="+mn-cs"/>
+              </a:defRPr>
+            </a:lvl4pPr>
+            <a:lvl5pPr marL="777240" indent="-137160" algn="l" defTabSz="914400" rtl="0" eaLnBrk="1" latinLnBrk="0" hangingPunct="1">
+              <a:lnSpc>
+                <a:spcPct val="90000"/>
+              </a:lnSpc>
+              <a:spcBef>
+                <a:spcPts val="200"/>
+              </a:spcBef>
+              <a:spcAft>
+                <a:spcPts val="400"/>
+              </a:spcAft>
+              <a:buClr>
+                <a:schemeClr val="accent1"/>
+              </a:buClr>
+              <a:buFont typeface="Wingdings 3" pitchFamily="18" charset="2"/>
+              <a:buChar char=""/>
+              <a:defRPr sz="1400" kern="1200">
+                <a:solidFill>
+                  <a:schemeClr val="tx1"/>
+                </a:solidFill>
+                <a:latin typeface="+mn-lt"/>
+                <a:ea typeface="+mn-ea"/>
+                <a:cs typeface="+mn-cs"/>
+              </a:defRPr>
+            </a:lvl5pPr>
+            <a:lvl6pPr marL="914400" indent="-137160" algn="l" defTabSz="914400" rtl="0" eaLnBrk="1" latinLnBrk="0" hangingPunct="1">
+              <a:lnSpc>
+                <a:spcPct val="90000"/>
+              </a:lnSpc>
+              <a:spcBef>
+                <a:spcPts val="200"/>
+              </a:spcBef>
+              <a:spcAft>
+                <a:spcPts val="400"/>
+              </a:spcAft>
+              <a:buClr>
+                <a:schemeClr val="accent1"/>
+              </a:buClr>
+              <a:buFont typeface="Wingdings 3" pitchFamily="18" charset="2"/>
+              <a:buChar char=""/>
+              <a:defRPr sz="1400" kern="1200">
+                <a:solidFill>
+                  <a:schemeClr val="tx1"/>
+                </a:solidFill>
+                <a:latin typeface="+mn-lt"/>
+                <a:ea typeface="+mn-ea"/>
+                <a:cs typeface="+mn-cs"/>
+              </a:defRPr>
+            </a:lvl6pPr>
+            <a:lvl7pPr marL="1060704" indent="-137160" algn="l" defTabSz="914400" rtl="0" eaLnBrk="1" latinLnBrk="0" hangingPunct="1">
+              <a:lnSpc>
+                <a:spcPct val="90000"/>
+              </a:lnSpc>
+              <a:spcBef>
+                <a:spcPts val="200"/>
+              </a:spcBef>
+              <a:spcAft>
+                <a:spcPts val="400"/>
+              </a:spcAft>
+              <a:buClr>
+                <a:schemeClr val="accent1"/>
+              </a:buClr>
+              <a:buFont typeface="Wingdings 3" pitchFamily="18" charset="2"/>
+              <a:buChar char=""/>
+              <a:defRPr sz="1400" kern="1200">
+                <a:solidFill>
+                  <a:schemeClr val="tx1"/>
+                </a:solidFill>
+                <a:latin typeface="+mn-lt"/>
+                <a:ea typeface="+mn-ea"/>
+                <a:cs typeface="+mn-cs"/>
+              </a:defRPr>
+            </a:lvl7pPr>
+            <a:lvl8pPr marL="1216152" indent="-137160" algn="l" defTabSz="914400" rtl="0" eaLnBrk="1" latinLnBrk="0" hangingPunct="1">
+              <a:lnSpc>
+                <a:spcPct val="90000"/>
+              </a:lnSpc>
+              <a:spcBef>
+                <a:spcPts val="200"/>
+              </a:spcBef>
+              <a:spcAft>
+                <a:spcPts val="400"/>
+              </a:spcAft>
+              <a:buClr>
+                <a:schemeClr val="accent1"/>
+              </a:buClr>
+              <a:buFont typeface="Wingdings 3" pitchFamily="18" charset="2"/>
+              <a:buChar char=""/>
+              <a:defRPr sz="1400" kern="1200">
+                <a:solidFill>
+                  <a:schemeClr val="tx1"/>
+                </a:solidFill>
+                <a:latin typeface="+mn-lt"/>
+                <a:ea typeface="+mn-ea"/>
+                <a:cs typeface="+mn-cs"/>
+              </a:defRPr>
+            </a:lvl8pPr>
+            <a:lvl9pPr marL="1362456" indent="-137160" algn="l" defTabSz="914400" rtl="0" eaLnBrk="1" latinLnBrk="0" hangingPunct="1">
+              <a:lnSpc>
+                <a:spcPct val="90000"/>
+              </a:lnSpc>
+              <a:spcBef>
+                <a:spcPts val="200"/>
+              </a:spcBef>
+              <a:spcAft>
+                <a:spcPts val="400"/>
+              </a:spcAft>
+              <a:buClr>
+                <a:schemeClr val="accent1"/>
+              </a:buClr>
+              <a:buFont typeface="Wingdings 3" pitchFamily="18" charset="2"/>
+              <a:buChar char=""/>
+              <a:defRPr sz="1400" kern="1200">
+                <a:solidFill>
+                  <a:schemeClr val="tx1"/>
+                </a:solidFill>
+                <a:latin typeface="+mn-lt"/>
+                <a:ea typeface="+mn-ea"/>
+                <a:cs typeface="+mn-cs"/>
+              </a:defRPr>
+            </a:lvl9pPr>
+          </a:lstStyle>
+          <a:p>
+            <a:pPr marL="0" indent="0">
+              <a:buFont typeface="Tw Cen MT" panose="020B0602020104020603" pitchFamily="34" charset="0"/>
+              <a:buNone/>
+            </a:pPr>
+            <a:r>
+              <a:rPr lang="en-GB" dirty="0"/>
+              <a:t>Bilingual advantages in task-switching are fairly established</a:t>
+            </a:r>
+          </a:p>
+          <a:p>
+            <a:pPr marL="0" indent="0">
+              <a:buNone/>
+            </a:pPr>
+            <a:r>
+              <a:rPr lang="en-GB" dirty="0"/>
+              <a:t>Probably due to a better </a:t>
+            </a:r>
+            <a:r>
               <a:rPr lang="en-US" dirty="0"/>
-              <a:t>(</a:t>
-            </a:r>
-            <a:r>
-              <a:rPr lang="en-US" dirty="0" err="1"/>
-              <a:t>Stocco</a:t>
-            </a:r>
-            <a:r>
-              <a:rPr lang="en-US" dirty="0"/>
-              <a:t>, Yamasaki, </a:t>
-            </a:r>
-            <a:r>
-              <a:rPr lang="en-US" dirty="0" err="1"/>
-              <a:t>Natalenko</a:t>
-            </a:r>
-            <a:r>
-              <a:rPr lang="en-US" dirty="0"/>
-              <a:t>, &amp; Prat, 2012; Bialystok, 2018)</a:t>
+              <a:t>ability to switch between mental sets</a:t>
+            </a:r>
+          </a:p>
+          <a:p>
+            <a:pPr marL="0" indent="0" algn="ctr">
+              <a:buNone/>
+            </a:pPr>
+            <a:r>
+              <a:rPr lang="en-US" i="1" dirty="0"/>
+              <a:t>card/cards	</a:t>
+            </a:r>
+            <a:r>
+              <a:rPr lang="en-US" i="1" dirty="0" err="1"/>
+              <a:t>kaart</a:t>
+            </a:r>
+            <a:r>
+              <a:rPr lang="en-US" i="1" dirty="0"/>
+              <a:t>/</a:t>
+            </a:r>
+            <a:r>
+              <a:rPr lang="en-US" i="1" dirty="0" err="1"/>
+              <a:t>kaarten</a:t>
+            </a:r>
+            <a:endParaRPr lang="en-US" i="1" dirty="0"/>
+          </a:p>
+          <a:p>
+            <a:pPr marL="0" indent="0">
+              <a:buNone/>
+            </a:pPr>
+            <a:endParaRPr lang="en-GB" dirty="0"/>
+          </a:p>
+          <a:p>
+            <a:pPr algn="ctr"/>
+            <a:r>
+              <a:rPr lang="en-GB" b="1" dirty="0"/>
+              <a:t>How do bilinguals gain this advantage?</a:t>
             </a:r>
           </a:p>
         </p:txBody>
@@ -36437,1081 +36868,7 @@
     </p:spTree>
     <p:extLst>
       <p:ext uri="{BB962C8B-B14F-4D97-AF65-F5344CB8AC3E}">
-        <p14:creationId xmlns:p14="http://schemas.microsoft.com/office/powerpoint/2010/main" val="2321609588"/>
-      </p:ext>
-    </p:extLst>
-  </p:cSld>
-  <p:clrMapOvr>
-    <a:masterClrMapping/>
-  </p:clrMapOvr>
-</p:sld>
-</file>
-
-<file path=ppt/slides/slide30.xml><?xml version="1.0" encoding="utf-8"?>
-<p:sld xmlns:a="http://schemas.openxmlformats.org/drawingml/2006/main" xmlns:r="http://schemas.openxmlformats.org/officeDocument/2006/relationships" xmlns:p="http://schemas.openxmlformats.org/presentationml/2006/main">
-  <p:cSld>
-    <p:spTree>
-      <p:nvGrpSpPr>
-        <p:cNvPr id="1" name=""/>
-        <p:cNvGrpSpPr/>
-        <p:nvPr/>
-      </p:nvGrpSpPr>
-      <p:grpSpPr>
-        <a:xfrm>
-          <a:off x="0" y="0"/>
-          <a:ext cx="0" cy="0"/>
-          <a:chOff x="0" y="0"/>
-          <a:chExt cx="0" cy="0"/>
-        </a:xfrm>
-      </p:grpSpPr>
-      <p:sp>
-        <p:nvSpPr>
-          <p:cNvPr id="2" name="Title 1"/>
-          <p:cNvSpPr>
-            <a:spLocks noGrp="1"/>
-          </p:cNvSpPr>
-          <p:nvPr>
-            <p:ph type="title"/>
-          </p:nvPr>
-        </p:nvSpPr>
-        <p:spPr/>
-        <p:txBody>
-          <a:bodyPr/>
-          <a:lstStyle/>
-          <a:p>
-            <a:r>
-              <a:rPr lang="en-GB" dirty="0"/>
-              <a:t>EXECUTION</a:t>
-            </a:r>
-            <a:endParaRPr lang="en-US" dirty="0"/>
-          </a:p>
-        </p:txBody>
-      </p:sp>
-      <p:sp>
-        <p:nvSpPr>
-          <p:cNvPr id="3" name="Content Placeholder 2"/>
-          <p:cNvSpPr>
-            <a:spLocks noGrp="1"/>
-          </p:cNvSpPr>
-          <p:nvPr>
-            <p:ph idx="1"/>
-          </p:nvPr>
-        </p:nvSpPr>
-        <p:spPr>
-          <a:xfrm>
-            <a:off x="1024127" y="1819469"/>
-            <a:ext cx="9720073" cy="4282751"/>
-          </a:xfrm>
-        </p:spPr>
-        <p:txBody>
-          <a:bodyPr>
-            <a:normAutofit/>
-          </a:bodyPr>
-          <a:lstStyle/>
-          <a:p>
-            <a:pPr algn="ctr"/>
-            <a:r>
-              <a:rPr lang="en-GB" sz="8000" dirty="0"/>
-              <a:t>X = 8</a:t>
-            </a:r>
-          </a:p>
-          <a:p>
-            <a:pPr algn="ctr"/>
-            <a:r>
-              <a:rPr lang="en-GB" sz="8000" dirty="0"/>
-              <a:t>Y = 3</a:t>
-            </a:r>
-            <a:endParaRPr lang="en-US" sz="8000" dirty="0"/>
-          </a:p>
-        </p:txBody>
-      </p:sp>
-      <p:sp>
-        <p:nvSpPr>
-          <p:cNvPr id="4" name="Rounded Rectangle 3">
-            <a:hlinkClick r:id="rId2" action="ppaction://hlinksldjump"/>
-          </p:cNvPr>
-          <p:cNvSpPr/>
-          <p:nvPr/>
-        </p:nvSpPr>
-        <p:spPr>
-          <a:xfrm>
-            <a:off x="8748902" y="4845368"/>
-            <a:ext cx="3262122" cy="1676400"/>
-          </a:xfrm>
-          <a:prstGeom prst="roundRect">
-            <a:avLst/>
-          </a:prstGeom>
-        </p:spPr>
-        <p:style>
-          <a:lnRef idx="2">
-            <a:schemeClr val="accent1">
-              <a:shade val="50000"/>
-            </a:schemeClr>
-          </a:lnRef>
-          <a:fillRef idx="1">
-            <a:schemeClr val="accent1"/>
-          </a:fillRef>
-          <a:effectRef idx="0">
-            <a:schemeClr val="accent1"/>
-          </a:effectRef>
-          <a:fontRef idx="minor">
-            <a:schemeClr val="lt1"/>
-          </a:fontRef>
-        </p:style>
-        <p:txBody>
-          <a:bodyPr rtlCol="0" anchor="ctr"/>
-          <a:lstStyle/>
-          <a:p>
-            <a:pPr algn="ctr"/>
-            <a:r>
-              <a:rPr lang="en-GB" sz="4000" dirty="0"/>
-              <a:t>NEXT</a:t>
-            </a:r>
-            <a:endParaRPr lang="en-US" sz="4000" dirty="0"/>
-          </a:p>
-        </p:txBody>
-      </p:sp>
-    </p:spTree>
-    <p:extLst>
-      <p:ext uri="{BB962C8B-B14F-4D97-AF65-F5344CB8AC3E}">
-        <p14:creationId xmlns:p14="http://schemas.microsoft.com/office/powerpoint/2010/main" val="991524825"/>
-      </p:ext>
-    </p:extLst>
-  </p:cSld>
-  <p:clrMapOvr>
-    <a:masterClrMapping/>
-  </p:clrMapOvr>
-</p:sld>
-</file>
-
-<file path=ppt/slides/slide31.xml><?xml version="1.0" encoding="utf-8"?>
-<p:sld xmlns:a="http://schemas.openxmlformats.org/drawingml/2006/main" xmlns:r="http://schemas.openxmlformats.org/officeDocument/2006/relationships" xmlns:p="http://schemas.openxmlformats.org/presentationml/2006/main">
-  <p:cSld>
-    <p:spTree>
-      <p:nvGrpSpPr>
-        <p:cNvPr id="1" name=""/>
-        <p:cNvGrpSpPr/>
-        <p:nvPr/>
-      </p:nvGrpSpPr>
-      <p:grpSpPr>
-        <a:xfrm>
-          <a:off x="0" y="0"/>
-          <a:ext cx="0" cy="0"/>
-          <a:chOff x="0" y="0"/>
-          <a:chExt cx="0" cy="0"/>
-        </a:xfrm>
-      </p:grpSpPr>
-      <p:sp>
-        <p:nvSpPr>
-          <p:cNvPr id="2" name="Title 1"/>
-          <p:cNvSpPr>
-            <a:spLocks noGrp="1"/>
-          </p:cNvSpPr>
-          <p:nvPr>
-            <p:ph type="title"/>
-          </p:nvPr>
-        </p:nvSpPr>
-        <p:spPr/>
-        <p:txBody>
-          <a:bodyPr/>
-          <a:lstStyle/>
-          <a:p>
-            <a:r>
-              <a:rPr lang="en-GB" dirty="0"/>
-              <a:t>Probe</a:t>
-            </a:r>
-            <a:endParaRPr lang="en-US" dirty="0"/>
-          </a:p>
-        </p:txBody>
-      </p:sp>
-      <p:sp>
-        <p:nvSpPr>
-          <p:cNvPr id="3" name="Content Placeholder 2"/>
-          <p:cNvSpPr>
-            <a:spLocks noGrp="1"/>
-          </p:cNvSpPr>
-          <p:nvPr>
-            <p:ph idx="1"/>
-          </p:nvPr>
-        </p:nvSpPr>
-        <p:spPr/>
-        <p:txBody>
-          <a:bodyPr>
-            <a:normAutofit/>
-          </a:bodyPr>
-          <a:lstStyle/>
-          <a:p>
-            <a:pPr algn="ctr"/>
-            <a:r>
-              <a:rPr lang="en-GB" sz="8000" dirty="0"/>
-              <a:t>24 ?</a:t>
-            </a:r>
-            <a:endParaRPr lang="en-US" sz="8000" dirty="0"/>
-          </a:p>
-        </p:txBody>
-      </p:sp>
-      <p:sp>
-        <p:nvSpPr>
-          <p:cNvPr id="4" name="Rounded Rectangle 3">
-            <a:hlinkClick r:id="rId2" action="ppaction://hlinksldjump"/>
-          </p:cNvPr>
-          <p:cNvSpPr/>
-          <p:nvPr/>
-        </p:nvSpPr>
-        <p:spPr>
-          <a:xfrm>
-            <a:off x="1024127" y="4702493"/>
-            <a:ext cx="3262122" cy="1676400"/>
-          </a:xfrm>
-          <a:prstGeom prst="roundRect">
-            <a:avLst/>
-          </a:prstGeom>
-        </p:spPr>
-        <p:style>
-          <a:lnRef idx="2">
-            <a:schemeClr val="accent1">
-              <a:shade val="50000"/>
-            </a:schemeClr>
-          </a:lnRef>
-          <a:fillRef idx="1">
-            <a:schemeClr val="accent1"/>
-          </a:fillRef>
-          <a:effectRef idx="0">
-            <a:schemeClr val="accent1"/>
-          </a:effectRef>
-          <a:fontRef idx="minor">
-            <a:schemeClr val="lt1"/>
-          </a:fontRef>
-        </p:style>
-        <p:txBody>
-          <a:bodyPr rtlCol="0" anchor="ctr"/>
-          <a:lstStyle/>
-          <a:p>
-            <a:pPr algn="ctr"/>
-            <a:r>
-              <a:rPr lang="en-GB" sz="4000" dirty="0"/>
-              <a:t>YES</a:t>
-            </a:r>
-            <a:endParaRPr lang="en-US" sz="4000" dirty="0"/>
-          </a:p>
-        </p:txBody>
-      </p:sp>
-      <p:sp>
-        <p:nvSpPr>
-          <p:cNvPr id="6" name="Rounded Rectangle 5"/>
-          <p:cNvSpPr/>
-          <p:nvPr/>
-        </p:nvSpPr>
-        <p:spPr>
-          <a:xfrm>
-            <a:off x="7482078" y="4702493"/>
-            <a:ext cx="3262122" cy="1676400"/>
-          </a:xfrm>
-          <a:prstGeom prst="roundRect">
-            <a:avLst/>
-          </a:prstGeom>
-        </p:spPr>
-        <p:style>
-          <a:lnRef idx="2">
-            <a:schemeClr val="accent1">
-              <a:shade val="50000"/>
-            </a:schemeClr>
-          </a:lnRef>
-          <a:fillRef idx="1">
-            <a:schemeClr val="accent1"/>
-          </a:fillRef>
-          <a:effectRef idx="0">
-            <a:schemeClr val="accent1"/>
-          </a:effectRef>
-          <a:fontRef idx="minor">
-            <a:schemeClr val="lt1"/>
-          </a:fontRef>
-        </p:style>
-        <p:txBody>
-          <a:bodyPr rtlCol="0" anchor="ctr"/>
-          <a:lstStyle/>
-          <a:p>
-            <a:pPr algn="ctr"/>
-            <a:r>
-              <a:rPr lang="en-GB" sz="4000" dirty="0"/>
-              <a:t>NO</a:t>
-            </a:r>
-            <a:endParaRPr lang="en-US" sz="4000" dirty="0"/>
-          </a:p>
-        </p:txBody>
-      </p:sp>
-    </p:spTree>
-    <p:extLst>
-      <p:ext uri="{BB962C8B-B14F-4D97-AF65-F5344CB8AC3E}">
-        <p14:creationId xmlns:p14="http://schemas.microsoft.com/office/powerpoint/2010/main" val="2164876428"/>
-      </p:ext>
-    </p:extLst>
-  </p:cSld>
-  <p:clrMapOvr>
-    <a:masterClrMapping/>
-  </p:clrMapOvr>
-</p:sld>
-</file>
-
-<file path=ppt/slides/slide4.xml><?xml version="1.0" encoding="utf-8"?>
-<p:sld xmlns:a="http://schemas.openxmlformats.org/drawingml/2006/main" xmlns:r="http://schemas.openxmlformats.org/officeDocument/2006/relationships" xmlns:p="http://schemas.openxmlformats.org/presentationml/2006/main">
-  <p:cSld>
-    <p:spTree>
-      <p:nvGrpSpPr>
-        <p:cNvPr id="1" name=""/>
-        <p:cNvGrpSpPr/>
-        <p:nvPr/>
-      </p:nvGrpSpPr>
-      <p:grpSpPr>
-        <a:xfrm>
-          <a:off x="0" y="0"/>
-          <a:ext cx="0" cy="0"/>
-          <a:chOff x="0" y="0"/>
-          <a:chExt cx="0" cy="0"/>
-        </a:xfrm>
-      </p:grpSpPr>
-      <p:sp>
-        <p:nvSpPr>
-          <p:cNvPr id="2" name="Titel 1">
-            <a:extLst>
-              <a:ext uri="{FF2B5EF4-FFF2-40B4-BE49-F238E27FC236}">
-                <a16:creationId xmlns:a16="http://schemas.microsoft.com/office/drawing/2014/main" id="{E8F212C1-5D5F-4FD0-B20D-87B996C38584}"/>
-              </a:ext>
-            </a:extLst>
-          </p:cNvPr>
-          <p:cNvSpPr>
-            <a:spLocks noGrp="1"/>
-          </p:cNvSpPr>
-          <p:nvPr>
-            <p:ph type="title"/>
-          </p:nvPr>
-        </p:nvSpPr>
-        <p:spPr/>
-        <p:txBody>
-          <a:bodyPr/>
-          <a:lstStyle/>
-          <a:p>
-            <a:r>
-              <a:rPr lang="nl-NL" dirty="0" err="1"/>
-              <a:t>Bilingualism</a:t>
-            </a:r>
-            <a:endParaRPr lang="nl-NL" dirty="0"/>
-          </a:p>
-        </p:txBody>
-      </p:sp>
-      <p:sp>
-        <p:nvSpPr>
-          <p:cNvPr id="3" name="Tijdelijke aanduiding voor inhoud 2">
-            <a:extLst>
-              <a:ext uri="{FF2B5EF4-FFF2-40B4-BE49-F238E27FC236}">
-                <a16:creationId xmlns:a16="http://schemas.microsoft.com/office/drawing/2014/main" id="{57CAE2ED-085D-4919-B4B4-A171412D895D}"/>
-              </a:ext>
-            </a:extLst>
-          </p:cNvPr>
-          <p:cNvSpPr>
-            <a:spLocks noGrp="1"/>
-          </p:cNvSpPr>
-          <p:nvPr>
-            <p:ph idx="1"/>
-          </p:nvPr>
-        </p:nvSpPr>
-        <p:spPr/>
-        <p:txBody>
-          <a:bodyPr/>
-          <a:lstStyle/>
-          <a:p>
-            <a:r>
-              <a:rPr lang="nl-NL" dirty="0" err="1"/>
-              <a:t>Conditional</a:t>
-            </a:r>
-            <a:r>
-              <a:rPr lang="nl-NL" dirty="0"/>
-              <a:t> routing model</a:t>
-            </a:r>
-          </a:p>
-          <a:p>
-            <a:pPr lvl="1"/>
-            <a:r>
-              <a:rPr lang="nl-NL" dirty="0"/>
-              <a:t>Basal </a:t>
-            </a:r>
-            <a:r>
-              <a:rPr lang="nl-NL" dirty="0" err="1"/>
-              <a:t>ganglia</a:t>
-            </a:r>
-            <a:r>
-              <a:rPr lang="nl-NL" dirty="0"/>
-              <a:t> </a:t>
-            </a:r>
-            <a:r>
-              <a:rPr lang="nl-NL" dirty="0" err="1"/>
-              <a:t>actively</a:t>
-            </a:r>
-            <a:r>
-              <a:rPr lang="nl-NL" dirty="0"/>
-              <a:t> </a:t>
-            </a:r>
-            <a:r>
-              <a:rPr lang="nl-NL" dirty="0" err="1"/>
-              <a:t>shape</a:t>
-            </a:r>
-            <a:r>
-              <a:rPr lang="nl-NL" dirty="0"/>
-              <a:t> information routes in </a:t>
-            </a:r>
-            <a:r>
-              <a:rPr lang="nl-NL" dirty="0" err="1"/>
-              <a:t>the</a:t>
-            </a:r>
-            <a:r>
-              <a:rPr lang="nl-NL" dirty="0"/>
-              <a:t> </a:t>
-            </a:r>
-            <a:r>
-              <a:rPr lang="nl-NL" dirty="0" err="1"/>
-              <a:t>brain</a:t>
-            </a:r>
-            <a:r>
-              <a:rPr lang="nl-NL" dirty="0"/>
-              <a:t> </a:t>
-            </a:r>
-            <a:r>
-              <a:rPr lang="nl-NL" dirty="0" err="1"/>
-              <a:t>when</a:t>
-            </a:r>
-            <a:r>
-              <a:rPr lang="nl-NL" dirty="0"/>
-              <a:t> </a:t>
-            </a:r>
-            <a:r>
-              <a:rPr lang="nl-NL" dirty="0" err="1"/>
-              <a:t>the</a:t>
-            </a:r>
-            <a:r>
-              <a:rPr lang="nl-NL" dirty="0"/>
-              <a:t> </a:t>
-            </a:r>
-            <a:r>
-              <a:rPr lang="nl-NL" dirty="0" err="1"/>
-              <a:t>regular</a:t>
-            </a:r>
-            <a:r>
-              <a:rPr lang="nl-NL" dirty="0"/>
-              <a:t> route </a:t>
-            </a:r>
-            <a:r>
-              <a:rPr lang="nl-NL" dirty="0" err="1"/>
-              <a:t>doesn’t</a:t>
-            </a:r>
-            <a:r>
-              <a:rPr lang="nl-NL" dirty="0"/>
-              <a:t> </a:t>
-            </a:r>
-            <a:r>
-              <a:rPr lang="nl-NL" dirty="0" err="1"/>
-              <a:t>suffice</a:t>
-            </a:r>
-            <a:r>
-              <a:rPr lang="nl-NL" dirty="0"/>
-              <a:t>. These </a:t>
-            </a:r>
-            <a:r>
-              <a:rPr lang="nl-NL" dirty="0" err="1"/>
-              <a:t>paths</a:t>
-            </a:r>
-            <a:r>
-              <a:rPr lang="nl-NL" dirty="0"/>
-              <a:t> are </a:t>
-            </a:r>
-            <a:r>
-              <a:rPr lang="nl-NL" dirty="0" err="1"/>
-              <a:t>established</a:t>
-            </a:r>
-            <a:r>
-              <a:rPr lang="nl-NL" dirty="0"/>
-              <a:t> </a:t>
-            </a:r>
-            <a:r>
-              <a:rPr lang="nl-NL" dirty="0" err="1"/>
-              <a:t>with</a:t>
-            </a:r>
-            <a:r>
-              <a:rPr lang="nl-NL" dirty="0"/>
-              <a:t> </a:t>
-            </a:r>
-            <a:r>
-              <a:rPr lang="nl-NL" dirty="0" err="1"/>
-              <a:t>practice</a:t>
-            </a:r>
-            <a:r>
-              <a:rPr lang="nl-NL" dirty="0"/>
-              <a:t> </a:t>
-            </a:r>
-            <a:r>
-              <a:rPr lang="nl-NL" dirty="0" err="1"/>
-              <a:t>and</a:t>
-            </a:r>
-            <a:r>
-              <a:rPr lang="nl-NL" dirty="0"/>
-              <a:t> </a:t>
-            </a:r>
-            <a:r>
-              <a:rPr lang="nl-NL" dirty="0" err="1"/>
-              <a:t>become</a:t>
-            </a:r>
-            <a:r>
-              <a:rPr lang="nl-NL" dirty="0"/>
-              <a:t> more </a:t>
-            </a:r>
-            <a:r>
-              <a:rPr lang="nl-NL" dirty="0" err="1"/>
-              <a:t>efficient</a:t>
-            </a:r>
-            <a:r>
-              <a:rPr lang="nl-NL" dirty="0"/>
-              <a:t>. </a:t>
-            </a:r>
-            <a:r>
-              <a:rPr lang="nl-NL" dirty="0" err="1"/>
-              <a:t>Bilinguals</a:t>
-            </a:r>
-            <a:r>
-              <a:rPr lang="nl-NL" dirty="0"/>
-              <a:t> </a:t>
-            </a:r>
-            <a:r>
-              <a:rPr lang="nl-NL" dirty="0" err="1"/>
-              <a:t>learn</a:t>
-            </a:r>
-            <a:r>
-              <a:rPr lang="nl-NL" dirty="0"/>
-              <a:t> </a:t>
-            </a:r>
-            <a:r>
-              <a:rPr lang="nl-NL" dirty="0" err="1"/>
-              <a:t>to</a:t>
-            </a:r>
-            <a:r>
-              <a:rPr lang="nl-NL" dirty="0"/>
-              <a:t> select </a:t>
-            </a:r>
-            <a:r>
-              <a:rPr lang="nl-NL" dirty="0" err="1"/>
-              <a:t>appropriate</a:t>
-            </a:r>
-            <a:r>
-              <a:rPr lang="nl-NL" dirty="0"/>
-              <a:t> </a:t>
-            </a:r>
-            <a:r>
-              <a:rPr lang="nl-NL" dirty="0" err="1"/>
-              <a:t>linguistic</a:t>
-            </a:r>
-            <a:r>
-              <a:rPr lang="nl-NL" dirty="0"/>
-              <a:t> </a:t>
-            </a:r>
-            <a:r>
-              <a:rPr lang="nl-NL" dirty="0" err="1"/>
-              <a:t>rules</a:t>
-            </a:r>
-            <a:r>
-              <a:rPr lang="nl-NL" dirty="0"/>
-              <a:t> </a:t>
-            </a:r>
-            <a:r>
-              <a:rPr lang="nl-NL" dirty="0" err="1"/>
-              <a:t>and</a:t>
-            </a:r>
-            <a:r>
-              <a:rPr lang="nl-NL" dirty="0"/>
-              <a:t> information, </a:t>
-            </a:r>
-            <a:r>
-              <a:rPr lang="nl-NL" dirty="0" err="1"/>
-              <a:t>and</a:t>
-            </a:r>
-            <a:r>
-              <a:rPr lang="nl-NL" dirty="0"/>
-              <a:t> </a:t>
-            </a:r>
-            <a:r>
-              <a:rPr lang="nl-NL" dirty="0" err="1"/>
-              <a:t>this</a:t>
-            </a:r>
-            <a:r>
-              <a:rPr lang="nl-NL" dirty="0"/>
-              <a:t> </a:t>
-            </a:r>
-            <a:r>
-              <a:rPr lang="nl-NL" dirty="0" err="1"/>
-              <a:t>experience</a:t>
-            </a:r>
-            <a:r>
-              <a:rPr lang="nl-NL" dirty="0"/>
-              <a:t> </a:t>
-            </a:r>
-            <a:r>
-              <a:rPr lang="nl-NL" dirty="0" err="1"/>
-              <a:t>may</a:t>
-            </a:r>
-            <a:r>
-              <a:rPr lang="nl-NL" dirty="0"/>
-              <a:t> train </a:t>
-            </a:r>
-            <a:r>
-              <a:rPr lang="nl-NL" dirty="0" err="1"/>
-              <a:t>them</a:t>
-            </a:r>
-            <a:r>
-              <a:rPr lang="nl-NL" dirty="0"/>
-              <a:t> </a:t>
-            </a:r>
-            <a:r>
-              <a:rPr lang="nl-NL" dirty="0" err="1"/>
-              <a:t>to</a:t>
-            </a:r>
-            <a:r>
-              <a:rPr lang="nl-NL" dirty="0"/>
-              <a:t> select </a:t>
-            </a:r>
-            <a:r>
-              <a:rPr lang="nl-NL" dirty="0" err="1"/>
-              <a:t>and</a:t>
-            </a:r>
-            <a:r>
-              <a:rPr lang="nl-NL" dirty="0"/>
-              <a:t> </a:t>
-            </a:r>
-            <a:r>
-              <a:rPr lang="nl-NL" dirty="0" err="1"/>
-              <a:t>apply</a:t>
-            </a:r>
-            <a:r>
-              <a:rPr lang="nl-NL" dirty="0"/>
-              <a:t> non-</a:t>
-            </a:r>
-            <a:r>
-              <a:rPr lang="nl-NL" dirty="0" err="1"/>
-              <a:t>linguistic</a:t>
-            </a:r>
-            <a:r>
-              <a:rPr lang="nl-NL" dirty="0"/>
-              <a:t> </a:t>
-            </a:r>
-            <a:r>
-              <a:rPr lang="nl-NL" dirty="0" err="1"/>
-              <a:t>rules</a:t>
-            </a:r>
-            <a:r>
-              <a:rPr lang="nl-NL" dirty="0"/>
-              <a:t> as well.</a:t>
-            </a:r>
-          </a:p>
-          <a:p>
-            <a:r>
-              <a:rPr lang="nl-NL" dirty="0" err="1"/>
-              <a:t>Adaptive</a:t>
-            </a:r>
-            <a:r>
-              <a:rPr lang="nl-NL" dirty="0"/>
-              <a:t> control hypothesis</a:t>
-            </a:r>
-          </a:p>
-          <a:p>
-            <a:pPr lvl="1"/>
-            <a:r>
-              <a:rPr lang="nl-NL" dirty="0"/>
-              <a:t>Second </a:t>
-            </a:r>
-            <a:r>
-              <a:rPr lang="nl-NL" dirty="0" err="1"/>
-              <a:t>language</a:t>
-            </a:r>
-            <a:r>
-              <a:rPr lang="nl-NL" dirty="0"/>
-              <a:t> </a:t>
-            </a:r>
-            <a:r>
-              <a:rPr lang="nl-NL" dirty="0" err="1"/>
-              <a:t>use</a:t>
-            </a:r>
-            <a:r>
-              <a:rPr lang="nl-NL" dirty="0"/>
-              <a:t> </a:t>
-            </a:r>
-            <a:r>
-              <a:rPr lang="nl-NL" dirty="0" err="1"/>
-              <a:t>depends</a:t>
-            </a:r>
-            <a:r>
-              <a:rPr lang="nl-NL" dirty="0"/>
-              <a:t> on context. </a:t>
-            </a:r>
-            <a:r>
-              <a:rPr lang="nl-NL" dirty="0" err="1"/>
-              <a:t>Bilinguals</a:t>
-            </a:r>
-            <a:r>
-              <a:rPr lang="nl-NL" dirty="0"/>
-              <a:t> operating in a complex </a:t>
-            </a:r>
-            <a:r>
-              <a:rPr lang="nl-NL" dirty="0" err="1"/>
-              <a:t>multilingual</a:t>
-            </a:r>
-            <a:r>
-              <a:rPr lang="nl-NL" dirty="0"/>
-              <a:t> environment </a:t>
-            </a:r>
-            <a:r>
-              <a:rPr lang="nl-NL" dirty="0" err="1"/>
-              <a:t>need</a:t>
-            </a:r>
-            <a:r>
-              <a:rPr lang="nl-NL" dirty="0"/>
-              <a:t> </a:t>
-            </a:r>
-            <a:r>
-              <a:rPr lang="nl-NL" dirty="0" err="1"/>
-              <a:t>to</a:t>
-            </a:r>
-            <a:r>
-              <a:rPr lang="nl-NL" dirty="0"/>
-              <a:t> </a:t>
-            </a:r>
-            <a:r>
-              <a:rPr lang="nl-NL" dirty="0" err="1"/>
-              <a:t>adapt</a:t>
-            </a:r>
-            <a:r>
-              <a:rPr lang="nl-NL" dirty="0"/>
-              <a:t> more </a:t>
-            </a:r>
-            <a:r>
-              <a:rPr lang="nl-NL" dirty="0" err="1"/>
-              <a:t>often</a:t>
-            </a:r>
-            <a:r>
-              <a:rPr lang="nl-NL" dirty="0"/>
-              <a:t>, </a:t>
-            </a:r>
-            <a:r>
-              <a:rPr lang="nl-NL" dirty="0" err="1"/>
-              <a:t>and</a:t>
-            </a:r>
-            <a:r>
-              <a:rPr lang="nl-NL" dirty="0"/>
-              <a:t> </a:t>
-            </a:r>
-            <a:r>
-              <a:rPr lang="nl-NL" dirty="0" err="1"/>
-              <a:t>use</a:t>
-            </a:r>
-            <a:r>
-              <a:rPr lang="nl-NL" dirty="0"/>
-              <a:t> </a:t>
-            </a:r>
-            <a:r>
-              <a:rPr lang="nl-NL" dirty="0" err="1"/>
-              <a:t>language-specific</a:t>
-            </a:r>
-            <a:r>
-              <a:rPr lang="nl-NL" dirty="0"/>
-              <a:t> control </a:t>
-            </a:r>
-            <a:r>
-              <a:rPr lang="nl-NL" dirty="0" err="1"/>
-              <a:t>mechanisms</a:t>
-            </a:r>
-            <a:r>
-              <a:rPr lang="nl-NL" dirty="0"/>
-              <a:t>. </a:t>
-            </a:r>
-            <a:r>
-              <a:rPr lang="nl-NL" dirty="0" err="1"/>
-              <a:t>Perhaps</a:t>
-            </a:r>
-            <a:r>
-              <a:rPr lang="nl-NL" dirty="0"/>
-              <a:t> these control </a:t>
-            </a:r>
-            <a:r>
-              <a:rPr lang="nl-NL" dirty="0" err="1"/>
-              <a:t>mechanisms</a:t>
-            </a:r>
-            <a:r>
-              <a:rPr lang="nl-NL" dirty="0"/>
-              <a:t> </a:t>
-            </a:r>
-            <a:r>
-              <a:rPr lang="nl-NL" dirty="0" err="1"/>
-              <a:t>also</a:t>
-            </a:r>
-            <a:r>
-              <a:rPr lang="nl-NL" dirty="0"/>
-              <a:t> </a:t>
-            </a:r>
-            <a:r>
-              <a:rPr lang="nl-NL" dirty="0" err="1"/>
-              <a:t>work</a:t>
-            </a:r>
-            <a:r>
-              <a:rPr lang="nl-NL" dirty="0"/>
-              <a:t> in non-</a:t>
-            </a:r>
-            <a:r>
-              <a:rPr lang="nl-NL" dirty="0" err="1"/>
-              <a:t>linguistic</a:t>
-            </a:r>
-            <a:r>
-              <a:rPr lang="nl-NL" dirty="0"/>
-              <a:t> </a:t>
-            </a:r>
-            <a:r>
-              <a:rPr lang="nl-NL" dirty="0" err="1"/>
-              <a:t>adaptive</a:t>
-            </a:r>
-            <a:r>
-              <a:rPr lang="nl-NL" dirty="0"/>
-              <a:t> </a:t>
-            </a:r>
-            <a:r>
-              <a:rPr lang="nl-NL" dirty="0" err="1"/>
-              <a:t>contexts</a:t>
-            </a:r>
-            <a:r>
-              <a:rPr lang="nl-NL" dirty="0"/>
-              <a:t>, </a:t>
-            </a:r>
-            <a:r>
-              <a:rPr lang="nl-NL" dirty="0" err="1"/>
-              <a:t>such</a:t>
-            </a:r>
-            <a:r>
-              <a:rPr lang="nl-NL" dirty="0"/>
-              <a:t> as </a:t>
-            </a:r>
-            <a:r>
-              <a:rPr lang="nl-NL" dirty="0" err="1"/>
-              <a:t>task</a:t>
-            </a:r>
-            <a:r>
-              <a:rPr lang="nl-NL" dirty="0"/>
-              <a:t>-switching.</a:t>
-            </a:r>
-          </a:p>
-        </p:txBody>
-      </p:sp>
-      <p:sp>
-        <p:nvSpPr>
-          <p:cNvPr id="4" name="Tijdelijke aanduiding voor dianummer 3">
-            <a:extLst>
-              <a:ext uri="{FF2B5EF4-FFF2-40B4-BE49-F238E27FC236}">
-                <a16:creationId xmlns:a16="http://schemas.microsoft.com/office/drawing/2014/main" id="{85E3EDB9-DFE2-4344-B6C3-ACC913EF537B}"/>
-              </a:ext>
-            </a:extLst>
-          </p:cNvPr>
-          <p:cNvSpPr>
-            <a:spLocks noGrp="1"/>
-          </p:cNvSpPr>
-          <p:nvPr>
-            <p:ph type="sldNum" sz="quarter" idx="12"/>
-          </p:nvPr>
-        </p:nvSpPr>
-        <p:spPr/>
-        <p:txBody>
-          <a:bodyPr/>
-          <a:lstStyle/>
-          <a:p>
-            <a:fld id="{4FAB73BC-B049-4115-A692-8D63A059BFB8}" type="slidenum">
-              <a:rPr lang="en-US" smtClean="0"/>
-              <a:t>4</a:t>
-            </a:fld>
-            <a:endParaRPr lang="en-US" dirty="0"/>
-          </a:p>
-        </p:txBody>
-      </p:sp>
-    </p:spTree>
-    <p:extLst>
-      <p:ext uri="{BB962C8B-B14F-4D97-AF65-F5344CB8AC3E}">
-        <p14:creationId xmlns:p14="http://schemas.microsoft.com/office/powerpoint/2010/main" val="2154277910"/>
-      </p:ext>
-    </p:extLst>
-  </p:cSld>
-  <p:clrMapOvr>
-    <a:masterClrMapping/>
-  </p:clrMapOvr>
-</p:sld>
-</file>
-
-<file path=ppt/slides/slide5.xml><?xml version="1.0" encoding="utf-8"?>
-<p:sld xmlns:a="http://schemas.openxmlformats.org/drawingml/2006/main" xmlns:r="http://schemas.openxmlformats.org/officeDocument/2006/relationships" xmlns:p="http://schemas.openxmlformats.org/presentationml/2006/main">
-  <p:cSld>
-    <p:spTree>
-      <p:nvGrpSpPr>
-        <p:cNvPr id="1" name=""/>
-        <p:cNvGrpSpPr/>
-        <p:nvPr/>
-      </p:nvGrpSpPr>
-      <p:grpSpPr>
-        <a:xfrm>
-          <a:off x="0" y="0"/>
-          <a:ext cx="0" cy="0"/>
-          <a:chOff x="0" y="0"/>
-          <a:chExt cx="0" cy="0"/>
-        </a:xfrm>
-      </p:grpSpPr>
-      <p:sp>
-        <p:nvSpPr>
-          <p:cNvPr id="2" name="Title 1"/>
-          <p:cNvSpPr>
-            <a:spLocks noGrp="1"/>
-          </p:cNvSpPr>
-          <p:nvPr>
-            <p:ph type="title"/>
-          </p:nvPr>
-        </p:nvSpPr>
-        <p:spPr/>
-        <p:txBody>
-          <a:bodyPr/>
-          <a:lstStyle/>
-          <a:p>
-            <a:r>
-              <a:rPr lang="en-GB" dirty="0"/>
-              <a:t>Rapid Instructed task learning</a:t>
-            </a:r>
-            <a:endParaRPr lang="en-US" dirty="0"/>
-          </a:p>
-        </p:txBody>
-      </p:sp>
-      <p:sp>
-        <p:nvSpPr>
-          <p:cNvPr id="3" name="Content Placeholder 2"/>
-          <p:cNvSpPr>
-            <a:spLocks noGrp="1"/>
-          </p:cNvSpPr>
-          <p:nvPr>
-            <p:ph idx="1"/>
-          </p:nvPr>
-        </p:nvSpPr>
-        <p:spPr/>
-        <p:txBody>
-          <a:bodyPr/>
-          <a:lstStyle/>
-          <a:p>
-            <a:pPr marL="0" indent="0">
-              <a:buNone/>
-            </a:pPr>
-            <a:r>
-              <a:rPr lang="en-GB" dirty="0"/>
-              <a:t>How do you learn to use an OV-</a:t>
-            </a:r>
-            <a:r>
-              <a:rPr lang="en-GB" dirty="0" err="1"/>
-              <a:t>chipkaart</a:t>
-            </a:r>
-            <a:r>
-              <a:rPr lang="en-GB" dirty="0"/>
-              <a:t>?</a:t>
-            </a:r>
-          </a:p>
-          <a:p>
-            <a:endParaRPr lang="en-GB" dirty="0"/>
-          </a:p>
-        </p:txBody>
-      </p:sp>
-      <p:sp>
-        <p:nvSpPr>
-          <p:cNvPr id="6" name="Slide Number Placeholder 5"/>
-          <p:cNvSpPr>
-            <a:spLocks noGrp="1"/>
-          </p:cNvSpPr>
-          <p:nvPr>
-            <p:ph type="sldNum" sz="quarter" idx="12"/>
-          </p:nvPr>
-        </p:nvSpPr>
-        <p:spPr/>
-        <p:txBody>
-          <a:bodyPr/>
-          <a:lstStyle/>
-          <a:p>
-            <a:fld id="{4FAB73BC-B049-4115-A692-8D63A059BFB8}" type="slidenum">
-              <a:rPr lang="en-US" smtClean="0"/>
-              <a:t>5</a:t>
-            </a:fld>
-            <a:endParaRPr lang="en-US" dirty="0"/>
-          </a:p>
-        </p:txBody>
-      </p:sp>
-      <p:pic>
-        <p:nvPicPr>
-          <p:cNvPr id="7" name="Picture 6"/>
-          <p:cNvPicPr>
-            <a:picLocks noChangeAspect="1"/>
-          </p:cNvPicPr>
-          <p:nvPr/>
-        </p:nvPicPr>
-        <p:blipFill>
-          <a:blip r:embed="rId2">
-            <a:extLst>
-              <a:ext uri="{28A0092B-C50C-407E-A947-70E740481C1C}">
-                <a14:useLocalDpi xmlns:a14="http://schemas.microsoft.com/office/drawing/2010/main" val="0"/>
-              </a:ext>
-            </a:extLst>
-          </a:blip>
-          <a:stretch>
-            <a:fillRect/>
-          </a:stretch>
-        </p:blipFill>
-        <p:spPr>
-          <a:xfrm>
-            <a:off x="1024128" y="4028400"/>
-            <a:ext cx="3700368" cy="2475894"/>
-          </a:xfrm>
-          <a:prstGeom prst="rect">
-            <a:avLst/>
-          </a:prstGeom>
-        </p:spPr>
-      </p:pic>
-      <p:pic>
-        <p:nvPicPr>
-          <p:cNvPr id="9" name="Picture 8"/>
-          <p:cNvPicPr>
-            <a:picLocks noChangeAspect="1"/>
-          </p:cNvPicPr>
-          <p:nvPr/>
-        </p:nvPicPr>
-        <p:blipFill>
-          <a:blip r:embed="rId3"/>
-          <a:stretch>
-            <a:fillRect/>
-          </a:stretch>
-        </p:blipFill>
-        <p:spPr>
-          <a:xfrm>
-            <a:off x="6237333" y="2550156"/>
-            <a:ext cx="4506867" cy="3954138"/>
-          </a:xfrm>
-          <a:prstGeom prst="rect">
-            <a:avLst/>
-          </a:prstGeom>
-          <a:ln>
-            <a:noFill/>
-          </a:ln>
-          <a:effectLst>
-            <a:outerShdw blurRad="190500" algn="tl" rotWithShape="0">
-              <a:srgbClr val="000000">
-                <a:alpha val="70000"/>
-              </a:srgbClr>
-            </a:outerShdw>
-          </a:effectLst>
-        </p:spPr>
-      </p:pic>
-    </p:spTree>
-    <p:extLst>
-      <p:ext uri="{BB962C8B-B14F-4D97-AF65-F5344CB8AC3E}">
-        <p14:creationId xmlns:p14="http://schemas.microsoft.com/office/powerpoint/2010/main" val="1312132544"/>
+        <p14:creationId xmlns:p14="http://schemas.microsoft.com/office/powerpoint/2010/main" val="3819127853"/>
       </p:ext>
     </p:extLst>
   </p:cSld>
@@ -37596,6 +36953,1337 @@
 </p:sld>
 </file>
 
+<file path=ppt/slides/slide30.xml><?xml version="1.0" encoding="utf-8"?>
+<p:sld xmlns:a="http://schemas.openxmlformats.org/drawingml/2006/main" xmlns:r="http://schemas.openxmlformats.org/officeDocument/2006/relationships" xmlns:p="http://schemas.openxmlformats.org/presentationml/2006/main">
+  <p:cSld>
+    <p:spTree>
+      <p:nvGrpSpPr>
+        <p:cNvPr id="1" name=""/>
+        <p:cNvGrpSpPr/>
+        <p:nvPr/>
+      </p:nvGrpSpPr>
+      <p:grpSpPr>
+        <a:xfrm>
+          <a:off x="0" y="0"/>
+          <a:ext cx="0" cy="0"/>
+          <a:chOff x="0" y="0"/>
+          <a:chExt cx="0" cy="0"/>
+        </a:xfrm>
+      </p:grpSpPr>
+      <p:sp>
+        <p:nvSpPr>
+          <p:cNvPr id="4" name="Content Placeholder 2"/>
+          <p:cNvSpPr>
+            <a:spLocks noGrp="1"/>
+          </p:cNvSpPr>
+          <p:nvPr>
+            <p:ph idx="1"/>
+          </p:nvPr>
+        </p:nvSpPr>
+        <p:spPr>
+          <a:xfrm>
+            <a:off x="1024128" y="3228392"/>
+            <a:ext cx="9720073" cy="1446244"/>
+          </a:xfrm>
+        </p:spPr>
+        <p:txBody>
+          <a:bodyPr>
+            <a:normAutofit/>
+          </a:bodyPr>
+          <a:lstStyle/>
+          <a:p>
+            <a:pPr algn="ctr"/>
+            <a:r>
+              <a:rPr lang="en-GB" sz="8000" dirty="0"/>
+              <a:t>*</a:t>
+            </a:r>
+            <a:endParaRPr lang="en-US" sz="8000" dirty="0"/>
+          </a:p>
+        </p:txBody>
+      </p:sp>
+      <p:sp>
+        <p:nvSpPr>
+          <p:cNvPr id="5" name="Rectangle 4"/>
+          <p:cNvSpPr/>
+          <p:nvPr/>
+        </p:nvSpPr>
+        <p:spPr>
+          <a:xfrm>
+            <a:off x="428625" y="657225"/>
+            <a:ext cx="714375" cy="1419225"/>
+          </a:xfrm>
+          <a:prstGeom prst="rect">
+            <a:avLst/>
+          </a:prstGeom>
+          <a:solidFill>
+            <a:schemeClr val="bg1"/>
+          </a:solidFill>
+          <a:ln>
+            <a:solidFill>
+              <a:schemeClr val="bg1"/>
+            </a:solidFill>
+          </a:ln>
+        </p:spPr>
+        <p:style>
+          <a:lnRef idx="2">
+            <a:schemeClr val="accent1">
+              <a:shade val="50000"/>
+            </a:schemeClr>
+          </a:lnRef>
+          <a:fillRef idx="1">
+            <a:schemeClr val="accent1"/>
+          </a:fillRef>
+          <a:effectRef idx="0">
+            <a:schemeClr val="accent1"/>
+          </a:effectRef>
+          <a:fontRef idx="minor">
+            <a:schemeClr val="lt1"/>
+          </a:fontRef>
+        </p:style>
+        <p:txBody>
+          <a:bodyPr rtlCol="0" anchor="ctr"/>
+          <a:lstStyle/>
+          <a:p>
+            <a:pPr algn="ctr"/>
+            <a:endParaRPr lang="en-US"/>
+          </a:p>
+        </p:txBody>
+      </p:sp>
+    </p:spTree>
+    <p:extLst>
+      <p:ext uri="{BB962C8B-B14F-4D97-AF65-F5344CB8AC3E}">
+        <p14:creationId xmlns:p14="http://schemas.microsoft.com/office/powerpoint/2010/main" val="301917975"/>
+      </p:ext>
+    </p:extLst>
+  </p:cSld>
+  <p:clrMapOvr>
+    <a:masterClrMapping/>
+  </p:clrMapOvr>
+</p:sld>
+</file>
+
+<file path=ppt/slides/slide31.xml><?xml version="1.0" encoding="utf-8"?>
+<p:sld xmlns:a="http://schemas.openxmlformats.org/drawingml/2006/main" xmlns:r="http://schemas.openxmlformats.org/officeDocument/2006/relationships" xmlns:p="http://schemas.openxmlformats.org/presentationml/2006/main">
+  <p:cSld>
+    <p:spTree>
+      <p:nvGrpSpPr>
+        <p:cNvPr id="1" name=""/>
+        <p:cNvGrpSpPr/>
+        <p:nvPr/>
+      </p:nvGrpSpPr>
+      <p:grpSpPr>
+        <a:xfrm>
+          <a:off x="0" y="0"/>
+          <a:ext cx="0" cy="0"/>
+          <a:chOff x="0" y="0"/>
+          <a:chExt cx="0" cy="0"/>
+        </a:xfrm>
+      </p:grpSpPr>
+      <p:sp>
+        <p:nvSpPr>
+          <p:cNvPr id="2" name="Title 1"/>
+          <p:cNvSpPr>
+            <a:spLocks noGrp="1"/>
+          </p:cNvSpPr>
+          <p:nvPr>
+            <p:ph type="title"/>
+          </p:nvPr>
+        </p:nvSpPr>
+        <p:spPr/>
+        <p:txBody>
+          <a:bodyPr/>
+          <a:lstStyle/>
+          <a:p>
+            <a:r>
+              <a:rPr lang="en-GB" dirty="0"/>
+              <a:t>EXECUTION</a:t>
+            </a:r>
+            <a:endParaRPr lang="en-US" dirty="0"/>
+          </a:p>
+        </p:txBody>
+      </p:sp>
+      <p:sp>
+        <p:nvSpPr>
+          <p:cNvPr id="3" name="Content Placeholder 2"/>
+          <p:cNvSpPr>
+            <a:spLocks noGrp="1"/>
+          </p:cNvSpPr>
+          <p:nvPr>
+            <p:ph idx="1"/>
+          </p:nvPr>
+        </p:nvSpPr>
+        <p:spPr>
+          <a:xfrm>
+            <a:off x="1024127" y="1819469"/>
+            <a:ext cx="9720073" cy="4282751"/>
+          </a:xfrm>
+        </p:spPr>
+        <p:txBody>
+          <a:bodyPr>
+            <a:normAutofit/>
+          </a:bodyPr>
+          <a:lstStyle/>
+          <a:p>
+            <a:pPr algn="ctr"/>
+            <a:r>
+              <a:rPr lang="en-GB" sz="8000" dirty="0"/>
+              <a:t>X = 8</a:t>
+            </a:r>
+          </a:p>
+          <a:p>
+            <a:pPr algn="ctr"/>
+            <a:r>
+              <a:rPr lang="en-GB" sz="8000" dirty="0"/>
+              <a:t>Y = 3</a:t>
+            </a:r>
+            <a:endParaRPr lang="en-US" sz="8000" dirty="0"/>
+          </a:p>
+        </p:txBody>
+      </p:sp>
+      <p:sp>
+        <p:nvSpPr>
+          <p:cNvPr id="4" name="Rounded Rectangle 3">
+            <a:hlinkClick r:id="rId2" action="ppaction://hlinksldjump"/>
+          </p:cNvPr>
+          <p:cNvSpPr/>
+          <p:nvPr/>
+        </p:nvSpPr>
+        <p:spPr>
+          <a:xfrm>
+            <a:off x="8748902" y="4845368"/>
+            <a:ext cx="3262122" cy="1676400"/>
+          </a:xfrm>
+          <a:prstGeom prst="roundRect">
+            <a:avLst/>
+          </a:prstGeom>
+        </p:spPr>
+        <p:style>
+          <a:lnRef idx="2">
+            <a:schemeClr val="accent1">
+              <a:shade val="50000"/>
+            </a:schemeClr>
+          </a:lnRef>
+          <a:fillRef idx="1">
+            <a:schemeClr val="accent1"/>
+          </a:fillRef>
+          <a:effectRef idx="0">
+            <a:schemeClr val="accent1"/>
+          </a:effectRef>
+          <a:fontRef idx="minor">
+            <a:schemeClr val="lt1"/>
+          </a:fontRef>
+        </p:style>
+        <p:txBody>
+          <a:bodyPr rtlCol="0" anchor="ctr"/>
+          <a:lstStyle/>
+          <a:p>
+            <a:pPr algn="ctr"/>
+            <a:r>
+              <a:rPr lang="en-GB" sz="4000" dirty="0"/>
+              <a:t>NEXT</a:t>
+            </a:r>
+            <a:endParaRPr lang="en-US" sz="4000" dirty="0"/>
+          </a:p>
+        </p:txBody>
+      </p:sp>
+    </p:spTree>
+    <p:extLst>
+      <p:ext uri="{BB962C8B-B14F-4D97-AF65-F5344CB8AC3E}">
+        <p14:creationId xmlns:p14="http://schemas.microsoft.com/office/powerpoint/2010/main" val="991524825"/>
+      </p:ext>
+    </p:extLst>
+  </p:cSld>
+  <p:clrMapOvr>
+    <a:masterClrMapping/>
+  </p:clrMapOvr>
+</p:sld>
+</file>
+
+<file path=ppt/slides/slide32.xml><?xml version="1.0" encoding="utf-8"?>
+<p:sld xmlns:a="http://schemas.openxmlformats.org/drawingml/2006/main" xmlns:r="http://schemas.openxmlformats.org/officeDocument/2006/relationships" xmlns:p="http://schemas.openxmlformats.org/presentationml/2006/main">
+  <p:cSld>
+    <p:spTree>
+      <p:nvGrpSpPr>
+        <p:cNvPr id="1" name=""/>
+        <p:cNvGrpSpPr/>
+        <p:nvPr/>
+      </p:nvGrpSpPr>
+      <p:grpSpPr>
+        <a:xfrm>
+          <a:off x="0" y="0"/>
+          <a:ext cx="0" cy="0"/>
+          <a:chOff x="0" y="0"/>
+          <a:chExt cx="0" cy="0"/>
+        </a:xfrm>
+      </p:grpSpPr>
+      <p:sp>
+        <p:nvSpPr>
+          <p:cNvPr id="2" name="Title 1"/>
+          <p:cNvSpPr>
+            <a:spLocks noGrp="1"/>
+          </p:cNvSpPr>
+          <p:nvPr>
+            <p:ph type="title"/>
+          </p:nvPr>
+        </p:nvSpPr>
+        <p:spPr/>
+        <p:txBody>
+          <a:bodyPr/>
+          <a:lstStyle/>
+          <a:p>
+            <a:r>
+              <a:rPr lang="en-GB" dirty="0"/>
+              <a:t>Probe</a:t>
+            </a:r>
+            <a:endParaRPr lang="en-US" dirty="0"/>
+          </a:p>
+        </p:txBody>
+      </p:sp>
+      <p:sp>
+        <p:nvSpPr>
+          <p:cNvPr id="3" name="Content Placeholder 2"/>
+          <p:cNvSpPr>
+            <a:spLocks noGrp="1"/>
+          </p:cNvSpPr>
+          <p:nvPr>
+            <p:ph idx="1"/>
+          </p:nvPr>
+        </p:nvSpPr>
+        <p:spPr/>
+        <p:txBody>
+          <a:bodyPr>
+            <a:normAutofit/>
+          </a:bodyPr>
+          <a:lstStyle/>
+          <a:p>
+            <a:pPr algn="ctr"/>
+            <a:r>
+              <a:rPr lang="en-GB" sz="8000" dirty="0"/>
+              <a:t>24 ?</a:t>
+            </a:r>
+            <a:endParaRPr lang="en-US" sz="8000" dirty="0"/>
+          </a:p>
+        </p:txBody>
+      </p:sp>
+      <p:sp>
+        <p:nvSpPr>
+          <p:cNvPr id="4" name="Rounded Rectangle 3">
+            <a:hlinkClick r:id="rId2" action="ppaction://hlinksldjump"/>
+          </p:cNvPr>
+          <p:cNvSpPr/>
+          <p:nvPr/>
+        </p:nvSpPr>
+        <p:spPr>
+          <a:xfrm>
+            <a:off x="1024127" y="4702493"/>
+            <a:ext cx="3262122" cy="1676400"/>
+          </a:xfrm>
+          <a:prstGeom prst="roundRect">
+            <a:avLst/>
+          </a:prstGeom>
+        </p:spPr>
+        <p:style>
+          <a:lnRef idx="2">
+            <a:schemeClr val="accent1">
+              <a:shade val="50000"/>
+            </a:schemeClr>
+          </a:lnRef>
+          <a:fillRef idx="1">
+            <a:schemeClr val="accent1"/>
+          </a:fillRef>
+          <a:effectRef idx="0">
+            <a:schemeClr val="accent1"/>
+          </a:effectRef>
+          <a:fontRef idx="minor">
+            <a:schemeClr val="lt1"/>
+          </a:fontRef>
+        </p:style>
+        <p:txBody>
+          <a:bodyPr rtlCol="0" anchor="ctr"/>
+          <a:lstStyle/>
+          <a:p>
+            <a:pPr algn="ctr"/>
+            <a:r>
+              <a:rPr lang="en-GB" sz="4000" dirty="0"/>
+              <a:t>YES</a:t>
+            </a:r>
+            <a:endParaRPr lang="en-US" sz="4000" dirty="0"/>
+          </a:p>
+        </p:txBody>
+      </p:sp>
+      <p:sp>
+        <p:nvSpPr>
+          <p:cNvPr id="6" name="Rounded Rectangle 5"/>
+          <p:cNvSpPr/>
+          <p:nvPr/>
+        </p:nvSpPr>
+        <p:spPr>
+          <a:xfrm>
+            <a:off x="7482078" y="4702493"/>
+            <a:ext cx="3262122" cy="1676400"/>
+          </a:xfrm>
+          <a:prstGeom prst="roundRect">
+            <a:avLst/>
+          </a:prstGeom>
+        </p:spPr>
+        <p:style>
+          <a:lnRef idx="2">
+            <a:schemeClr val="accent1">
+              <a:shade val="50000"/>
+            </a:schemeClr>
+          </a:lnRef>
+          <a:fillRef idx="1">
+            <a:schemeClr val="accent1"/>
+          </a:fillRef>
+          <a:effectRef idx="0">
+            <a:schemeClr val="accent1"/>
+          </a:effectRef>
+          <a:fontRef idx="minor">
+            <a:schemeClr val="lt1"/>
+          </a:fontRef>
+        </p:style>
+        <p:txBody>
+          <a:bodyPr rtlCol="0" anchor="ctr"/>
+          <a:lstStyle/>
+          <a:p>
+            <a:pPr algn="ctr"/>
+            <a:r>
+              <a:rPr lang="en-GB" sz="4000" dirty="0"/>
+              <a:t>NO</a:t>
+            </a:r>
+            <a:endParaRPr lang="en-US" sz="4000" dirty="0"/>
+          </a:p>
+        </p:txBody>
+      </p:sp>
+    </p:spTree>
+    <p:extLst>
+      <p:ext uri="{BB962C8B-B14F-4D97-AF65-F5344CB8AC3E}">
+        <p14:creationId xmlns:p14="http://schemas.microsoft.com/office/powerpoint/2010/main" val="2164876428"/>
+      </p:ext>
+    </p:extLst>
+  </p:cSld>
+  <p:clrMapOvr>
+    <a:masterClrMapping/>
+  </p:clrMapOvr>
+</p:sld>
+</file>
+
+<file path=ppt/slides/slide4.xml><?xml version="1.0" encoding="utf-8"?>
+<p:sld xmlns:a="http://schemas.openxmlformats.org/drawingml/2006/main" xmlns:r="http://schemas.openxmlformats.org/officeDocument/2006/relationships" xmlns:p="http://schemas.openxmlformats.org/presentationml/2006/main">
+  <p:cSld>
+    <p:spTree>
+      <p:nvGrpSpPr>
+        <p:cNvPr id="1" name=""/>
+        <p:cNvGrpSpPr/>
+        <p:nvPr/>
+      </p:nvGrpSpPr>
+      <p:grpSpPr>
+        <a:xfrm>
+          <a:off x="0" y="0"/>
+          <a:ext cx="0" cy="0"/>
+          <a:chOff x="0" y="0"/>
+          <a:chExt cx="0" cy="0"/>
+        </a:xfrm>
+      </p:grpSpPr>
+      <p:sp>
+        <p:nvSpPr>
+          <p:cNvPr id="2" name="Titel 1">
+            <a:extLst>
+              <a:ext uri="{FF2B5EF4-FFF2-40B4-BE49-F238E27FC236}">
+                <a16:creationId xmlns:a16="http://schemas.microsoft.com/office/drawing/2014/main" id="{E8F212C1-5D5F-4FD0-B20D-87B996C38584}"/>
+              </a:ext>
+            </a:extLst>
+          </p:cNvPr>
+          <p:cNvSpPr>
+            <a:spLocks noGrp="1"/>
+          </p:cNvSpPr>
+          <p:nvPr>
+            <p:ph type="title"/>
+          </p:nvPr>
+        </p:nvSpPr>
+        <p:spPr/>
+        <p:txBody>
+          <a:bodyPr/>
+          <a:lstStyle/>
+          <a:p>
+            <a:r>
+              <a:rPr lang="nl-NL" dirty="0" err="1"/>
+              <a:t>Bilingualism</a:t>
+            </a:r>
+            <a:r>
+              <a:rPr lang="nl-NL" dirty="0"/>
+              <a:t> </a:t>
+            </a:r>
+            <a:r>
+              <a:rPr lang="en-GB" dirty="0"/>
+              <a:t>and Task-switching</a:t>
+            </a:r>
+            <a:endParaRPr lang="nl-NL" dirty="0"/>
+          </a:p>
+        </p:txBody>
+      </p:sp>
+      <p:sp>
+        <p:nvSpPr>
+          <p:cNvPr id="3" name="Tijdelijke aanduiding voor inhoud 2">
+            <a:extLst>
+              <a:ext uri="{FF2B5EF4-FFF2-40B4-BE49-F238E27FC236}">
+                <a16:creationId xmlns:a16="http://schemas.microsoft.com/office/drawing/2014/main" id="{57CAE2ED-085D-4919-B4B4-A171412D895D}"/>
+              </a:ext>
+            </a:extLst>
+          </p:cNvPr>
+          <p:cNvSpPr>
+            <a:spLocks noGrp="1"/>
+          </p:cNvSpPr>
+          <p:nvPr>
+            <p:ph idx="1"/>
+          </p:nvPr>
+        </p:nvSpPr>
+        <p:spPr/>
+        <p:txBody>
+          <a:bodyPr/>
+          <a:lstStyle/>
+          <a:p>
+            <a:r>
+              <a:rPr lang="nl-NL" dirty="0" err="1"/>
+              <a:t>Conditional</a:t>
+            </a:r>
+            <a:r>
+              <a:rPr lang="nl-NL" dirty="0"/>
+              <a:t> routing model</a:t>
+            </a:r>
+          </a:p>
+          <a:p>
+            <a:pPr lvl="1"/>
+            <a:r>
+              <a:rPr lang="nl-NL" dirty="0"/>
+              <a:t>Basal </a:t>
+            </a:r>
+            <a:r>
+              <a:rPr lang="nl-NL" dirty="0" err="1"/>
+              <a:t>ganglia</a:t>
+            </a:r>
+            <a:r>
+              <a:rPr lang="nl-NL" dirty="0"/>
+              <a:t> </a:t>
+            </a:r>
+            <a:r>
+              <a:rPr lang="nl-NL" dirty="0" err="1"/>
+              <a:t>actively</a:t>
+            </a:r>
+            <a:r>
+              <a:rPr lang="nl-NL" dirty="0"/>
+              <a:t> </a:t>
+            </a:r>
+            <a:r>
+              <a:rPr lang="nl-NL" dirty="0" err="1"/>
+              <a:t>shape</a:t>
+            </a:r>
+            <a:r>
+              <a:rPr lang="nl-NL" dirty="0"/>
+              <a:t> information routes in </a:t>
+            </a:r>
+            <a:r>
+              <a:rPr lang="nl-NL" dirty="0" err="1"/>
+              <a:t>the</a:t>
+            </a:r>
+            <a:r>
+              <a:rPr lang="nl-NL" dirty="0"/>
+              <a:t> </a:t>
+            </a:r>
+            <a:r>
+              <a:rPr lang="nl-NL" dirty="0" err="1"/>
+              <a:t>brain</a:t>
+            </a:r>
+            <a:r>
+              <a:rPr lang="nl-NL" dirty="0"/>
+              <a:t> </a:t>
+            </a:r>
+            <a:r>
+              <a:rPr lang="nl-NL" dirty="0" err="1"/>
+              <a:t>when</a:t>
+            </a:r>
+            <a:r>
+              <a:rPr lang="nl-NL" dirty="0"/>
+              <a:t> </a:t>
+            </a:r>
+            <a:r>
+              <a:rPr lang="nl-NL" dirty="0" err="1"/>
+              <a:t>the</a:t>
+            </a:r>
+            <a:r>
+              <a:rPr lang="nl-NL" dirty="0"/>
+              <a:t> </a:t>
+            </a:r>
+            <a:r>
+              <a:rPr lang="nl-NL" dirty="0" err="1"/>
+              <a:t>regular</a:t>
+            </a:r>
+            <a:r>
+              <a:rPr lang="nl-NL" dirty="0"/>
+              <a:t> route </a:t>
+            </a:r>
+            <a:r>
+              <a:rPr lang="nl-NL" dirty="0" err="1"/>
+              <a:t>doesn’t</a:t>
+            </a:r>
+            <a:r>
+              <a:rPr lang="nl-NL" dirty="0"/>
+              <a:t> </a:t>
+            </a:r>
+            <a:r>
+              <a:rPr lang="nl-NL" dirty="0" err="1"/>
+              <a:t>suffice</a:t>
+            </a:r>
+            <a:r>
+              <a:rPr lang="nl-NL" dirty="0"/>
+              <a:t>. These </a:t>
+            </a:r>
+            <a:r>
+              <a:rPr lang="nl-NL" dirty="0" err="1"/>
+              <a:t>paths</a:t>
+            </a:r>
+            <a:r>
+              <a:rPr lang="nl-NL" dirty="0"/>
+              <a:t> are </a:t>
+            </a:r>
+            <a:r>
+              <a:rPr lang="nl-NL" dirty="0" err="1"/>
+              <a:t>established</a:t>
+            </a:r>
+            <a:r>
+              <a:rPr lang="nl-NL" dirty="0"/>
+              <a:t> </a:t>
+            </a:r>
+            <a:r>
+              <a:rPr lang="nl-NL" dirty="0" err="1"/>
+              <a:t>with</a:t>
+            </a:r>
+            <a:r>
+              <a:rPr lang="nl-NL" dirty="0"/>
+              <a:t> </a:t>
+            </a:r>
+            <a:r>
+              <a:rPr lang="nl-NL" dirty="0" err="1"/>
+              <a:t>practice</a:t>
+            </a:r>
+            <a:r>
+              <a:rPr lang="nl-NL" dirty="0"/>
+              <a:t> </a:t>
+            </a:r>
+            <a:r>
+              <a:rPr lang="nl-NL" dirty="0" err="1"/>
+              <a:t>and</a:t>
+            </a:r>
+            <a:r>
+              <a:rPr lang="nl-NL" dirty="0"/>
+              <a:t> </a:t>
+            </a:r>
+            <a:r>
+              <a:rPr lang="nl-NL" dirty="0" err="1"/>
+              <a:t>become</a:t>
+            </a:r>
+            <a:r>
+              <a:rPr lang="nl-NL" dirty="0"/>
+              <a:t> more </a:t>
+            </a:r>
+            <a:r>
+              <a:rPr lang="nl-NL" dirty="0" err="1"/>
+              <a:t>efficient</a:t>
+            </a:r>
+            <a:r>
+              <a:rPr lang="nl-NL" dirty="0"/>
+              <a:t>. </a:t>
+            </a:r>
+            <a:r>
+              <a:rPr lang="nl-NL" dirty="0" err="1"/>
+              <a:t>Bilinguals</a:t>
+            </a:r>
+            <a:r>
+              <a:rPr lang="nl-NL" dirty="0"/>
+              <a:t> </a:t>
+            </a:r>
+            <a:r>
+              <a:rPr lang="nl-NL" dirty="0" err="1"/>
+              <a:t>learn</a:t>
+            </a:r>
+            <a:r>
+              <a:rPr lang="nl-NL" dirty="0"/>
+              <a:t> </a:t>
+            </a:r>
+            <a:r>
+              <a:rPr lang="nl-NL" dirty="0" err="1"/>
+              <a:t>to</a:t>
+            </a:r>
+            <a:r>
+              <a:rPr lang="nl-NL" dirty="0"/>
+              <a:t> select </a:t>
+            </a:r>
+            <a:r>
+              <a:rPr lang="nl-NL" dirty="0" err="1"/>
+              <a:t>appropriate</a:t>
+            </a:r>
+            <a:r>
+              <a:rPr lang="nl-NL" dirty="0"/>
+              <a:t> </a:t>
+            </a:r>
+            <a:r>
+              <a:rPr lang="nl-NL" dirty="0" err="1"/>
+              <a:t>linguistic</a:t>
+            </a:r>
+            <a:r>
+              <a:rPr lang="nl-NL" dirty="0"/>
+              <a:t> </a:t>
+            </a:r>
+            <a:r>
+              <a:rPr lang="nl-NL" dirty="0" err="1"/>
+              <a:t>rules</a:t>
+            </a:r>
+            <a:r>
+              <a:rPr lang="nl-NL" dirty="0"/>
+              <a:t> </a:t>
+            </a:r>
+            <a:r>
+              <a:rPr lang="nl-NL" dirty="0" err="1"/>
+              <a:t>and</a:t>
+            </a:r>
+            <a:r>
+              <a:rPr lang="nl-NL" dirty="0"/>
+              <a:t> information, </a:t>
+            </a:r>
+            <a:r>
+              <a:rPr lang="nl-NL" dirty="0" err="1"/>
+              <a:t>and</a:t>
+            </a:r>
+            <a:r>
+              <a:rPr lang="nl-NL" dirty="0"/>
+              <a:t> </a:t>
+            </a:r>
+            <a:r>
+              <a:rPr lang="nl-NL" dirty="0" err="1"/>
+              <a:t>this</a:t>
+            </a:r>
+            <a:r>
+              <a:rPr lang="nl-NL" dirty="0"/>
+              <a:t> </a:t>
+            </a:r>
+            <a:r>
+              <a:rPr lang="nl-NL" dirty="0" err="1"/>
+              <a:t>experience</a:t>
+            </a:r>
+            <a:r>
+              <a:rPr lang="nl-NL" dirty="0"/>
+              <a:t> </a:t>
+            </a:r>
+            <a:r>
+              <a:rPr lang="nl-NL" dirty="0" err="1"/>
+              <a:t>may</a:t>
+            </a:r>
+            <a:r>
+              <a:rPr lang="nl-NL" dirty="0"/>
+              <a:t> train </a:t>
+            </a:r>
+            <a:r>
+              <a:rPr lang="nl-NL" dirty="0" err="1"/>
+              <a:t>them</a:t>
+            </a:r>
+            <a:r>
+              <a:rPr lang="nl-NL" dirty="0"/>
+              <a:t> </a:t>
+            </a:r>
+            <a:r>
+              <a:rPr lang="nl-NL" dirty="0" err="1"/>
+              <a:t>to</a:t>
+            </a:r>
+            <a:r>
+              <a:rPr lang="nl-NL" dirty="0"/>
+              <a:t> select </a:t>
+            </a:r>
+            <a:r>
+              <a:rPr lang="nl-NL" dirty="0" err="1"/>
+              <a:t>and</a:t>
+            </a:r>
+            <a:r>
+              <a:rPr lang="nl-NL" dirty="0"/>
+              <a:t> </a:t>
+            </a:r>
+            <a:r>
+              <a:rPr lang="nl-NL" dirty="0" err="1"/>
+              <a:t>apply</a:t>
+            </a:r>
+            <a:r>
+              <a:rPr lang="nl-NL" dirty="0"/>
+              <a:t> non-</a:t>
+            </a:r>
+            <a:r>
+              <a:rPr lang="nl-NL" dirty="0" err="1"/>
+              <a:t>linguistic</a:t>
+            </a:r>
+            <a:r>
+              <a:rPr lang="nl-NL" dirty="0"/>
+              <a:t> </a:t>
+            </a:r>
+            <a:r>
+              <a:rPr lang="nl-NL" dirty="0" err="1"/>
+              <a:t>rules</a:t>
+            </a:r>
+            <a:r>
+              <a:rPr lang="nl-NL" dirty="0"/>
+              <a:t> as well.</a:t>
+            </a:r>
+          </a:p>
+          <a:p>
+            <a:r>
+              <a:rPr lang="nl-NL" dirty="0" err="1"/>
+              <a:t>Adaptive</a:t>
+            </a:r>
+            <a:r>
+              <a:rPr lang="nl-NL" dirty="0"/>
+              <a:t> control hypothesis</a:t>
+            </a:r>
+          </a:p>
+          <a:p>
+            <a:pPr lvl="1"/>
+            <a:r>
+              <a:rPr lang="nl-NL" dirty="0"/>
+              <a:t>Second </a:t>
+            </a:r>
+            <a:r>
+              <a:rPr lang="nl-NL" dirty="0" err="1"/>
+              <a:t>language</a:t>
+            </a:r>
+            <a:r>
+              <a:rPr lang="nl-NL" dirty="0"/>
+              <a:t> </a:t>
+            </a:r>
+            <a:r>
+              <a:rPr lang="nl-NL" dirty="0" err="1"/>
+              <a:t>use</a:t>
+            </a:r>
+            <a:r>
+              <a:rPr lang="nl-NL" dirty="0"/>
+              <a:t> </a:t>
+            </a:r>
+            <a:r>
+              <a:rPr lang="nl-NL" dirty="0" err="1"/>
+              <a:t>depends</a:t>
+            </a:r>
+            <a:r>
+              <a:rPr lang="nl-NL" dirty="0"/>
+              <a:t> on context. </a:t>
+            </a:r>
+            <a:r>
+              <a:rPr lang="nl-NL" dirty="0" err="1"/>
+              <a:t>Bilinguals</a:t>
+            </a:r>
+            <a:r>
+              <a:rPr lang="nl-NL" dirty="0"/>
+              <a:t> operating in a complex </a:t>
+            </a:r>
+            <a:r>
+              <a:rPr lang="nl-NL" dirty="0" err="1"/>
+              <a:t>multilingual</a:t>
+            </a:r>
+            <a:r>
+              <a:rPr lang="nl-NL" dirty="0"/>
+              <a:t> environment </a:t>
+            </a:r>
+            <a:r>
+              <a:rPr lang="nl-NL" dirty="0" err="1"/>
+              <a:t>need</a:t>
+            </a:r>
+            <a:r>
+              <a:rPr lang="nl-NL" dirty="0"/>
+              <a:t> </a:t>
+            </a:r>
+            <a:r>
+              <a:rPr lang="nl-NL" dirty="0" err="1"/>
+              <a:t>to</a:t>
+            </a:r>
+            <a:r>
+              <a:rPr lang="nl-NL" dirty="0"/>
+              <a:t> </a:t>
+            </a:r>
+            <a:r>
+              <a:rPr lang="nl-NL" dirty="0" err="1"/>
+              <a:t>adapt</a:t>
+            </a:r>
+            <a:r>
+              <a:rPr lang="nl-NL" dirty="0"/>
+              <a:t> more </a:t>
+            </a:r>
+            <a:r>
+              <a:rPr lang="nl-NL" dirty="0" err="1"/>
+              <a:t>often</a:t>
+            </a:r>
+            <a:r>
+              <a:rPr lang="nl-NL" dirty="0"/>
+              <a:t>, </a:t>
+            </a:r>
+            <a:r>
+              <a:rPr lang="nl-NL" dirty="0" err="1"/>
+              <a:t>and</a:t>
+            </a:r>
+            <a:r>
+              <a:rPr lang="nl-NL" dirty="0"/>
+              <a:t> </a:t>
+            </a:r>
+            <a:r>
+              <a:rPr lang="nl-NL" dirty="0" err="1"/>
+              <a:t>use</a:t>
+            </a:r>
+            <a:r>
+              <a:rPr lang="nl-NL" dirty="0"/>
+              <a:t> </a:t>
+            </a:r>
+            <a:r>
+              <a:rPr lang="nl-NL" dirty="0" err="1"/>
+              <a:t>language-specific</a:t>
+            </a:r>
+            <a:r>
+              <a:rPr lang="nl-NL" dirty="0"/>
+              <a:t> control </a:t>
+            </a:r>
+            <a:r>
+              <a:rPr lang="nl-NL" dirty="0" err="1"/>
+              <a:t>mechanisms</a:t>
+            </a:r>
+            <a:r>
+              <a:rPr lang="nl-NL" dirty="0"/>
+              <a:t>. </a:t>
+            </a:r>
+            <a:r>
+              <a:rPr lang="nl-NL" dirty="0" err="1"/>
+              <a:t>Perhaps</a:t>
+            </a:r>
+            <a:r>
+              <a:rPr lang="nl-NL" dirty="0"/>
+              <a:t> these control </a:t>
+            </a:r>
+            <a:r>
+              <a:rPr lang="nl-NL" dirty="0" err="1"/>
+              <a:t>mechanisms</a:t>
+            </a:r>
+            <a:r>
+              <a:rPr lang="nl-NL" dirty="0"/>
+              <a:t> </a:t>
+            </a:r>
+            <a:r>
+              <a:rPr lang="nl-NL" dirty="0" err="1"/>
+              <a:t>also</a:t>
+            </a:r>
+            <a:r>
+              <a:rPr lang="nl-NL" dirty="0"/>
+              <a:t> </a:t>
+            </a:r>
+            <a:r>
+              <a:rPr lang="nl-NL" dirty="0" err="1"/>
+              <a:t>work</a:t>
+            </a:r>
+            <a:r>
+              <a:rPr lang="nl-NL" dirty="0"/>
+              <a:t> in non-</a:t>
+            </a:r>
+            <a:r>
+              <a:rPr lang="nl-NL" dirty="0" err="1"/>
+              <a:t>linguistic</a:t>
+            </a:r>
+            <a:r>
+              <a:rPr lang="nl-NL" dirty="0"/>
+              <a:t> </a:t>
+            </a:r>
+            <a:r>
+              <a:rPr lang="nl-NL" dirty="0" err="1"/>
+              <a:t>adaptive</a:t>
+            </a:r>
+            <a:r>
+              <a:rPr lang="nl-NL" dirty="0"/>
+              <a:t> </a:t>
+            </a:r>
+            <a:r>
+              <a:rPr lang="nl-NL" dirty="0" err="1"/>
+              <a:t>contexts</a:t>
+            </a:r>
+            <a:r>
+              <a:rPr lang="nl-NL" dirty="0"/>
+              <a:t>, </a:t>
+            </a:r>
+            <a:r>
+              <a:rPr lang="nl-NL" dirty="0" err="1"/>
+              <a:t>such</a:t>
+            </a:r>
+            <a:r>
+              <a:rPr lang="nl-NL" dirty="0"/>
+              <a:t> as </a:t>
+            </a:r>
+            <a:r>
+              <a:rPr lang="nl-NL" dirty="0" err="1"/>
+              <a:t>task</a:t>
+            </a:r>
+            <a:r>
+              <a:rPr lang="nl-NL" dirty="0"/>
+              <a:t>-switching.</a:t>
+            </a:r>
+          </a:p>
+        </p:txBody>
+      </p:sp>
+      <p:sp>
+        <p:nvSpPr>
+          <p:cNvPr id="4" name="Tijdelijke aanduiding voor dianummer 3">
+            <a:extLst>
+              <a:ext uri="{FF2B5EF4-FFF2-40B4-BE49-F238E27FC236}">
+                <a16:creationId xmlns:a16="http://schemas.microsoft.com/office/drawing/2014/main" id="{85E3EDB9-DFE2-4344-B6C3-ACC913EF537B}"/>
+              </a:ext>
+            </a:extLst>
+          </p:cNvPr>
+          <p:cNvSpPr>
+            <a:spLocks noGrp="1"/>
+          </p:cNvSpPr>
+          <p:nvPr>
+            <p:ph type="sldNum" sz="quarter" idx="12"/>
+          </p:nvPr>
+        </p:nvSpPr>
+        <p:spPr/>
+        <p:txBody>
+          <a:bodyPr/>
+          <a:lstStyle/>
+          <a:p>
+            <a:fld id="{4FAB73BC-B049-4115-A692-8D63A059BFB8}" type="slidenum">
+              <a:rPr lang="en-US" smtClean="0"/>
+              <a:t>4</a:t>
+            </a:fld>
+            <a:endParaRPr lang="en-US" dirty="0"/>
+          </a:p>
+        </p:txBody>
+      </p:sp>
+      <p:sp>
+        <p:nvSpPr>
+          <p:cNvPr id="5" name="Rectangle 4">
+            <a:extLst>
+              <a:ext uri="{FF2B5EF4-FFF2-40B4-BE49-F238E27FC236}">
+                <a16:creationId xmlns:a16="http://schemas.microsoft.com/office/drawing/2014/main" id="{D183ECE0-DC82-44E1-BF4F-A22F0B5B71B1}"/>
+              </a:ext>
+            </a:extLst>
+          </p:cNvPr>
+          <p:cNvSpPr/>
+          <p:nvPr/>
+        </p:nvSpPr>
+        <p:spPr>
+          <a:xfrm>
+            <a:off x="581596" y="6423198"/>
+            <a:ext cx="10255737" cy="369332"/>
+          </a:xfrm>
+          <a:prstGeom prst="rect">
+            <a:avLst/>
+          </a:prstGeom>
+        </p:spPr>
+        <p:txBody>
+          <a:bodyPr wrap="square">
+            <a:spAutoFit/>
+          </a:bodyPr>
+          <a:lstStyle/>
+          <a:p>
+            <a:pPr algn="r"/>
+            <a:r>
+              <a:rPr lang="nl-NL" dirty="0" err="1"/>
+              <a:t>Stocco</a:t>
+            </a:r>
+            <a:r>
+              <a:rPr lang="nl-NL" dirty="0"/>
+              <a:t>, </a:t>
+            </a:r>
+            <a:r>
+              <a:rPr lang="nl-NL" dirty="0" err="1"/>
+              <a:t>Lebiere</a:t>
+            </a:r>
+            <a:r>
+              <a:rPr lang="nl-NL" dirty="0"/>
+              <a:t>, &amp; Anderson,</a:t>
+            </a:r>
+            <a:r>
+              <a:rPr lang="it-IT" dirty="0"/>
+              <a:t>2010; Stocco et al., 2014; </a:t>
+            </a:r>
+            <a:r>
+              <a:rPr lang="nl-NL" dirty="0"/>
+              <a:t>Green &amp; </a:t>
+            </a:r>
+            <a:r>
+              <a:rPr lang="nl-NL" dirty="0" err="1"/>
+              <a:t>Abutalebi</a:t>
+            </a:r>
+            <a:r>
+              <a:rPr lang="nl-NL" dirty="0"/>
+              <a:t>, 2013</a:t>
+            </a:r>
+            <a:endParaRPr lang="en-US" dirty="0"/>
+          </a:p>
+        </p:txBody>
+      </p:sp>
+    </p:spTree>
+    <p:extLst>
+      <p:ext uri="{BB962C8B-B14F-4D97-AF65-F5344CB8AC3E}">
+        <p14:creationId xmlns:p14="http://schemas.microsoft.com/office/powerpoint/2010/main" val="2154277910"/>
+      </p:ext>
+    </p:extLst>
+  </p:cSld>
+  <p:clrMapOvr>
+    <a:masterClrMapping/>
+  </p:clrMapOvr>
+</p:sld>
+</file>
+
+<file path=ppt/slides/slide5.xml><?xml version="1.0" encoding="utf-8"?>
+<p:sld xmlns:a="http://schemas.openxmlformats.org/drawingml/2006/main" xmlns:r="http://schemas.openxmlformats.org/officeDocument/2006/relationships" xmlns:p="http://schemas.openxmlformats.org/presentationml/2006/main">
+  <p:cSld>
+    <p:spTree>
+      <p:nvGrpSpPr>
+        <p:cNvPr id="1" name=""/>
+        <p:cNvGrpSpPr/>
+        <p:nvPr/>
+      </p:nvGrpSpPr>
+      <p:grpSpPr>
+        <a:xfrm>
+          <a:off x="0" y="0"/>
+          <a:ext cx="0" cy="0"/>
+          <a:chOff x="0" y="0"/>
+          <a:chExt cx="0" cy="0"/>
+        </a:xfrm>
+      </p:grpSpPr>
+      <p:sp>
+        <p:nvSpPr>
+          <p:cNvPr id="2" name="Titel 1">
+            <a:extLst>
+              <a:ext uri="{FF2B5EF4-FFF2-40B4-BE49-F238E27FC236}">
+                <a16:creationId xmlns:a16="http://schemas.microsoft.com/office/drawing/2014/main" id="{7BF2AC38-3865-42B8-95BC-C026B91BDA5F}"/>
+              </a:ext>
+            </a:extLst>
+          </p:cNvPr>
+          <p:cNvSpPr>
+            <a:spLocks noGrp="1"/>
+          </p:cNvSpPr>
+          <p:nvPr>
+            <p:ph type="title"/>
+          </p:nvPr>
+        </p:nvSpPr>
+        <p:spPr/>
+        <p:txBody>
+          <a:bodyPr/>
+          <a:lstStyle/>
+          <a:p>
+            <a:r>
+              <a:rPr lang="nl-NL" dirty="0" err="1"/>
+              <a:t>Bilingualism</a:t>
+            </a:r>
+            <a:r>
+              <a:rPr lang="nl-NL" dirty="0"/>
+              <a:t> </a:t>
+            </a:r>
+            <a:r>
+              <a:rPr lang="nl-NL" dirty="0" err="1"/>
+              <a:t>and</a:t>
+            </a:r>
+            <a:r>
+              <a:rPr lang="nl-NL" dirty="0"/>
+              <a:t> </a:t>
+            </a:r>
+            <a:r>
+              <a:rPr lang="nl-NL" dirty="0" err="1"/>
+              <a:t>Task-switching</a:t>
+            </a:r>
+            <a:endParaRPr lang="nl-NL" dirty="0"/>
+          </a:p>
+        </p:txBody>
+      </p:sp>
+      <p:sp>
+        <p:nvSpPr>
+          <p:cNvPr id="3" name="Tijdelijke aanduiding voor inhoud 2">
+            <a:extLst>
+              <a:ext uri="{FF2B5EF4-FFF2-40B4-BE49-F238E27FC236}">
+                <a16:creationId xmlns:a16="http://schemas.microsoft.com/office/drawing/2014/main" id="{01AA1068-5D07-4741-A801-1D0851EF77DA}"/>
+              </a:ext>
+            </a:extLst>
+          </p:cNvPr>
+          <p:cNvSpPr>
+            <a:spLocks noGrp="1"/>
+          </p:cNvSpPr>
+          <p:nvPr>
+            <p:ph idx="1"/>
+          </p:nvPr>
+        </p:nvSpPr>
+        <p:spPr/>
+        <p:txBody>
+          <a:bodyPr/>
+          <a:lstStyle/>
+          <a:p>
+            <a:pPr marL="0" indent="0">
+              <a:buNone/>
+            </a:pPr>
+            <a:r>
+              <a:rPr lang="nl-NL" dirty="0" err="1"/>
+              <a:t>Bilinguals</a:t>
+            </a:r>
+            <a:r>
+              <a:rPr lang="nl-NL" dirty="0"/>
+              <a:t> </a:t>
+            </a:r>
+            <a:r>
+              <a:rPr lang="nl-NL" dirty="0" err="1"/>
+              <a:t>seems</a:t>
+            </a:r>
+            <a:r>
+              <a:rPr lang="nl-NL" dirty="0"/>
+              <a:t> </a:t>
+            </a:r>
+            <a:r>
+              <a:rPr lang="nl-NL" dirty="0" err="1"/>
+              <a:t>to</a:t>
+            </a:r>
+            <a:r>
+              <a:rPr lang="nl-NL" dirty="0"/>
+              <a:t> </a:t>
+            </a:r>
+            <a:r>
+              <a:rPr lang="nl-NL" dirty="0" err="1"/>
+              <a:t>be</a:t>
+            </a:r>
+            <a:r>
+              <a:rPr lang="nl-NL" dirty="0"/>
+              <a:t> </a:t>
+            </a:r>
+            <a:r>
+              <a:rPr lang="nl-NL" dirty="0" err="1"/>
+              <a:t>better</a:t>
+            </a:r>
+            <a:r>
+              <a:rPr lang="nl-NL" dirty="0"/>
+              <a:t> at set </a:t>
+            </a:r>
+            <a:r>
+              <a:rPr lang="nl-NL" dirty="0" err="1"/>
+              <a:t>shifting</a:t>
+            </a:r>
+            <a:endParaRPr lang="nl-NL" dirty="0"/>
+          </a:p>
+          <a:p>
+            <a:pPr marL="0" indent="0">
+              <a:buNone/>
+            </a:pPr>
+            <a:r>
+              <a:rPr lang="nl-NL" dirty="0" err="1"/>
+              <a:t>Thus</a:t>
+            </a:r>
+            <a:r>
+              <a:rPr lang="nl-NL" dirty="0"/>
+              <a:t>, we </a:t>
+            </a:r>
+            <a:r>
+              <a:rPr lang="nl-NL" dirty="0" err="1"/>
+              <a:t>need</a:t>
+            </a:r>
+            <a:r>
+              <a:rPr lang="nl-NL" dirty="0"/>
+              <a:t> a </a:t>
+            </a:r>
+            <a:r>
+              <a:rPr lang="nl-NL" dirty="0" err="1"/>
+              <a:t>paradigm</a:t>
+            </a:r>
+            <a:r>
+              <a:rPr lang="nl-NL" dirty="0"/>
+              <a:t> </a:t>
+            </a:r>
+            <a:r>
+              <a:rPr lang="nl-NL" dirty="0" err="1"/>
+              <a:t>that</a:t>
+            </a:r>
+            <a:r>
+              <a:rPr lang="nl-NL" dirty="0"/>
+              <a:t>:</a:t>
+            </a:r>
+          </a:p>
+          <a:p>
+            <a:pPr>
+              <a:buSzPct val="80000"/>
+              <a:buFont typeface="Wingdings" panose="05000000000000000000" pitchFamily="2" charset="2"/>
+              <a:buChar char="§"/>
+            </a:pPr>
+            <a:r>
+              <a:rPr lang="nl-NL" dirty="0"/>
+              <a:t>Tests set-</a:t>
+            </a:r>
+            <a:r>
+              <a:rPr lang="nl-NL" dirty="0" err="1"/>
+              <a:t>shifting</a:t>
+            </a:r>
+            <a:endParaRPr lang="nl-NL" dirty="0"/>
+          </a:p>
+          <a:p>
+            <a:pPr>
+              <a:buSzPct val="80000"/>
+              <a:buFont typeface="Wingdings" panose="05000000000000000000" pitchFamily="2" charset="2"/>
+              <a:buChar char="§"/>
+            </a:pPr>
+            <a:r>
+              <a:rPr lang="nl-NL" dirty="0" err="1"/>
+              <a:t>Contains</a:t>
+            </a:r>
+            <a:r>
+              <a:rPr lang="nl-NL" dirty="0"/>
+              <a:t> a </a:t>
+            </a:r>
+            <a:r>
+              <a:rPr lang="nl-NL" dirty="0" err="1"/>
+              <a:t>learning</a:t>
+            </a:r>
+            <a:r>
+              <a:rPr lang="nl-NL" dirty="0"/>
+              <a:t> component</a:t>
+            </a:r>
+          </a:p>
+        </p:txBody>
+      </p:sp>
+      <p:sp>
+        <p:nvSpPr>
+          <p:cNvPr id="4" name="Tijdelijke aanduiding voor dianummer 3">
+            <a:extLst>
+              <a:ext uri="{FF2B5EF4-FFF2-40B4-BE49-F238E27FC236}">
+                <a16:creationId xmlns:a16="http://schemas.microsoft.com/office/drawing/2014/main" id="{965A384C-F471-43CC-AAEB-C7734E474093}"/>
+              </a:ext>
+            </a:extLst>
+          </p:cNvPr>
+          <p:cNvSpPr>
+            <a:spLocks noGrp="1"/>
+          </p:cNvSpPr>
+          <p:nvPr>
+            <p:ph type="sldNum" sz="quarter" idx="12"/>
+          </p:nvPr>
+        </p:nvSpPr>
+        <p:spPr/>
+        <p:txBody>
+          <a:bodyPr/>
+          <a:lstStyle/>
+          <a:p>
+            <a:fld id="{4FAB73BC-B049-4115-A692-8D63A059BFB8}" type="slidenum">
+              <a:rPr lang="en-US" smtClean="0"/>
+              <a:t>5</a:t>
+            </a:fld>
+            <a:endParaRPr lang="en-US" dirty="0"/>
+          </a:p>
+        </p:txBody>
+      </p:sp>
+    </p:spTree>
+    <p:extLst>
+      <p:ext uri="{BB962C8B-B14F-4D97-AF65-F5344CB8AC3E}">
+        <p14:creationId xmlns:p14="http://schemas.microsoft.com/office/powerpoint/2010/main" val="2465680962"/>
+      </p:ext>
+    </p:extLst>
+  </p:cSld>
+  <p:clrMapOvr>
+    <a:masterClrMapping/>
+  </p:clrMapOvr>
+</p:sld>
+</file>
+
 <file path=ppt/slides/slide6.xml><?xml version="1.0" encoding="utf-8"?>
 <p:sld xmlns:a="http://schemas.openxmlformats.org/drawingml/2006/main" xmlns:r="http://schemas.openxmlformats.org/officeDocument/2006/relationships" xmlns:p="http://schemas.openxmlformats.org/presentationml/2006/main">
   <p:cSld>
@@ -37646,11 +38334,192 @@
             <p:ph idx="1"/>
           </p:nvPr>
         </p:nvSpPr>
+        <p:spPr>
+          <a:xfrm>
+            <a:off x="1024128" y="2286000"/>
+            <a:ext cx="9720073" cy="4023360"/>
+          </a:xfrm>
+        </p:spPr>
+        <p:txBody>
+          <a:bodyPr/>
+          <a:lstStyle/>
+          <a:p>
+            <a:pPr marL="0" indent="0">
+              <a:buNone/>
+            </a:pPr>
+            <a:r>
+              <a:rPr lang="en-GB" dirty="0"/>
+              <a:t>How do you learn to use an OV-</a:t>
+            </a:r>
+            <a:r>
+              <a:rPr lang="en-GB" dirty="0" err="1"/>
+              <a:t>chipkaart</a:t>
+            </a:r>
+            <a:r>
+              <a:rPr lang="en-GB" dirty="0"/>
+              <a:t>?</a:t>
+            </a:r>
+          </a:p>
+          <a:p>
+            <a:endParaRPr lang="en-GB" dirty="0"/>
+          </a:p>
+        </p:txBody>
+      </p:sp>
+      <p:sp>
+        <p:nvSpPr>
+          <p:cNvPr id="6" name="Slide Number Placeholder 5"/>
+          <p:cNvSpPr>
+            <a:spLocks noGrp="1"/>
+          </p:cNvSpPr>
+          <p:nvPr>
+            <p:ph type="sldNum" sz="quarter" idx="12"/>
+          </p:nvPr>
+        </p:nvSpPr>
         <p:spPr/>
         <p:txBody>
           <a:bodyPr/>
           <a:lstStyle/>
           <a:p>
+            <a:fld id="{4FAB73BC-B049-4115-A692-8D63A059BFB8}" type="slidenum">
+              <a:rPr lang="en-US" smtClean="0"/>
+              <a:t>6</a:t>
+            </a:fld>
+            <a:endParaRPr lang="en-US" dirty="0"/>
+          </a:p>
+        </p:txBody>
+      </p:sp>
+      <p:pic>
+        <p:nvPicPr>
+          <p:cNvPr id="7" name="Picture 6"/>
+          <p:cNvPicPr>
+            <a:picLocks noChangeAspect="1"/>
+          </p:cNvPicPr>
+          <p:nvPr/>
+        </p:nvPicPr>
+        <p:blipFill>
+          <a:blip r:embed="rId2">
+            <a:extLst>
+              <a:ext uri="{28A0092B-C50C-407E-A947-70E740481C1C}">
+                <a14:useLocalDpi xmlns:a14="http://schemas.microsoft.com/office/drawing/2010/main" val="0"/>
+              </a:ext>
+            </a:extLst>
+          </a:blip>
+          <a:stretch>
+            <a:fillRect/>
+          </a:stretch>
+        </p:blipFill>
+        <p:spPr>
+          <a:xfrm>
+            <a:off x="1024128" y="4028400"/>
+            <a:ext cx="3700368" cy="2475894"/>
+          </a:xfrm>
+          <a:prstGeom prst="rect">
+            <a:avLst/>
+          </a:prstGeom>
+        </p:spPr>
+      </p:pic>
+      <p:pic>
+        <p:nvPicPr>
+          <p:cNvPr id="9" name="Picture 8"/>
+          <p:cNvPicPr>
+            <a:picLocks noChangeAspect="1"/>
+          </p:cNvPicPr>
+          <p:nvPr/>
+        </p:nvPicPr>
+        <p:blipFill>
+          <a:blip r:embed="rId3"/>
+          <a:stretch>
+            <a:fillRect/>
+          </a:stretch>
+        </p:blipFill>
+        <p:spPr>
+          <a:xfrm>
+            <a:off x="6237333" y="2550156"/>
+            <a:ext cx="4506867" cy="3954138"/>
+          </a:xfrm>
+          <a:prstGeom prst="rect">
+            <a:avLst/>
+          </a:prstGeom>
+          <a:ln>
+            <a:noFill/>
+          </a:ln>
+          <a:effectLst>
+            <a:outerShdw blurRad="190500" algn="tl" rotWithShape="0">
+              <a:srgbClr val="000000">
+                <a:alpha val="70000"/>
+              </a:srgbClr>
+            </a:outerShdw>
+          </a:effectLst>
+        </p:spPr>
+      </p:pic>
+    </p:spTree>
+    <p:extLst>
+      <p:ext uri="{BB962C8B-B14F-4D97-AF65-F5344CB8AC3E}">
+        <p14:creationId xmlns:p14="http://schemas.microsoft.com/office/powerpoint/2010/main" val="1312132544"/>
+      </p:ext>
+    </p:extLst>
+  </p:cSld>
+  <p:clrMapOvr>
+    <a:masterClrMapping/>
+  </p:clrMapOvr>
+</p:sld>
+</file>
+
+<file path=ppt/slides/slide7.xml><?xml version="1.0" encoding="utf-8"?>
+<p:sld xmlns:a="http://schemas.openxmlformats.org/drawingml/2006/main" xmlns:r="http://schemas.openxmlformats.org/officeDocument/2006/relationships" xmlns:p="http://schemas.openxmlformats.org/presentationml/2006/main">
+  <p:cSld>
+    <p:spTree>
+      <p:nvGrpSpPr>
+        <p:cNvPr id="1" name=""/>
+        <p:cNvGrpSpPr/>
+        <p:nvPr/>
+      </p:nvGrpSpPr>
+      <p:grpSpPr>
+        <a:xfrm>
+          <a:off x="0" y="0"/>
+          <a:ext cx="0" cy="0"/>
+          <a:chOff x="0" y="0"/>
+          <a:chExt cx="0" cy="0"/>
+        </a:xfrm>
+      </p:grpSpPr>
+      <p:sp>
+        <p:nvSpPr>
+          <p:cNvPr id="2" name="Title 1"/>
+          <p:cNvSpPr>
+            <a:spLocks noGrp="1"/>
+          </p:cNvSpPr>
+          <p:nvPr>
+            <p:ph type="title"/>
+          </p:nvPr>
+        </p:nvSpPr>
+        <p:spPr/>
+        <p:txBody>
+          <a:bodyPr/>
+          <a:lstStyle/>
+          <a:p>
+            <a:r>
+              <a:rPr lang="en-GB" dirty="0"/>
+              <a:t>Rapid Instructed task learning</a:t>
+            </a:r>
+            <a:endParaRPr lang="en-US" dirty="0"/>
+          </a:p>
+        </p:txBody>
+      </p:sp>
+      <p:sp>
+        <p:nvSpPr>
+          <p:cNvPr id="3" name="Content Placeholder 2"/>
+          <p:cNvSpPr>
+            <a:spLocks noGrp="1"/>
+          </p:cNvSpPr>
+          <p:nvPr>
+            <p:ph idx="1"/>
+          </p:nvPr>
+        </p:nvSpPr>
+        <p:spPr/>
+        <p:txBody>
+          <a:bodyPr/>
+          <a:lstStyle/>
+          <a:p>
             <a:r>
               <a:rPr lang="nl-NL" dirty="0" err="1"/>
               <a:t>Separates</a:t>
@@ -37660,7 +38529,7 @@
               <a:t> </a:t>
             </a:r>
             <a:r>
-              <a:rPr lang="nl-NL" dirty="0" err="1"/>
+              <a:rPr lang="nl-NL" i="1" dirty="0" err="1"/>
               <a:t>encoding</a:t>
             </a:r>
             <a:r>
@@ -37684,7 +38553,7 @@
               <a:t> </a:t>
             </a:r>
             <a:r>
-              <a:rPr lang="nl-NL" dirty="0" err="1"/>
+              <a:rPr lang="nl-NL" i="1" dirty="0" err="1"/>
               <a:t>execution</a:t>
             </a:r>
             <a:r>
@@ -37738,10 +38607,170 @@
             <a:endParaRPr lang="nl-NL" dirty="0"/>
           </a:p>
           <a:p>
-            <a:pPr marL="0" indent="0">
-              <a:buNone/>
-            </a:pPr>
+            <a:r>
+              <a:rPr lang="en-US" i="1" dirty="0"/>
+              <a:t>card/cards | </a:t>
+            </a:r>
+            <a:r>
+              <a:rPr lang="en-US" i="1" dirty="0" err="1"/>
+              <a:t>kaart</a:t>
+            </a:r>
+            <a:r>
+              <a:rPr lang="en-US" i="1" dirty="0"/>
+              <a:t>/</a:t>
+            </a:r>
+            <a:r>
+              <a:rPr lang="en-US" i="1" dirty="0" err="1"/>
+              <a:t>kaarten</a:t>
+            </a:r>
+            <a:r>
+              <a:rPr lang="en-US" i="1" dirty="0"/>
+              <a:t>		half/add/multiply | decrease/half/add</a:t>
+            </a:r>
             <a:endParaRPr lang="nl-NL" dirty="0"/>
+          </a:p>
+          <a:p>
+            <a:r>
+              <a:rPr lang="nl-NL" dirty="0"/>
+              <a:t>As </a:t>
+            </a:r>
+            <a:r>
+              <a:rPr lang="nl-NL" dirty="0" err="1"/>
+              <a:t>bilinguals</a:t>
+            </a:r>
+            <a:r>
+              <a:rPr lang="nl-NL" dirty="0"/>
+              <a:t> </a:t>
+            </a:r>
+            <a:r>
+              <a:rPr lang="nl-NL" dirty="0" err="1"/>
+              <a:t>may</a:t>
+            </a:r>
+            <a:r>
+              <a:rPr lang="nl-NL" dirty="0"/>
+              <a:t> </a:t>
+            </a:r>
+            <a:r>
+              <a:rPr lang="nl-NL" dirty="0" err="1"/>
+              <a:t>be</a:t>
+            </a:r>
+            <a:r>
+              <a:rPr lang="nl-NL" dirty="0"/>
+              <a:t> more </a:t>
+            </a:r>
+            <a:r>
+              <a:rPr lang="nl-NL" dirty="0" err="1"/>
+              <a:t>used</a:t>
+            </a:r>
+            <a:r>
+              <a:rPr lang="nl-NL" dirty="0"/>
+              <a:t> </a:t>
+            </a:r>
+            <a:r>
+              <a:rPr lang="nl-NL" dirty="0" err="1"/>
+              <a:t>to</a:t>
+            </a:r>
+            <a:r>
+              <a:rPr lang="nl-NL" dirty="0"/>
+              <a:t> </a:t>
+            </a:r>
+            <a:r>
+              <a:rPr lang="nl-NL" dirty="0" err="1"/>
+              <a:t>switching</a:t>
+            </a:r>
+            <a:r>
+              <a:rPr lang="nl-NL" dirty="0"/>
+              <a:t> </a:t>
+            </a:r>
+            <a:r>
+              <a:rPr lang="nl-NL" dirty="0" err="1"/>
+              <a:t>between</a:t>
+            </a:r>
+            <a:r>
+              <a:rPr lang="nl-NL" dirty="0"/>
+              <a:t> sets, </a:t>
+            </a:r>
+            <a:r>
+              <a:rPr lang="nl-NL" dirty="0" err="1"/>
+              <a:t>we’d</a:t>
+            </a:r>
+            <a:r>
+              <a:rPr lang="nl-NL" dirty="0"/>
+              <a:t> </a:t>
+            </a:r>
+            <a:r>
+              <a:rPr lang="nl-NL" dirty="0" err="1"/>
+              <a:t>expect</a:t>
+            </a:r>
+            <a:r>
+              <a:rPr lang="nl-NL" dirty="0"/>
+              <a:t> </a:t>
+            </a:r>
+            <a:r>
+              <a:rPr lang="nl-NL" dirty="0" err="1"/>
+              <a:t>bilinguals</a:t>
+            </a:r>
+            <a:r>
+              <a:rPr lang="nl-NL" dirty="0"/>
+              <a:t> </a:t>
+            </a:r>
+            <a:r>
+              <a:rPr lang="nl-NL" dirty="0" err="1"/>
+              <a:t>to</a:t>
+            </a:r>
+            <a:r>
+              <a:rPr lang="nl-NL" dirty="0"/>
+              <a:t> </a:t>
+            </a:r>
+            <a:r>
+              <a:rPr lang="nl-NL" dirty="0" err="1"/>
+              <a:t>be</a:t>
+            </a:r>
+            <a:r>
+              <a:rPr lang="nl-NL" dirty="0"/>
+              <a:t> </a:t>
+            </a:r>
+            <a:r>
+              <a:rPr lang="nl-NL" dirty="0" err="1"/>
+              <a:t>faster</a:t>
+            </a:r>
+            <a:r>
+              <a:rPr lang="nl-NL" dirty="0"/>
+              <a:t> in </a:t>
+            </a:r>
+            <a:r>
+              <a:rPr lang="nl-NL" dirty="0" err="1"/>
+              <a:t>the</a:t>
+            </a:r>
+            <a:r>
+              <a:rPr lang="nl-NL" dirty="0"/>
+              <a:t> </a:t>
+            </a:r>
+            <a:r>
+              <a:rPr lang="nl-NL" dirty="0" err="1"/>
+              <a:t>RITL’s</a:t>
+            </a:r>
+            <a:r>
+              <a:rPr lang="nl-NL" dirty="0"/>
+              <a:t> </a:t>
+            </a:r>
+            <a:r>
+              <a:rPr lang="nl-NL" dirty="0" err="1"/>
+              <a:t>execution</a:t>
+            </a:r>
+            <a:r>
+              <a:rPr lang="nl-NL" dirty="0"/>
+              <a:t> </a:t>
+            </a:r>
+            <a:r>
+              <a:rPr lang="nl-NL" dirty="0" err="1"/>
+              <a:t>phase</a:t>
+            </a:r>
+            <a:r>
+              <a:rPr lang="nl-NL" dirty="0"/>
+              <a:t>.</a:t>
+            </a:r>
+            <a:endParaRPr lang="en-US" dirty="0"/>
           </a:p>
         </p:txBody>
       </p:sp>
@@ -37762,7 +38791,7 @@
           <a:p>
             <a:fld id="{4FAB73BC-B049-4115-A692-8D63A059BFB8}" type="slidenum">
               <a:rPr lang="en-US" smtClean="0"/>
-              <a:t>6</a:t>
+              <a:t>7</a:t>
             </a:fld>
             <a:endParaRPr lang="en-US" dirty="0"/>
           </a:p>
@@ -37824,385 +38853,88 @@
   <p:clrMapOvr>
     <a:masterClrMapping/>
   </p:clrMapOvr>
-</p:sld>
-</file>
-
-<file path=ppt/slides/slide7.xml><?xml version="1.0" encoding="utf-8"?>
-<p:sld xmlns:a="http://schemas.openxmlformats.org/drawingml/2006/main" xmlns:r="http://schemas.openxmlformats.org/officeDocument/2006/relationships" xmlns:p="http://schemas.openxmlformats.org/presentationml/2006/main">
-  <p:cSld>
-    <p:spTree>
-      <p:nvGrpSpPr>
-        <p:cNvPr id="1" name=""/>
-        <p:cNvGrpSpPr/>
-        <p:nvPr/>
-      </p:nvGrpSpPr>
-      <p:grpSpPr>
-        <a:xfrm>
-          <a:off x="0" y="0"/>
-          <a:ext cx="0" cy="0"/>
-          <a:chOff x="0" y="0"/>
-          <a:chExt cx="0" cy="0"/>
-        </a:xfrm>
-      </p:grpSpPr>
-      <p:sp>
-        <p:nvSpPr>
-          <p:cNvPr id="2" name="Title 1"/>
-          <p:cNvSpPr>
-            <a:spLocks noGrp="1"/>
-          </p:cNvSpPr>
-          <p:nvPr>
-            <p:ph type="title"/>
-          </p:nvPr>
-        </p:nvSpPr>
-        <p:spPr/>
-        <p:txBody>
-          <a:bodyPr/>
-          <a:lstStyle/>
-          <a:p>
-            <a:r>
-              <a:rPr lang="nl-NL" dirty="0"/>
-              <a:t>RITL </a:t>
-            </a:r>
-            <a:r>
-              <a:rPr lang="nl-NL" dirty="0" err="1"/>
-              <a:t>and</a:t>
-            </a:r>
-            <a:r>
-              <a:rPr lang="nl-NL" dirty="0"/>
-              <a:t> </a:t>
-            </a:r>
-            <a:r>
-              <a:rPr lang="nl-NL" dirty="0" err="1"/>
-              <a:t>Bilingualism</a:t>
-            </a:r>
-            <a:endParaRPr lang="en-US" dirty="0"/>
-          </a:p>
-        </p:txBody>
-      </p:sp>
-      <p:sp>
-        <p:nvSpPr>
-          <p:cNvPr id="3" name="Content Placeholder 2"/>
-          <p:cNvSpPr>
-            <a:spLocks noGrp="1"/>
-          </p:cNvSpPr>
-          <p:nvPr>
-            <p:ph idx="1"/>
-          </p:nvPr>
-        </p:nvSpPr>
-        <p:spPr/>
-        <p:txBody>
-          <a:bodyPr/>
-          <a:lstStyle/>
-          <a:p>
-            <a:r>
-              <a:rPr lang="en-US" dirty="0"/>
-              <a:t>Bilinguals have different sets of linguistic rules that serve the same communication goal</a:t>
-            </a:r>
-          </a:p>
-          <a:p>
-            <a:pPr algn="ctr"/>
-            <a:r>
-              <a:rPr lang="en-US" i="1" dirty="0"/>
-              <a:t>card/cards	</a:t>
-            </a:r>
-            <a:r>
-              <a:rPr lang="en-US" i="1" dirty="0" err="1"/>
-              <a:t>kaart</a:t>
-            </a:r>
-            <a:r>
-              <a:rPr lang="en-US" i="1" dirty="0"/>
-              <a:t>/</a:t>
-            </a:r>
-            <a:r>
-              <a:rPr lang="en-US" i="1" dirty="0" err="1"/>
-              <a:t>kaarten</a:t>
-            </a:r>
-            <a:endParaRPr lang="en-US" i="1" dirty="0"/>
-          </a:p>
-          <a:p>
-            <a:r>
-              <a:rPr lang="en-US" dirty="0"/>
-              <a:t>RITL procedure is similar</a:t>
-            </a:r>
-          </a:p>
-          <a:p>
-            <a:pPr algn="ctr"/>
-            <a:r>
-              <a:rPr lang="nl-NL" dirty="0" err="1"/>
-              <a:t>dubble</a:t>
-            </a:r>
-            <a:r>
-              <a:rPr lang="nl-NL" dirty="0"/>
-              <a:t>/half/</a:t>
-            </a:r>
-            <a:r>
-              <a:rPr lang="nl-NL" dirty="0" err="1"/>
-              <a:t>add</a:t>
-            </a:r>
-            <a:r>
-              <a:rPr lang="nl-NL" dirty="0"/>
-              <a:t>	</a:t>
-            </a:r>
-            <a:r>
-              <a:rPr lang="nl-NL" dirty="0" err="1"/>
-              <a:t>decrease</a:t>
-            </a:r>
-            <a:r>
-              <a:rPr lang="nl-NL" dirty="0"/>
-              <a:t>/</a:t>
-            </a:r>
-            <a:r>
-              <a:rPr lang="nl-NL" dirty="0" err="1"/>
-              <a:t>third</a:t>
-            </a:r>
-            <a:r>
-              <a:rPr lang="nl-NL" dirty="0"/>
-              <a:t>/</a:t>
-            </a:r>
-            <a:r>
-              <a:rPr lang="nl-NL" dirty="0" err="1"/>
-              <a:t>multiply</a:t>
-            </a:r>
-            <a:endParaRPr lang="nl-NL" dirty="0"/>
-          </a:p>
-          <a:p>
-            <a:pPr algn="ctr"/>
-            <a:endParaRPr lang="nl-NL" dirty="0"/>
-          </a:p>
-          <a:p>
-            <a:r>
-              <a:rPr lang="nl-NL" dirty="0"/>
-              <a:t>As </a:t>
-            </a:r>
-            <a:r>
-              <a:rPr lang="nl-NL" dirty="0" err="1"/>
-              <a:t>bilinguals</a:t>
-            </a:r>
-            <a:r>
-              <a:rPr lang="nl-NL" dirty="0"/>
-              <a:t> </a:t>
-            </a:r>
-            <a:r>
-              <a:rPr lang="nl-NL" dirty="0" err="1"/>
-              <a:t>may</a:t>
-            </a:r>
-            <a:r>
-              <a:rPr lang="nl-NL" dirty="0"/>
-              <a:t> </a:t>
-            </a:r>
-            <a:r>
-              <a:rPr lang="nl-NL" dirty="0" err="1"/>
-              <a:t>be</a:t>
-            </a:r>
-            <a:r>
-              <a:rPr lang="nl-NL" dirty="0"/>
-              <a:t> more </a:t>
-            </a:r>
-            <a:r>
-              <a:rPr lang="nl-NL" dirty="0" err="1"/>
-              <a:t>used</a:t>
-            </a:r>
-            <a:r>
-              <a:rPr lang="nl-NL" dirty="0"/>
-              <a:t> </a:t>
-            </a:r>
-            <a:r>
-              <a:rPr lang="nl-NL" dirty="0" err="1"/>
-              <a:t>to</a:t>
-            </a:r>
-            <a:r>
-              <a:rPr lang="nl-NL" dirty="0"/>
-              <a:t> set </a:t>
-            </a:r>
-            <a:r>
-              <a:rPr lang="nl-NL" dirty="0" err="1"/>
-              <a:t>shifting</a:t>
-            </a:r>
-            <a:r>
-              <a:rPr lang="nl-NL" dirty="0"/>
-              <a:t>, </a:t>
-            </a:r>
-            <a:r>
-              <a:rPr lang="nl-NL" dirty="0" err="1"/>
-              <a:t>we’d</a:t>
-            </a:r>
-            <a:r>
-              <a:rPr lang="nl-NL" dirty="0"/>
-              <a:t> </a:t>
-            </a:r>
-            <a:r>
-              <a:rPr lang="nl-NL" dirty="0" err="1"/>
-              <a:t>expect</a:t>
-            </a:r>
-            <a:r>
-              <a:rPr lang="nl-NL" dirty="0"/>
-              <a:t> </a:t>
-            </a:r>
-            <a:r>
-              <a:rPr lang="nl-NL" dirty="0" err="1"/>
-              <a:t>bilinguals</a:t>
-            </a:r>
-            <a:r>
-              <a:rPr lang="nl-NL" dirty="0"/>
-              <a:t> </a:t>
-            </a:r>
-            <a:r>
-              <a:rPr lang="nl-NL" dirty="0" err="1"/>
-              <a:t>to</a:t>
-            </a:r>
-            <a:r>
-              <a:rPr lang="nl-NL" dirty="0"/>
-              <a:t> </a:t>
-            </a:r>
-            <a:r>
-              <a:rPr lang="nl-NL" dirty="0" err="1"/>
-              <a:t>be</a:t>
-            </a:r>
-            <a:r>
-              <a:rPr lang="nl-NL" dirty="0"/>
-              <a:t> </a:t>
-            </a:r>
-            <a:r>
-              <a:rPr lang="nl-NL" dirty="0" err="1"/>
-              <a:t>faster</a:t>
-            </a:r>
-            <a:r>
-              <a:rPr lang="nl-NL" dirty="0"/>
-              <a:t> in </a:t>
-            </a:r>
-            <a:r>
-              <a:rPr lang="nl-NL" dirty="0" err="1"/>
-              <a:t>the</a:t>
-            </a:r>
-            <a:r>
-              <a:rPr lang="nl-NL" dirty="0"/>
-              <a:t> </a:t>
-            </a:r>
-            <a:r>
-              <a:rPr lang="nl-NL" dirty="0" err="1"/>
-              <a:t>execution</a:t>
-            </a:r>
-            <a:r>
-              <a:rPr lang="nl-NL" dirty="0"/>
-              <a:t> </a:t>
-            </a:r>
-            <a:r>
-              <a:rPr lang="nl-NL" dirty="0" err="1"/>
-              <a:t>phase</a:t>
-            </a:r>
-            <a:r>
-              <a:rPr lang="nl-NL" dirty="0"/>
-              <a:t>. </a:t>
-            </a:r>
-            <a:r>
-              <a:rPr lang="nl-NL" dirty="0" err="1"/>
-              <a:t>This</a:t>
-            </a:r>
-            <a:r>
-              <a:rPr lang="nl-NL" dirty="0"/>
-              <a:t> is </a:t>
-            </a:r>
-            <a:r>
-              <a:rPr lang="nl-NL" dirty="0" err="1"/>
-              <a:t>the</a:t>
-            </a:r>
-            <a:r>
-              <a:rPr lang="nl-NL" dirty="0"/>
-              <a:t> part </a:t>
-            </a:r>
-            <a:r>
-              <a:rPr lang="nl-NL" dirty="0" err="1"/>
-              <a:t>where</a:t>
-            </a:r>
-            <a:r>
-              <a:rPr lang="nl-NL" dirty="0"/>
-              <a:t> </a:t>
-            </a:r>
-            <a:r>
-              <a:rPr lang="nl-NL" dirty="0" err="1"/>
-              <a:t>people</a:t>
-            </a:r>
-            <a:r>
-              <a:rPr lang="nl-NL" dirty="0"/>
-              <a:t> </a:t>
-            </a:r>
-            <a:r>
-              <a:rPr lang="nl-NL" dirty="0" err="1"/>
-              <a:t>actually</a:t>
-            </a:r>
-            <a:r>
-              <a:rPr lang="nl-NL" dirty="0"/>
-              <a:t> </a:t>
-            </a:r>
-            <a:r>
-              <a:rPr lang="nl-NL" dirty="0" err="1"/>
-              <a:t>apply</a:t>
-            </a:r>
-            <a:r>
-              <a:rPr lang="nl-NL" dirty="0"/>
-              <a:t> </a:t>
-            </a:r>
-            <a:r>
-              <a:rPr lang="nl-NL" dirty="0" err="1"/>
-              <a:t>rules</a:t>
-            </a:r>
-            <a:r>
-              <a:rPr lang="nl-NL" dirty="0"/>
-              <a:t> </a:t>
-            </a:r>
-            <a:r>
-              <a:rPr lang="nl-NL" dirty="0" err="1"/>
-              <a:t>to</a:t>
-            </a:r>
-            <a:r>
-              <a:rPr lang="nl-NL" dirty="0"/>
-              <a:t> </a:t>
-            </a:r>
-            <a:r>
-              <a:rPr lang="nl-NL" dirty="0" err="1"/>
-              <a:t>given</a:t>
-            </a:r>
-            <a:r>
-              <a:rPr lang="nl-NL" dirty="0"/>
-              <a:t> information.</a:t>
-            </a:r>
-            <a:endParaRPr lang="en-US" dirty="0"/>
-          </a:p>
-        </p:txBody>
-      </p:sp>
-      <p:sp>
-        <p:nvSpPr>
-          <p:cNvPr id="4" name="Slide Number Placeholder 3"/>
-          <p:cNvSpPr>
-            <a:spLocks noGrp="1"/>
-          </p:cNvSpPr>
-          <p:nvPr>
-            <p:ph type="sldNum" sz="quarter" idx="12"/>
-          </p:nvPr>
-        </p:nvSpPr>
-        <p:spPr/>
-        <p:txBody>
-          <a:bodyPr/>
-          <a:lstStyle/>
-          <a:p>
-            <a:fld id="{4FAB73BC-B049-4115-A692-8D63A059BFB8}" type="slidenum">
-              <a:rPr lang="en-US" smtClean="0"/>
-              <a:t>7</a:t>
-            </a:fld>
-            <a:endParaRPr lang="en-US" dirty="0"/>
-          </a:p>
-        </p:txBody>
-      </p:sp>
-    </p:spTree>
-    <p:extLst>
-      <p:ext uri="{BB962C8B-B14F-4D97-AF65-F5344CB8AC3E}">
-        <p14:creationId xmlns:p14="http://schemas.microsoft.com/office/powerpoint/2010/main" val="575360662"/>
-      </p:ext>
-    </p:extLst>
-  </p:cSld>
-  <p:clrMapOvr>
-    <a:masterClrMapping/>
-  </p:clrMapOvr>
+  <p:timing>
+    <p:tnLst>
+      <p:par>
+        <p:cTn id="1" dur="indefinite" restart="never" nodeType="tmRoot">
+          <p:childTnLst>
+            <p:seq concurrent="1" nextAc="seek">
+              <p:cTn id="2" dur="indefinite" nodeType="mainSeq">
+                <p:childTnLst>
+                  <p:par>
+                    <p:cTn id="3" fill="hold">
+                      <p:stCondLst>
+                        <p:cond delay="indefinite"/>
+                      </p:stCondLst>
+                      <p:childTnLst>
+                        <p:par>
+                          <p:cTn id="4" fill="hold">
+                            <p:stCondLst>
+                              <p:cond delay="0"/>
+                            </p:stCondLst>
+                            <p:childTnLst>
+                              <p:par>
+                                <p:cTn id="5" presetID="1" presetClass="entr" presetSubtype="0" fill="hold" grpId="0" nodeType="clickEffect">
+                                  <p:stCondLst>
+                                    <p:cond delay="0"/>
+                                  </p:stCondLst>
+                                  <p:childTnLst>
+                                    <p:set>
+                                      <p:cBhvr>
+                                        <p:cTn id="6" dur="1" fill="hold">
+                                          <p:stCondLst>
+                                            <p:cond delay="0"/>
+                                          </p:stCondLst>
+                                        </p:cTn>
+                                        <p:tgtEl>
+                                          <p:spTgt spid="3">
+                                            <p:txEl>
+                                              <p:pRg st="4" end="4"/>
+                                            </p:txEl>
+                                          </p:spTgt>
+                                        </p:tgtEl>
+                                        <p:attrNameLst>
+                                          <p:attrName>style.visibility</p:attrName>
+                                        </p:attrNameLst>
+                                      </p:cBhvr>
+                                      <p:to>
+                                        <p:strVal val="visible"/>
+                                      </p:to>
+                                    </p:set>
+                                  </p:childTnLst>
+                                </p:cTn>
+                              </p:par>
+                            </p:childTnLst>
+                          </p:cTn>
+                        </p:par>
+                      </p:childTnLst>
+                    </p:cTn>
+                  </p:par>
+                </p:childTnLst>
+              </p:cTn>
+              <p:prevCondLst>
+                <p:cond evt="onPrev" delay="0">
+                  <p:tgtEl>
+                    <p:sldTgt/>
+                  </p:tgtEl>
+                </p:cond>
+              </p:prevCondLst>
+              <p:nextCondLst>
+                <p:cond evt="onNext" delay="0">
+                  <p:tgtEl>
+                    <p:sldTgt/>
+                  </p:tgtEl>
+                </p:cond>
+              </p:nextCondLst>
+            </p:seq>
+          </p:childTnLst>
+        </p:cTn>
+      </p:par>
+    </p:tnLst>
+    <p:bldLst>
+      <p:bldP spid="3" grpId="0" uiExpand="1" build="p"/>
+    </p:bldLst>
+  </p:timing>
 </p:sld>
 </file>
 
@@ -38238,6 +38970,26 @@
           <a:bodyPr/>
           <a:lstStyle/>
           <a:p>
+            <a:r>
+              <a:rPr lang="nl-NL" dirty="0"/>
+              <a:t>RITL </a:t>
+            </a:r>
+            <a:r>
+              <a:rPr lang="nl-NL" dirty="0" err="1"/>
+              <a:t>and</a:t>
+            </a:r>
+            <a:r>
+              <a:rPr lang="nl-NL" dirty="0"/>
+              <a:t> </a:t>
+            </a:r>
+            <a:r>
+              <a:rPr lang="nl-NL" dirty="0" err="1"/>
+              <a:t>Bilingualism</a:t>
+            </a:r>
+            <a:r>
+              <a:rPr lang="nl-NL" dirty="0"/>
+              <a:t>: </a:t>
+            </a:r>
             <a:r>
               <a:rPr lang="en-GB" dirty="0"/>
               <a:t>Results Encoding</a:t>
@@ -38412,6 +39164,26 @@
           <a:lstStyle/>
           <a:p>
             <a:r>
+              <a:rPr lang="nl-NL" dirty="0"/>
+              <a:t>RITL </a:t>
+            </a:r>
+            <a:r>
+              <a:rPr lang="nl-NL" dirty="0" err="1"/>
+              <a:t>and</a:t>
+            </a:r>
+            <a:r>
+              <a:rPr lang="nl-NL" dirty="0"/>
+              <a:t> </a:t>
+            </a:r>
+            <a:r>
+              <a:rPr lang="nl-NL" dirty="0" err="1"/>
+              <a:t>Bilingualism</a:t>
+            </a:r>
+            <a:r>
+              <a:rPr lang="nl-NL" dirty="0"/>
+              <a:t>: </a:t>
+            </a:r>
+            <a:r>
               <a:rPr lang="en-GB" dirty="0"/>
               <a:t>Results Execution</a:t>
             </a:r>
@@ -38457,23 +39229,43 @@
         </p:nvSpPr>
         <p:spPr/>
         <p:txBody>
-          <a:bodyPr/>
+          <a:bodyPr>
+            <a:normAutofit/>
+          </a:bodyPr>
           <a:lstStyle/>
           <a:p>
             <a:r>
-              <a:rPr lang="en-GB" dirty="0"/>
+              <a:rPr lang="en-GB" sz="2200" dirty="0"/>
               <a:t>No difference between novel and practiced instructions in bilinguals, but monolinguals needed practice.</a:t>
             </a:r>
           </a:p>
           <a:p>
             <a:r>
-              <a:rPr lang="en-GB" dirty="0">
+              <a:rPr lang="en-GB" sz="2200" dirty="0">
                 <a:solidFill>
                   <a:srgbClr val="0070C0"/>
                 </a:solidFill>
               </a:rPr>
               <a:t>Only monolinguals learned something here</a:t>
             </a:r>
+          </a:p>
+          <a:p>
+            <a:endParaRPr lang="en-GB" sz="2200" dirty="0">
+              <a:solidFill>
+                <a:srgbClr val="0070C0"/>
+              </a:solidFill>
+            </a:endParaRPr>
+          </a:p>
+          <a:p>
+            <a:r>
+              <a:rPr lang="en-GB" sz="2200" b="1" dirty="0"/>
+              <a:t>Still, no explanation where this difference comes from</a:t>
+            </a:r>
+            <a:endParaRPr lang="en-GB" sz="2200" b="1" dirty="0">
+              <a:solidFill>
+                <a:srgbClr val="0070C0"/>
+              </a:solidFill>
+            </a:endParaRPr>
           </a:p>
         </p:txBody>
       </p:sp>
